--- a/电商用户购买行为预测/电商用户购买行为预测.pptx
+++ b/电商用户购买行为预测/电商用户购买行为预测.pptx
@@ -16,22 +16,21 @@
     <p:sldId id="558" r:id="rId11"/>
     <p:sldId id="559" r:id="rId12"/>
     <p:sldId id="560" r:id="rId13"/>
-    <p:sldId id="266" r:id="rId14"/>
-    <p:sldId id="260" r:id="rId15"/>
-    <p:sldId id="265" r:id="rId16"/>
-    <p:sldId id="468" r:id="rId17"/>
-    <p:sldId id="347" r:id="rId18"/>
-    <p:sldId id="261" r:id="rId19"/>
-    <p:sldId id="436" r:id="rId20"/>
-    <p:sldId id="271" r:id="rId21"/>
-    <p:sldId id="475" r:id="rId22"/>
-    <p:sldId id="262" r:id="rId23"/>
-    <p:sldId id="535" r:id="rId24"/>
-    <p:sldId id="273" r:id="rId25"/>
-    <p:sldId id="366" r:id="rId26"/>
-    <p:sldId id="263" r:id="rId27"/>
-    <p:sldId id="264" r:id="rId28"/>
-    <p:sldId id="327" r:id="rId29"/>
+    <p:sldId id="260" r:id="rId14"/>
+    <p:sldId id="265" r:id="rId15"/>
+    <p:sldId id="468" r:id="rId16"/>
+    <p:sldId id="347" r:id="rId17"/>
+    <p:sldId id="261" r:id="rId18"/>
+    <p:sldId id="436" r:id="rId19"/>
+    <p:sldId id="271" r:id="rId20"/>
+    <p:sldId id="475" r:id="rId21"/>
+    <p:sldId id="262" r:id="rId22"/>
+    <p:sldId id="535" r:id="rId23"/>
+    <p:sldId id="273" r:id="rId24"/>
+    <p:sldId id="366" r:id="rId25"/>
+    <p:sldId id="263" r:id="rId26"/>
+    <p:sldId id="264" r:id="rId27"/>
+    <p:sldId id="327" r:id="rId28"/>
   </p:sldIdLst>
   <p:sldSz cx="12192000" cy="6858000"/>
   <p:notesSz cx="6858000" cy="9144000"/>
@@ -7231,7 +7230,35 @@
                 <a:ea typeface="微软雅黑 Light" panose="020B0502040204020203" pitchFamily="34" charset="-122"/>
                 <a:sym typeface="宋体" panose="02010600030101010101" pitchFamily="2" charset="-122"/>
               </a:rPr>
-              <a:t>使用</a:t>
+              <a:t>为此，提出一种 ＣＮＮＬＳ</a:t>
+            </a:r>
+            <a:r>
+              <a:rPr lang="en-US" altLang="zh-CN" sz="1400" dirty="0">
+                <a:solidFill>
+                  <a:schemeClr val="tx1">
+                    <a:lumMod val="85000"/>
+                    <a:lumOff val="15000"/>
+                  </a:schemeClr>
+                </a:solidFill>
+                <a:latin typeface="微软雅黑 Light" panose="020B0502040204020203" pitchFamily="34" charset="-122"/>
+                <a:ea typeface="微软雅黑 Light" panose="020B0502040204020203" pitchFamily="34" charset="-122"/>
+                <a:sym typeface="宋体" panose="02010600030101010101" pitchFamily="2" charset="-122"/>
+              </a:rPr>
+              <a:t>T</a:t>
+            </a:r>
+            <a:r>
+              <a:rPr lang="zh-CN" altLang="en-US" sz="1400" dirty="0">
+                <a:solidFill>
+                  <a:schemeClr val="tx1">
+                    <a:lumMod val="85000"/>
+                    <a:lumOff val="15000"/>
+                  </a:schemeClr>
+                </a:solidFill>
+                <a:latin typeface="微软雅黑 Light" panose="020B0502040204020203" pitchFamily="34" charset="-122"/>
+                <a:ea typeface="微软雅黑 Light" panose="020B0502040204020203" pitchFamily="34" charset="-122"/>
+                <a:sym typeface="宋体" panose="02010600030101010101" pitchFamily="2" charset="-122"/>
+              </a:rPr>
+              <a:t>Ｍ神经网络组合模型来预测用户购买行为，使用</a:t>
             </a:r>
             <a:r>
               <a:rPr lang="en-US" altLang="zh-CN" sz="1400" dirty="0">
@@ -7614,2329 +7641,6 @@
       </p:grpSpPr>
       <p:sp>
         <p:nvSpPr>
-          <p:cNvPr id="3" name="矩形 2"/>
-          <p:cNvSpPr/>
-          <p:nvPr/>
-        </p:nvSpPr>
-        <p:spPr>
-          <a:xfrm>
-            <a:off x="6096000" y="0"/>
-            <a:ext cx="6096000" cy="4851399"/>
-          </a:xfrm>
-          <a:prstGeom prst="rect">
-            <a:avLst/>
-          </a:prstGeom>
-          <a:blipFill dpi="0" rotWithShape="1">
-            <a:blip r:embed="rId1" cstate="email">
-              <a:extLst>
-                <a:ext uri="{28A0092B-C50C-407E-A947-70E740481C1C}">
-                  <a14:useLocalDpi xmlns:a14="http://schemas.microsoft.com/office/drawing/2010/main" val="0"/>
-                </a:ext>
-              </a:extLst>
-            </a:blip>
-            <a:srcRect/>
-            <a:stretch>
-              <a:fillRect l="-1"/>
-            </a:stretch>
-          </a:blipFill>
-          <a:ln>
-            <a:noFill/>
-          </a:ln>
-        </p:spPr>
-        <p:style>
-          <a:lnRef idx="2">
-            <a:schemeClr val="accent1">
-              <a:shade val="50000"/>
-            </a:schemeClr>
-          </a:lnRef>
-          <a:fillRef idx="1">
-            <a:schemeClr val="accent1"/>
-          </a:fillRef>
-          <a:effectRef idx="0">
-            <a:schemeClr val="accent1"/>
-          </a:effectRef>
-          <a:fontRef idx="minor">
-            <a:schemeClr val="lt1"/>
-          </a:fontRef>
-        </p:style>
-        <p:txBody>
-          <a:bodyPr rot="0" spcFirstLastPara="0" vertOverflow="overflow" horzOverflow="overflow" vert="horz" wrap="square" lIns="91440" tIns="45720" rIns="91440" bIns="45720" numCol="1" spcCol="0" rtlCol="0" fromWordArt="0" anchor="ctr" anchorCtr="0" forceAA="0" compatLnSpc="1">
-            <a:noAutofit/>
-          </a:bodyPr>
-          <a:lstStyle/>
-          <a:p>
-            <a:pPr algn="ctr"/>
-            <a:endParaRPr lang="zh-CN" altLang="en-US"/>
-          </a:p>
-        </p:txBody>
-      </p:sp>
-      <p:sp>
-        <p:nvSpPr>
-          <p:cNvPr id="5" name="矩形 4"/>
-          <p:cNvSpPr/>
-          <p:nvPr/>
-        </p:nvSpPr>
-        <p:spPr>
-          <a:xfrm>
-            <a:off x="0" y="4851398"/>
-            <a:ext cx="6096000" cy="2006601"/>
-          </a:xfrm>
-          <a:prstGeom prst="rect">
-            <a:avLst/>
-          </a:prstGeom>
-          <a:solidFill>
-            <a:srgbClr val="172238"/>
-          </a:solidFill>
-          <a:ln>
-            <a:noFill/>
-          </a:ln>
-        </p:spPr>
-        <p:style>
-          <a:lnRef idx="2">
-            <a:schemeClr val="accent1">
-              <a:shade val="50000"/>
-            </a:schemeClr>
-          </a:lnRef>
-          <a:fillRef idx="1">
-            <a:schemeClr val="accent1"/>
-          </a:fillRef>
-          <a:effectRef idx="0">
-            <a:schemeClr val="accent1"/>
-          </a:effectRef>
-          <a:fontRef idx="minor">
-            <a:schemeClr val="lt1"/>
-          </a:fontRef>
-        </p:style>
-        <p:txBody>
-          <a:bodyPr rot="0" spcFirstLastPara="0" vertOverflow="overflow" horzOverflow="overflow" vert="horz" wrap="square" lIns="91440" tIns="45720" rIns="91440" bIns="45720" numCol="1" spcCol="0" rtlCol="0" fromWordArt="0" anchor="ctr" anchorCtr="0" forceAA="0" compatLnSpc="1">
-            <a:noAutofit/>
-          </a:bodyPr>
-          <a:lstStyle/>
-          <a:p>
-            <a:pPr algn="ctr"/>
-            <a:endParaRPr lang="zh-CN" altLang="en-US"/>
-          </a:p>
-        </p:txBody>
-      </p:sp>
-      <p:sp>
-        <p:nvSpPr>
-          <p:cNvPr id="6" name="文本框 22"/>
-          <p:cNvSpPr txBox="1"/>
-          <p:nvPr/>
-        </p:nvSpPr>
-        <p:spPr>
-          <a:xfrm flipH="1">
-            <a:off x="8079341" y="5539670"/>
-            <a:ext cx="3336186" cy="588944"/>
-          </a:xfrm>
-          <a:prstGeom prst="rect">
-            <a:avLst/>
-          </a:prstGeom>
-          <a:noFill/>
-          <a:ln w="9525">
-            <a:noFill/>
-            <a:miter/>
-          </a:ln>
-          <a:effectLst>
-            <a:outerShdw sx="999" sy="999" algn="ctr" rotWithShape="0">
-              <a:srgbClr val="000000"/>
-            </a:outerShdw>
-          </a:effectLst>
-        </p:spPr>
-        <p:txBody>
-          <a:bodyPr wrap="square" anchor="t">
-            <a:spAutoFit/>
-          </a:bodyPr>
-          <a:lstStyle/>
-          <a:p>
-            <a:pPr algn="just">
-              <a:lnSpc>
-                <a:spcPct val="120000"/>
-              </a:lnSpc>
-            </a:pPr>
-            <a:r>
-              <a:rPr lang="zh-CN" altLang="en-US" sz="1400">
-                <a:solidFill>
-                  <a:schemeClr val="tx1">
-                    <a:lumMod val="85000"/>
-                    <a:lumOff val="15000"/>
-                  </a:schemeClr>
-                </a:solidFill>
-                <a:latin typeface="微软雅黑 Light" panose="020B0502040204020203" pitchFamily="34" charset="-122"/>
-                <a:ea typeface="微软雅黑 Light" panose="020B0502040204020203" pitchFamily="34" charset="-122"/>
-                <a:sym typeface="宋体" panose="02010600030101010101" pitchFamily="2" charset="-122"/>
-              </a:rPr>
-              <a:t>本</a:t>
-            </a:r>
-            <a:r>
-              <a:rPr lang="zh-CN" altLang="en-US" sz="1400" dirty="0">
-                <a:solidFill>
-                  <a:schemeClr val="tx1">
-                    <a:lumMod val="85000"/>
-                    <a:lumOff val="15000"/>
-                  </a:schemeClr>
-                </a:solidFill>
-                <a:latin typeface="微软雅黑 Light" panose="020B0502040204020203" pitchFamily="34" charset="-122"/>
-                <a:ea typeface="微软雅黑 Light" panose="020B0502040204020203" pitchFamily="34" charset="-122"/>
-                <a:sym typeface="宋体" panose="02010600030101010101" pitchFamily="2" charset="-122"/>
-              </a:rPr>
-              <a:t>模板精心设计，模板所有素材均可自由编辑替换</a:t>
-            </a:r>
-            <a:r>
-              <a:rPr lang="zh-CN" altLang="en-US" sz="1400">
-                <a:solidFill>
-                  <a:schemeClr val="tx1">
-                    <a:lumMod val="85000"/>
-                    <a:lumOff val="15000"/>
-                  </a:schemeClr>
-                </a:solidFill>
-                <a:latin typeface="微软雅黑 Light" panose="020B0502040204020203" pitchFamily="34" charset="-122"/>
-                <a:ea typeface="微软雅黑 Light" panose="020B0502040204020203" pitchFamily="34" charset="-122"/>
-                <a:sym typeface="宋体" panose="02010600030101010101" pitchFamily="2" charset="-122"/>
-              </a:rPr>
-              <a:t>移动。</a:t>
-            </a:r>
-            <a:endParaRPr lang="zh-CN" altLang="en-US" sz="1400" dirty="0">
-              <a:solidFill>
-                <a:schemeClr val="tx1">
-                  <a:lumMod val="85000"/>
-                  <a:lumOff val="15000"/>
-                </a:schemeClr>
-              </a:solidFill>
-              <a:latin typeface="微软雅黑 Light" panose="020B0502040204020203" pitchFamily="34" charset="-122"/>
-              <a:ea typeface="微软雅黑 Light" panose="020B0502040204020203" pitchFamily="34" charset="-122"/>
-              <a:sym typeface="宋体" panose="02010600030101010101" pitchFamily="2" charset="-122"/>
-            </a:endParaRPr>
-          </a:p>
-        </p:txBody>
-      </p:sp>
-      <p:sp>
-        <p:nvSpPr>
-          <p:cNvPr id="7" name="椭圆 6"/>
-          <p:cNvSpPr/>
-          <p:nvPr/>
-        </p:nvSpPr>
-        <p:spPr>
-          <a:xfrm>
-            <a:off x="6872473" y="5415830"/>
-            <a:ext cx="826938" cy="826938"/>
-          </a:xfrm>
-          <a:prstGeom prst="ellipse">
-            <a:avLst/>
-          </a:prstGeom>
-          <a:solidFill>
-            <a:srgbClr val="172238"/>
-          </a:solidFill>
-          <a:ln>
-            <a:noFill/>
-          </a:ln>
-        </p:spPr>
-        <p:style>
-          <a:lnRef idx="2">
-            <a:schemeClr val="accent1">
-              <a:shade val="50000"/>
-            </a:schemeClr>
-          </a:lnRef>
-          <a:fillRef idx="1">
-            <a:schemeClr val="accent1"/>
-          </a:fillRef>
-          <a:effectRef idx="0">
-            <a:schemeClr val="accent1"/>
-          </a:effectRef>
-          <a:fontRef idx="minor">
-            <a:schemeClr val="lt1"/>
-          </a:fontRef>
-        </p:style>
-        <p:txBody>
-          <a:bodyPr rot="0" spcFirstLastPara="0" vertOverflow="overflow" horzOverflow="overflow" vert="horz" wrap="square" lIns="91440" tIns="45720" rIns="91440" bIns="45720" numCol="1" spcCol="0" rtlCol="0" fromWordArt="0" anchor="ctr" anchorCtr="0" forceAA="0" compatLnSpc="1">
-            <a:noAutofit/>
-          </a:bodyPr>
-          <a:lstStyle/>
-          <a:p>
-            <a:pPr algn="ctr"/>
-            <a:endParaRPr lang="zh-CN" altLang="en-US"/>
-          </a:p>
-        </p:txBody>
-      </p:sp>
-      <p:sp>
-        <p:nvSpPr>
-          <p:cNvPr id="8" name="checked_158820"/>
-          <p:cNvSpPr>
-            <a:spLocks noChangeAspect="1"/>
-          </p:cNvSpPr>
-          <p:nvPr/>
-        </p:nvSpPr>
-        <p:spPr bwMode="auto">
-          <a:xfrm>
-            <a:off x="7077395" y="5641470"/>
-            <a:ext cx="424679" cy="375657"/>
-          </a:xfrm>
-          <a:custGeom>
-            <a:avLst/>
-            <a:gdLst>
-              <a:gd name="T0" fmla="*/ 137 w 6556"/>
-              <a:gd name="T1" fmla="*/ 2034 h 5808"/>
-              <a:gd name="T2" fmla="*/ 23 w 6556"/>
-              <a:gd name="T3" fmla="*/ 2558 h 5808"/>
-              <a:gd name="T4" fmla="*/ 9 w 6556"/>
-              <a:gd name="T5" fmla="*/ 2659 h 5808"/>
-              <a:gd name="T6" fmla="*/ 4 w 6556"/>
-              <a:gd name="T7" fmla="*/ 2814 h 5808"/>
-              <a:gd name="T8" fmla="*/ 0 w 6556"/>
-              <a:gd name="T9" fmla="*/ 2906 h 5808"/>
-              <a:gd name="T10" fmla="*/ 0 w 6556"/>
-              <a:gd name="T11" fmla="*/ 2926 h 5808"/>
-              <a:gd name="T12" fmla="*/ 0 w 6556"/>
-              <a:gd name="T13" fmla="*/ 2938 h 5808"/>
-              <a:gd name="T14" fmla="*/ 0 w 6556"/>
-              <a:gd name="T15" fmla="*/ 2948 h 5808"/>
-              <a:gd name="T16" fmla="*/ 17 w 6556"/>
-              <a:gd name="T17" fmla="*/ 3212 h 5808"/>
-              <a:gd name="T18" fmla="*/ 60 w 6556"/>
-              <a:gd name="T19" fmla="*/ 3474 h 5808"/>
-              <a:gd name="T20" fmla="*/ 431 w 6556"/>
-              <a:gd name="T21" fmla="*/ 4494 h 5808"/>
-              <a:gd name="T22" fmla="*/ 1944 w 6556"/>
-              <a:gd name="T23" fmla="*/ 5676 h 5808"/>
-              <a:gd name="T24" fmla="*/ 2439 w 6556"/>
-              <a:gd name="T25" fmla="*/ 5783 h 5808"/>
-              <a:gd name="T26" fmla="*/ 2559 w 6556"/>
-              <a:gd name="T27" fmla="*/ 5796 h 5808"/>
-              <a:gd name="T28" fmla="*/ 2727 w 6556"/>
-              <a:gd name="T29" fmla="*/ 5806 h 5808"/>
-              <a:gd name="T30" fmla="*/ 2769 w 6556"/>
-              <a:gd name="T31" fmla="*/ 5808 h 5808"/>
-              <a:gd name="T32" fmla="*/ 2791 w 6556"/>
-              <a:gd name="T33" fmla="*/ 5808 h 5808"/>
-              <a:gd name="T34" fmla="*/ 2923 w 6556"/>
-              <a:gd name="T35" fmla="*/ 5803 h 5808"/>
-              <a:gd name="T36" fmla="*/ 5320 w 6556"/>
-              <a:gd name="T37" fmla="*/ 4274 h 5808"/>
-              <a:gd name="T38" fmla="*/ 5552 w 6556"/>
-              <a:gd name="T39" fmla="*/ 3692 h 5808"/>
-              <a:gd name="T40" fmla="*/ 5583 w 6556"/>
-              <a:gd name="T41" fmla="*/ 3574 h 5808"/>
-              <a:gd name="T42" fmla="*/ 5619 w 6556"/>
-              <a:gd name="T43" fmla="*/ 3410 h 5808"/>
-              <a:gd name="T44" fmla="*/ 5627 w 6556"/>
-              <a:gd name="T45" fmla="*/ 3370 h 5808"/>
-              <a:gd name="T46" fmla="*/ 5581 w 6556"/>
-              <a:gd name="T47" fmla="*/ 2979 h 5808"/>
-              <a:gd name="T48" fmla="*/ 5407 w 6556"/>
-              <a:gd name="T49" fmla="*/ 3214 h 5808"/>
-              <a:gd name="T50" fmla="*/ 4113 w 6556"/>
-              <a:gd name="T51" fmla="*/ 4962 h 5808"/>
-              <a:gd name="T52" fmla="*/ 2795 w 6556"/>
-              <a:gd name="T53" fmla="*/ 5328 h 5808"/>
-              <a:gd name="T54" fmla="*/ 2771 w 6556"/>
-              <a:gd name="T55" fmla="*/ 5327 h 5808"/>
-              <a:gd name="T56" fmla="*/ 2631 w 6556"/>
-              <a:gd name="T57" fmla="*/ 5318 h 5808"/>
-              <a:gd name="T58" fmla="*/ 2456 w 6556"/>
-              <a:gd name="T59" fmla="*/ 5296 h 5808"/>
-              <a:gd name="T60" fmla="*/ 2132 w 6556"/>
-              <a:gd name="T61" fmla="*/ 5222 h 5808"/>
-              <a:gd name="T62" fmla="*/ 1013 w 6556"/>
-              <a:gd name="T63" fmla="*/ 4488 h 5808"/>
-              <a:gd name="T64" fmla="*/ 457 w 6556"/>
-              <a:gd name="T65" fmla="*/ 3274 h 5808"/>
-              <a:gd name="T66" fmla="*/ 436 w 6556"/>
-              <a:gd name="T67" fmla="*/ 3106 h 5808"/>
-              <a:gd name="T68" fmla="*/ 428 w 6556"/>
-              <a:gd name="T69" fmla="*/ 2978 h 5808"/>
-              <a:gd name="T70" fmla="*/ 425 w 6556"/>
-              <a:gd name="T71" fmla="*/ 2946 h 5808"/>
-              <a:gd name="T72" fmla="*/ 425 w 6556"/>
-              <a:gd name="T73" fmla="*/ 2938 h 5808"/>
-              <a:gd name="T74" fmla="*/ 431 w 6556"/>
-              <a:gd name="T75" fmla="*/ 2759 h 5808"/>
-              <a:gd name="T76" fmla="*/ 445 w 6556"/>
-              <a:gd name="T77" fmla="*/ 2587 h 5808"/>
-              <a:gd name="T78" fmla="*/ 521 w 6556"/>
-              <a:gd name="T79" fmla="*/ 2267 h 5808"/>
-              <a:gd name="T80" fmla="*/ 609 w 6556"/>
-              <a:gd name="T81" fmla="*/ 2031 h 5808"/>
-              <a:gd name="T82" fmla="*/ 1295 w 6556"/>
-              <a:gd name="T83" fmla="*/ 1128 h 5808"/>
-              <a:gd name="T84" fmla="*/ 4248 w 6556"/>
-              <a:gd name="T85" fmla="*/ 1062 h 5808"/>
-              <a:gd name="T86" fmla="*/ 3981 w 6556"/>
-              <a:gd name="T87" fmla="*/ 2251 h 5808"/>
-              <a:gd name="T88" fmla="*/ 1979 w 6556"/>
-              <a:gd name="T89" fmla="*/ 2359 h 5808"/>
-              <a:gd name="T90" fmla="*/ 1779 w 6556"/>
-              <a:gd name="T91" fmla="*/ 2498 h 5808"/>
-              <a:gd name="T92" fmla="*/ 2704 w 6556"/>
-              <a:gd name="T93" fmla="*/ 3763 h 5808"/>
-              <a:gd name="T94" fmla="*/ 2996 w 6556"/>
-              <a:gd name="T95" fmla="*/ 3763 h 5808"/>
-              <a:gd name="T96" fmla="*/ 4847 w 6556"/>
-              <a:gd name="T97" fmla="*/ 1988 h 5808"/>
-              <a:gd name="T98" fmla="*/ 6460 w 6556"/>
-              <a:gd name="T99" fmla="*/ 68 h 5808"/>
-              <a:gd name="T100" fmla="*/ 5228 w 6556"/>
-              <a:gd name="T101" fmla="*/ 940 h 5808"/>
-              <a:gd name="T102" fmla="*/ 4859 w 6556"/>
-              <a:gd name="T103" fmla="*/ 1186 h 5808"/>
-              <a:gd name="T104" fmla="*/ 3295 w 6556"/>
-              <a:gd name="T105" fmla="*/ 166 h 5808"/>
-              <a:gd name="T106" fmla="*/ 2960 w 6556"/>
-              <a:gd name="T107" fmla="*/ 123 h 5808"/>
-              <a:gd name="T108" fmla="*/ 2796 w 6556"/>
-              <a:gd name="T109" fmla="*/ 115 h 5808"/>
-              <a:gd name="T110" fmla="*/ 2779 w 6556"/>
-              <a:gd name="T111" fmla="*/ 115 h 5808"/>
-              <a:gd name="T112" fmla="*/ 2716 w 6556"/>
-              <a:gd name="T113" fmla="*/ 118 h 5808"/>
-              <a:gd name="T114" fmla="*/ 2465 w 6556"/>
-              <a:gd name="T115" fmla="*/ 131 h 5808"/>
-              <a:gd name="T116" fmla="*/ 2217 w 6556"/>
-              <a:gd name="T117" fmla="*/ 167 h 5808"/>
-              <a:gd name="T118" fmla="*/ 1975 w 6556"/>
-              <a:gd name="T119" fmla="*/ 228 h 5808"/>
-            </a:gdLst>
-            <a:ahLst/>
-            <a:cxnLst>
-              <a:cxn ang="0">
-                <a:pos x="T0" y="T1"/>
-              </a:cxn>
-              <a:cxn ang="0">
-                <a:pos x="T2" y="T3"/>
-              </a:cxn>
-              <a:cxn ang="0">
-                <a:pos x="T4" y="T5"/>
-              </a:cxn>
-              <a:cxn ang="0">
-                <a:pos x="T6" y="T7"/>
-              </a:cxn>
-              <a:cxn ang="0">
-                <a:pos x="T8" y="T9"/>
-              </a:cxn>
-              <a:cxn ang="0">
-                <a:pos x="T10" y="T11"/>
-              </a:cxn>
-              <a:cxn ang="0">
-                <a:pos x="T12" y="T13"/>
-              </a:cxn>
-              <a:cxn ang="0">
-                <a:pos x="T14" y="T15"/>
-              </a:cxn>
-              <a:cxn ang="0">
-                <a:pos x="T16" y="T17"/>
-              </a:cxn>
-              <a:cxn ang="0">
-                <a:pos x="T18" y="T19"/>
-              </a:cxn>
-              <a:cxn ang="0">
-                <a:pos x="T20" y="T21"/>
-              </a:cxn>
-              <a:cxn ang="0">
-                <a:pos x="T22" y="T23"/>
-              </a:cxn>
-              <a:cxn ang="0">
-                <a:pos x="T24" y="T25"/>
-              </a:cxn>
-              <a:cxn ang="0">
-                <a:pos x="T26" y="T27"/>
-              </a:cxn>
-              <a:cxn ang="0">
-                <a:pos x="T28" y="T29"/>
-              </a:cxn>
-              <a:cxn ang="0">
-                <a:pos x="T30" y="T31"/>
-              </a:cxn>
-              <a:cxn ang="0">
-                <a:pos x="T32" y="T33"/>
-              </a:cxn>
-              <a:cxn ang="0">
-                <a:pos x="T34" y="T35"/>
-              </a:cxn>
-              <a:cxn ang="0">
-                <a:pos x="T36" y="T37"/>
-              </a:cxn>
-              <a:cxn ang="0">
-                <a:pos x="T38" y="T39"/>
-              </a:cxn>
-              <a:cxn ang="0">
-                <a:pos x="T40" y="T41"/>
-              </a:cxn>
-              <a:cxn ang="0">
-                <a:pos x="T42" y="T43"/>
-              </a:cxn>
-              <a:cxn ang="0">
-                <a:pos x="T44" y="T45"/>
-              </a:cxn>
-              <a:cxn ang="0">
-                <a:pos x="T46" y="T47"/>
-              </a:cxn>
-              <a:cxn ang="0">
-                <a:pos x="T48" y="T49"/>
-              </a:cxn>
-              <a:cxn ang="0">
-                <a:pos x="T50" y="T51"/>
-              </a:cxn>
-              <a:cxn ang="0">
-                <a:pos x="T52" y="T53"/>
-              </a:cxn>
-              <a:cxn ang="0">
-                <a:pos x="T54" y="T55"/>
-              </a:cxn>
-              <a:cxn ang="0">
-                <a:pos x="T56" y="T57"/>
-              </a:cxn>
-              <a:cxn ang="0">
-                <a:pos x="T58" y="T59"/>
-              </a:cxn>
-              <a:cxn ang="0">
-                <a:pos x="T60" y="T61"/>
-              </a:cxn>
-              <a:cxn ang="0">
-                <a:pos x="T62" y="T63"/>
-              </a:cxn>
-              <a:cxn ang="0">
-                <a:pos x="T64" y="T65"/>
-              </a:cxn>
-              <a:cxn ang="0">
-                <a:pos x="T66" y="T67"/>
-              </a:cxn>
-              <a:cxn ang="0">
-                <a:pos x="T68" y="T69"/>
-              </a:cxn>
-              <a:cxn ang="0">
-                <a:pos x="T70" y="T71"/>
-              </a:cxn>
-              <a:cxn ang="0">
-                <a:pos x="T72" y="T73"/>
-              </a:cxn>
-              <a:cxn ang="0">
-                <a:pos x="T74" y="T75"/>
-              </a:cxn>
-              <a:cxn ang="0">
-                <a:pos x="T76" y="T77"/>
-              </a:cxn>
-              <a:cxn ang="0">
-                <a:pos x="T78" y="T79"/>
-              </a:cxn>
-              <a:cxn ang="0">
-                <a:pos x="T80" y="T81"/>
-              </a:cxn>
-              <a:cxn ang="0">
-                <a:pos x="T82" y="T83"/>
-              </a:cxn>
-              <a:cxn ang="0">
-                <a:pos x="T84" y="T85"/>
-              </a:cxn>
-              <a:cxn ang="0">
-                <a:pos x="T86" y="T87"/>
-              </a:cxn>
-              <a:cxn ang="0">
-                <a:pos x="T88" y="T89"/>
-              </a:cxn>
-              <a:cxn ang="0">
-                <a:pos x="T90" y="T91"/>
-              </a:cxn>
-              <a:cxn ang="0">
-                <a:pos x="T92" y="T93"/>
-              </a:cxn>
-              <a:cxn ang="0">
-                <a:pos x="T94" y="T95"/>
-              </a:cxn>
-              <a:cxn ang="0">
-                <a:pos x="T96" y="T97"/>
-              </a:cxn>
-              <a:cxn ang="0">
-                <a:pos x="T98" y="T99"/>
-              </a:cxn>
-              <a:cxn ang="0">
-                <a:pos x="T100" y="T101"/>
-              </a:cxn>
-              <a:cxn ang="0">
-                <a:pos x="T102" y="T103"/>
-              </a:cxn>
-              <a:cxn ang="0">
-                <a:pos x="T104" y="T105"/>
-              </a:cxn>
-              <a:cxn ang="0">
-                <a:pos x="T106" y="T107"/>
-              </a:cxn>
-              <a:cxn ang="0">
-                <a:pos x="T108" y="T109"/>
-              </a:cxn>
-              <a:cxn ang="0">
-                <a:pos x="T110" y="T111"/>
-              </a:cxn>
-              <a:cxn ang="0">
-                <a:pos x="T112" y="T113"/>
-              </a:cxn>
-              <a:cxn ang="0">
-                <a:pos x="T114" y="T115"/>
-              </a:cxn>
-              <a:cxn ang="0">
-                <a:pos x="T116" y="T117"/>
-              </a:cxn>
-              <a:cxn ang="0">
-                <a:pos x="T118" y="T119"/>
-              </a:cxn>
-            </a:cxnLst>
-            <a:rect l="0" t="0" r="r" b="b"/>
-            <a:pathLst>
-              <a:path w="6556" h="5808">
-                <a:moveTo>
-                  <a:pt x="349" y="1546"/>
-                </a:moveTo>
-                <a:cubicBezTo>
-                  <a:pt x="264" y="1702"/>
-                  <a:pt x="192" y="1864"/>
-                  <a:pt x="137" y="2034"/>
-                </a:cubicBezTo>
-                <a:cubicBezTo>
-                  <a:pt x="104" y="2116"/>
-                  <a:pt x="91" y="2204"/>
-                  <a:pt x="68" y="2290"/>
-                </a:cubicBezTo>
-                <a:cubicBezTo>
-                  <a:pt x="44" y="2374"/>
-                  <a:pt x="36" y="2467"/>
-                  <a:pt x="23" y="2558"/>
-                </a:cubicBezTo>
-                <a:lnTo>
-                  <a:pt x="13" y="2626"/>
-                </a:lnTo>
-                <a:lnTo>
-                  <a:pt x="9" y="2659"/>
-                </a:lnTo>
-                <a:lnTo>
-                  <a:pt x="8" y="2690"/>
-                </a:lnTo>
-                <a:lnTo>
-                  <a:pt x="4" y="2814"/>
-                </a:lnTo>
-                <a:lnTo>
-                  <a:pt x="1" y="2875"/>
-                </a:lnTo>
-                <a:lnTo>
-                  <a:pt x="0" y="2906"/>
-                </a:lnTo>
-                <a:lnTo>
-                  <a:pt x="0" y="2922"/>
-                </a:lnTo>
-                <a:lnTo>
-                  <a:pt x="0" y="2926"/>
-                </a:lnTo>
-                <a:lnTo>
-                  <a:pt x="0" y="2936"/>
-                </a:lnTo>
-                <a:lnTo>
-                  <a:pt x="0" y="2938"/>
-                </a:lnTo>
-                <a:lnTo>
-                  <a:pt x="0" y="2940"/>
-                </a:lnTo>
-                <a:lnTo>
-                  <a:pt x="0" y="2948"/>
-                </a:lnTo>
-                <a:lnTo>
-                  <a:pt x="8" y="3080"/>
-                </a:lnTo>
-                <a:lnTo>
-                  <a:pt x="17" y="3212"/>
-                </a:lnTo>
-                <a:cubicBezTo>
-                  <a:pt x="23" y="3256"/>
-                  <a:pt x="31" y="3299"/>
-                  <a:pt x="39" y="3343"/>
-                </a:cubicBezTo>
-                <a:lnTo>
-                  <a:pt x="60" y="3474"/>
-                </a:lnTo>
-                <a:cubicBezTo>
-                  <a:pt x="67" y="3518"/>
-                  <a:pt x="81" y="3559"/>
-                  <a:pt x="92" y="3602"/>
-                </a:cubicBezTo>
-                <a:cubicBezTo>
-                  <a:pt x="149" y="3912"/>
-                  <a:pt x="260" y="4219"/>
-                  <a:pt x="431" y="4494"/>
-                </a:cubicBezTo>
-                <a:cubicBezTo>
-                  <a:pt x="600" y="4768"/>
-                  <a:pt x="820" y="5015"/>
-                  <a:pt x="1077" y="5216"/>
-                </a:cubicBezTo>
-                <a:cubicBezTo>
-                  <a:pt x="1335" y="5418"/>
-                  <a:pt x="1629" y="5575"/>
-                  <a:pt x="1944" y="5676"/>
-                </a:cubicBezTo>
-                <a:lnTo>
-                  <a:pt x="2184" y="5740"/>
-                </a:lnTo>
-                <a:cubicBezTo>
-                  <a:pt x="2265" y="5759"/>
-                  <a:pt x="2353" y="5770"/>
-                  <a:pt x="2439" y="5783"/>
-                </a:cubicBezTo>
-                <a:lnTo>
-                  <a:pt x="2503" y="5792"/>
-                </a:lnTo>
-                <a:lnTo>
-                  <a:pt x="2559" y="5796"/>
-                </a:lnTo>
-                <a:lnTo>
-                  <a:pt x="2671" y="5803"/>
-                </a:lnTo>
-                <a:lnTo>
-                  <a:pt x="2727" y="5806"/>
-                </a:lnTo>
-                <a:lnTo>
-                  <a:pt x="2755" y="5807"/>
-                </a:lnTo>
-                <a:lnTo>
-                  <a:pt x="2769" y="5808"/>
-                </a:lnTo>
-                <a:lnTo>
-                  <a:pt x="2787" y="5808"/>
-                </a:lnTo>
-                <a:lnTo>
-                  <a:pt x="2791" y="5808"/>
-                </a:lnTo>
-                <a:lnTo>
-                  <a:pt x="2799" y="5808"/>
-                </a:lnTo>
-                <a:lnTo>
-                  <a:pt x="2923" y="5803"/>
-                </a:lnTo>
-                <a:cubicBezTo>
-                  <a:pt x="3584" y="5775"/>
-                  <a:pt x="4232" y="5502"/>
-                  <a:pt x="4717" y="5054"/>
-                </a:cubicBezTo>
-                <a:cubicBezTo>
-                  <a:pt x="4961" y="4831"/>
-                  <a:pt x="5165" y="4566"/>
-                  <a:pt x="5320" y="4274"/>
-                </a:cubicBezTo>
-                <a:cubicBezTo>
-                  <a:pt x="5399" y="4127"/>
-                  <a:pt x="5461" y="3978"/>
-                  <a:pt x="5515" y="3816"/>
-                </a:cubicBezTo>
-                <a:lnTo>
-                  <a:pt x="5552" y="3692"/>
-                </a:lnTo>
-                <a:lnTo>
-                  <a:pt x="5571" y="3630"/>
-                </a:lnTo>
-                <a:cubicBezTo>
-                  <a:pt x="5576" y="3610"/>
-                  <a:pt x="5579" y="3592"/>
-                  <a:pt x="5583" y="3574"/>
-                </a:cubicBezTo>
-                <a:lnTo>
-                  <a:pt x="5607" y="3464"/>
-                </a:lnTo>
-                <a:lnTo>
-                  <a:pt x="5619" y="3410"/>
-                </a:lnTo>
-                <a:lnTo>
-                  <a:pt x="5621" y="3396"/>
-                </a:lnTo>
-                <a:lnTo>
-                  <a:pt x="5627" y="3370"/>
-                </a:lnTo>
-                <a:lnTo>
-                  <a:pt x="5632" y="3339"/>
-                </a:lnTo>
-                <a:cubicBezTo>
-                  <a:pt x="5652" y="3222"/>
-                  <a:pt x="5615" y="3035"/>
-                  <a:pt x="5581" y="2979"/>
-                </a:cubicBezTo>
-                <a:cubicBezTo>
-                  <a:pt x="5549" y="2924"/>
-                  <a:pt x="5519" y="2934"/>
-                  <a:pt x="5492" y="2980"/>
-                </a:cubicBezTo>
-                <a:cubicBezTo>
-                  <a:pt x="5464" y="3028"/>
-                  <a:pt x="5437" y="3114"/>
-                  <a:pt x="5407" y="3214"/>
-                </a:cubicBezTo>
-                <a:cubicBezTo>
-                  <a:pt x="5297" y="3542"/>
-                  <a:pt x="5153" y="3879"/>
-                  <a:pt x="4935" y="4182"/>
-                </a:cubicBezTo>
-                <a:cubicBezTo>
-                  <a:pt x="4717" y="4484"/>
-                  <a:pt x="4441" y="4760"/>
-                  <a:pt x="4113" y="4962"/>
-                </a:cubicBezTo>
-                <a:cubicBezTo>
-                  <a:pt x="3724" y="5212"/>
-                  <a:pt x="3263" y="5332"/>
-                  <a:pt x="2805" y="5328"/>
-                </a:cubicBezTo>
-                <a:lnTo>
-                  <a:pt x="2795" y="5328"/>
-                </a:lnTo>
-                <a:lnTo>
-                  <a:pt x="2791" y="5328"/>
-                </a:lnTo>
-                <a:lnTo>
-                  <a:pt x="2771" y="5327"/>
-                </a:lnTo>
-                <a:lnTo>
-                  <a:pt x="2724" y="5324"/>
-                </a:lnTo>
-                <a:lnTo>
-                  <a:pt x="2631" y="5318"/>
-                </a:lnTo>
-                <a:lnTo>
-                  <a:pt x="2537" y="5311"/>
-                </a:lnTo>
-                <a:cubicBezTo>
-                  <a:pt x="2508" y="5307"/>
-                  <a:pt x="2483" y="5302"/>
-                  <a:pt x="2456" y="5296"/>
-                </a:cubicBezTo>
-                <a:cubicBezTo>
-                  <a:pt x="2403" y="5286"/>
-                  <a:pt x="2349" y="5278"/>
-                  <a:pt x="2296" y="5267"/>
-                </a:cubicBezTo>
-                <a:lnTo>
-                  <a:pt x="2132" y="5222"/>
-                </a:lnTo>
-                <a:cubicBezTo>
-                  <a:pt x="1917" y="5151"/>
-                  <a:pt x="1707" y="5063"/>
-                  <a:pt x="1520" y="4934"/>
-                </a:cubicBezTo>
-                <a:cubicBezTo>
-                  <a:pt x="1333" y="4807"/>
-                  <a:pt x="1157" y="4663"/>
-                  <a:pt x="1013" y="4488"/>
-                </a:cubicBezTo>
-                <a:cubicBezTo>
-                  <a:pt x="869" y="4316"/>
-                  <a:pt x="739" y="4130"/>
-                  <a:pt x="649" y="3922"/>
-                </a:cubicBezTo>
-                <a:cubicBezTo>
-                  <a:pt x="559" y="3714"/>
-                  <a:pt x="487" y="3498"/>
-                  <a:pt x="457" y="3274"/>
-                </a:cubicBezTo>
-                <a:lnTo>
-                  <a:pt x="443" y="3190"/>
-                </a:lnTo>
-                <a:cubicBezTo>
-                  <a:pt x="439" y="3162"/>
-                  <a:pt x="439" y="3134"/>
-                  <a:pt x="436" y="3106"/>
-                </a:cubicBezTo>
-                <a:lnTo>
-                  <a:pt x="431" y="3020"/>
-                </a:lnTo>
-                <a:lnTo>
-                  <a:pt x="428" y="2978"/>
-                </a:lnTo>
-                <a:lnTo>
-                  <a:pt x="427" y="2956"/>
-                </a:lnTo>
-                <a:lnTo>
-                  <a:pt x="425" y="2946"/>
-                </a:lnTo>
-                <a:lnTo>
-                  <a:pt x="425" y="2940"/>
-                </a:lnTo>
-                <a:lnTo>
-                  <a:pt x="425" y="2938"/>
-                </a:lnTo>
-                <a:lnTo>
-                  <a:pt x="425" y="2936"/>
-                </a:lnTo>
-                <a:lnTo>
-                  <a:pt x="431" y="2759"/>
-                </a:lnTo>
-                <a:cubicBezTo>
-                  <a:pt x="432" y="2728"/>
-                  <a:pt x="431" y="2694"/>
-                  <a:pt x="435" y="2667"/>
-                </a:cubicBezTo>
-                <a:lnTo>
-                  <a:pt x="445" y="2587"/>
-                </a:lnTo>
-                <a:cubicBezTo>
-                  <a:pt x="456" y="2534"/>
-                  <a:pt x="460" y="2483"/>
-                  <a:pt x="476" y="2428"/>
-                </a:cubicBezTo>
-                <a:lnTo>
-                  <a:pt x="521" y="2267"/>
-                </a:lnTo>
-                <a:cubicBezTo>
-                  <a:pt x="535" y="2212"/>
-                  <a:pt x="561" y="2162"/>
-                  <a:pt x="579" y="2110"/>
-                </a:cubicBezTo>
-                <a:lnTo>
-                  <a:pt x="609" y="2031"/>
-                </a:lnTo>
-                <a:cubicBezTo>
-                  <a:pt x="620" y="2004"/>
-                  <a:pt x="635" y="1980"/>
-                  <a:pt x="645" y="1955"/>
-                </a:cubicBezTo>
-                <a:cubicBezTo>
-                  <a:pt x="799" y="1636"/>
-                  <a:pt x="1023" y="1352"/>
-                  <a:pt x="1295" y="1128"/>
-                </a:cubicBezTo>
-                <a:cubicBezTo>
-                  <a:pt x="1571" y="908"/>
-                  <a:pt x="1892" y="750"/>
-                  <a:pt x="2233" y="666"/>
-                </a:cubicBezTo>
-                <a:cubicBezTo>
-                  <a:pt x="2917" y="494"/>
-                  <a:pt x="3671" y="640"/>
-                  <a:pt x="4248" y="1062"/>
-                </a:cubicBezTo>
-                <a:cubicBezTo>
-                  <a:pt x="4456" y="1210"/>
-                  <a:pt x="4625" y="1370"/>
-                  <a:pt x="4744" y="1443"/>
-                </a:cubicBezTo>
-                <a:cubicBezTo>
-                  <a:pt x="4489" y="1711"/>
-                  <a:pt x="4236" y="1983"/>
-                  <a:pt x="3981" y="2251"/>
-                </a:cubicBezTo>
-                <a:cubicBezTo>
-                  <a:pt x="3580" y="2551"/>
-                  <a:pt x="3211" y="2891"/>
-                  <a:pt x="2851" y="3244"/>
-                </a:cubicBezTo>
-                <a:cubicBezTo>
-                  <a:pt x="2557" y="2952"/>
-                  <a:pt x="2261" y="2662"/>
-                  <a:pt x="1979" y="2359"/>
-                </a:cubicBezTo>
-                <a:cubicBezTo>
-                  <a:pt x="1945" y="2323"/>
-                  <a:pt x="1859" y="2302"/>
-                  <a:pt x="1819" y="2308"/>
-                </a:cubicBezTo>
-                <a:cubicBezTo>
-                  <a:pt x="1739" y="2320"/>
-                  <a:pt x="1744" y="2403"/>
-                  <a:pt x="1779" y="2498"/>
-                </a:cubicBezTo>
-                <a:cubicBezTo>
-                  <a:pt x="1896" y="2811"/>
-                  <a:pt x="2113" y="3116"/>
-                  <a:pt x="2368" y="3394"/>
-                </a:cubicBezTo>
-                <a:lnTo>
-                  <a:pt x="2704" y="3763"/>
-                </a:lnTo>
-                <a:cubicBezTo>
-                  <a:pt x="2777" y="3844"/>
-                  <a:pt x="2903" y="3850"/>
-                  <a:pt x="2983" y="3776"/>
-                </a:cubicBezTo>
-                <a:lnTo>
-                  <a:pt x="2996" y="3763"/>
-                </a:lnTo>
-                <a:cubicBezTo>
-                  <a:pt x="3545" y="3266"/>
-                  <a:pt x="4093" y="2767"/>
-                  <a:pt x="4596" y="2216"/>
-                </a:cubicBezTo>
-                <a:lnTo>
-                  <a:pt x="4847" y="1988"/>
-                </a:lnTo>
-                <a:cubicBezTo>
-                  <a:pt x="5369" y="1500"/>
-                  <a:pt x="5881" y="1000"/>
-                  <a:pt x="6348" y="459"/>
-                </a:cubicBezTo>
-                <a:cubicBezTo>
-                  <a:pt x="6480" y="306"/>
-                  <a:pt x="6556" y="143"/>
-                  <a:pt x="6460" y="68"/>
-                </a:cubicBezTo>
-                <a:cubicBezTo>
-                  <a:pt x="6372" y="0"/>
-                  <a:pt x="6213" y="43"/>
-                  <a:pt x="6057" y="180"/>
-                </a:cubicBezTo>
-                <a:cubicBezTo>
-                  <a:pt x="5776" y="427"/>
-                  <a:pt x="5492" y="675"/>
-                  <a:pt x="5228" y="940"/>
-                </a:cubicBezTo>
-                <a:cubicBezTo>
-                  <a:pt x="5117" y="1052"/>
-                  <a:pt x="5008" y="1166"/>
-                  <a:pt x="4899" y="1279"/>
-                </a:cubicBezTo>
-                <a:cubicBezTo>
-                  <a:pt x="4889" y="1250"/>
-                  <a:pt x="4876" y="1219"/>
-                  <a:pt x="4859" y="1186"/>
-                </a:cubicBezTo>
-                <a:cubicBezTo>
-                  <a:pt x="4793" y="1052"/>
-                  <a:pt x="4668" y="884"/>
-                  <a:pt x="4479" y="730"/>
-                </a:cubicBezTo>
-                <a:cubicBezTo>
-                  <a:pt x="4140" y="454"/>
-                  <a:pt x="3731" y="255"/>
-                  <a:pt x="3295" y="166"/>
-                </a:cubicBezTo>
-                <a:lnTo>
-                  <a:pt x="3132" y="142"/>
-                </a:lnTo>
-                <a:lnTo>
-                  <a:pt x="2960" y="123"/>
-                </a:lnTo>
-                <a:lnTo>
-                  <a:pt x="2805" y="115"/>
-                </a:lnTo>
-                <a:lnTo>
-                  <a:pt x="2796" y="115"/>
-                </a:lnTo>
-                <a:lnTo>
-                  <a:pt x="2791" y="115"/>
-                </a:lnTo>
-                <a:lnTo>
-                  <a:pt x="2779" y="115"/>
-                </a:lnTo>
-                <a:lnTo>
-                  <a:pt x="2757" y="116"/>
-                </a:lnTo>
-                <a:lnTo>
-                  <a:pt x="2716" y="118"/>
-                </a:lnTo>
-                <a:lnTo>
-                  <a:pt x="2632" y="120"/>
-                </a:lnTo>
-                <a:cubicBezTo>
-                  <a:pt x="2576" y="124"/>
-                  <a:pt x="2520" y="122"/>
-                  <a:pt x="2465" y="131"/>
-                </a:cubicBezTo>
-                <a:lnTo>
-                  <a:pt x="2300" y="155"/>
-                </a:lnTo>
-                <a:lnTo>
-                  <a:pt x="2217" y="167"/>
-                </a:lnTo>
-                <a:lnTo>
-                  <a:pt x="2136" y="187"/>
-                </a:lnTo>
-                <a:lnTo>
-                  <a:pt x="1975" y="228"/>
-                </a:lnTo>
-                <a:cubicBezTo>
-                  <a:pt x="1287" y="436"/>
-                  <a:pt x="692" y="922"/>
-                  <a:pt x="349" y="1546"/>
-                </a:cubicBezTo>
-                <a:close/>
-              </a:path>
-            </a:pathLst>
-          </a:custGeom>
-          <a:solidFill>
-            <a:schemeClr val="bg1"/>
-          </a:solidFill>
-          <a:ln>
-            <a:noFill/>
-          </a:ln>
-        </p:spPr>
-      </p:sp>
-      <p:sp>
-        <p:nvSpPr>
-          <p:cNvPr id="9" name="文本框 22"/>
-          <p:cNvSpPr txBox="1"/>
-          <p:nvPr/>
-        </p:nvSpPr>
-        <p:spPr>
-          <a:xfrm flipH="1">
-            <a:off x="1983341" y="5539670"/>
-            <a:ext cx="3336186" cy="588944"/>
-          </a:xfrm>
-          <a:prstGeom prst="rect">
-            <a:avLst/>
-          </a:prstGeom>
-          <a:noFill/>
-          <a:ln w="9525">
-            <a:noFill/>
-            <a:miter/>
-          </a:ln>
-          <a:effectLst>
-            <a:outerShdw sx="999" sy="999" algn="ctr" rotWithShape="0">
-              <a:srgbClr val="000000"/>
-            </a:outerShdw>
-          </a:effectLst>
-        </p:spPr>
-        <p:txBody>
-          <a:bodyPr wrap="square" anchor="t">
-            <a:spAutoFit/>
-          </a:bodyPr>
-          <a:lstStyle/>
-          <a:p>
-            <a:pPr algn="just">
-              <a:lnSpc>
-                <a:spcPct val="120000"/>
-              </a:lnSpc>
-            </a:pPr>
-            <a:r>
-              <a:rPr lang="zh-CN" altLang="en-US" sz="1400">
-                <a:solidFill>
-                  <a:schemeClr val="bg1"/>
-                </a:solidFill>
-                <a:latin typeface="微软雅黑 Light" panose="020B0502040204020203" pitchFamily="34" charset="-122"/>
-                <a:ea typeface="微软雅黑 Light" panose="020B0502040204020203" pitchFamily="34" charset="-122"/>
-                <a:sym typeface="宋体" panose="02010600030101010101" pitchFamily="2" charset="-122"/>
-              </a:rPr>
-              <a:t>本</a:t>
-            </a:r>
-            <a:r>
-              <a:rPr lang="zh-CN" altLang="en-US" sz="1400" dirty="0">
-                <a:solidFill>
-                  <a:schemeClr val="bg1"/>
-                </a:solidFill>
-                <a:latin typeface="微软雅黑 Light" panose="020B0502040204020203" pitchFamily="34" charset="-122"/>
-                <a:ea typeface="微软雅黑 Light" panose="020B0502040204020203" pitchFamily="34" charset="-122"/>
-                <a:sym typeface="宋体" panose="02010600030101010101" pitchFamily="2" charset="-122"/>
-              </a:rPr>
-              <a:t>模板精心设计，模板所有素材均可自由编辑替换</a:t>
-            </a:r>
-            <a:r>
-              <a:rPr lang="zh-CN" altLang="en-US" sz="1400">
-                <a:solidFill>
-                  <a:schemeClr val="bg1"/>
-                </a:solidFill>
-                <a:latin typeface="微软雅黑 Light" panose="020B0502040204020203" pitchFamily="34" charset="-122"/>
-                <a:ea typeface="微软雅黑 Light" panose="020B0502040204020203" pitchFamily="34" charset="-122"/>
-                <a:sym typeface="宋体" panose="02010600030101010101" pitchFamily="2" charset="-122"/>
-              </a:rPr>
-              <a:t>移动。</a:t>
-            </a:r>
-            <a:endParaRPr lang="zh-CN" altLang="en-US" sz="1400" dirty="0">
-              <a:solidFill>
-                <a:schemeClr val="bg1"/>
-              </a:solidFill>
-              <a:latin typeface="微软雅黑 Light" panose="020B0502040204020203" pitchFamily="34" charset="-122"/>
-              <a:ea typeface="微软雅黑 Light" panose="020B0502040204020203" pitchFamily="34" charset="-122"/>
-              <a:sym typeface="宋体" panose="02010600030101010101" pitchFamily="2" charset="-122"/>
-            </a:endParaRPr>
-          </a:p>
-        </p:txBody>
-      </p:sp>
-      <p:sp>
-        <p:nvSpPr>
-          <p:cNvPr id="10" name="椭圆 9"/>
-          <p:cNvSpPr/>
-          <p:nvPr/>
-        </p:nvSpPr>
-        <p:spPr>
-          <a:xfrm>
-            <a:off x="776473" y="5415830"/>
-            <a:ext cx="826938" cy="826938"/>
-          </a:xfrm>
-          <a:prstGeom prst="ellipse">
-            <a:avLst/>
-          </a:prstGeom>
-          <a:solidFill>
-            <a:schemeClr val="bg1"/>
-          </a:solidFill>
-          <a:ln>
-            <a:noFill/>
-          </a:ln>
-        </p:spPr>
-        <p:style>
-          <a:lnRef idx="2">
-            <a:schemeClr val="accent1">
-              <a:shade val="50000"/>
-            </a:schemeClr>
-          </a:lnRef>
-          <a:fillRef idx="1">
-            <a:schemeClr val="accent1"/>
-          </a:fillRef>
-          <a:effectRef idx="0">
-            <a:schemeClr val="accent1"/>
-          </a:effectRef>
-          <a:fontRef idx="minor">
-            <a:schemeClr val="lt1"/>
-          </a:fontRef>
-        </p:style>
-        <p:txBody>
-          <a:bodyPr rot="0" spcFirstLastPara="0" vertOverflow="overflow" horzOverflow="overflow" vert="horz" wrap="square" lIns="91440" tIns="45720" rIns="91440" bIns="45720" numCol="1" spcCol="0" rtlCol="0" fromWordArt="0" anchor="ctr" anchorCtr="0" forceAA="0" compatLnSpc="1">
-            <a:noAutofit/>
-          </a:bodyPr>
-          <a:lstStyle/>
-          <a:p>
-            <a:pPr algn="ctr"/>
-            <a:endParaRPr lang="zh-CN" altLang="en-US">
-              <a:solidFill>
-                <a:schemeClr val="bg1"/>
-              </a:solidFill>
-            </a:endParaRPr>
-          </a:p>
-        </p:txBody>
-      </p:sp>
-      <p:sp>
-        <p:nvSpPr>
-          <p:cNvPr id="11" name="checked_158820"/>
-          <p:cNvSpPr>
-            <a:spLocks noChangeAspect="1"/>
-          </p:cNvSpPr>
-          <p:nvPr/>
-        </p:nvSpPr>
-        <p:spPr bwMode="auto">
-          <a:xfrm>
-            <a:off x="981395" y="5641470"/>
-            <a:ext cx="424679" cy="375657"/>
-          </a:xfrm>
-          <a:custGeom>
-            <a:avLst/>
-            <a:gdLst>
-              <a:gd name="T0" fmla="*/ 137 w 6556"/>
-              <a:gd name="T1" fmla="*/ 2034 h 5808"/>
-              <a:gd name="T2" fmla="*/ 23 w 6556"/>
-              <a:gd name="T3" fmla="*/ 2558 h 5808"/>
-              <a:gd name="T4" fmla="*/ 9 w 6556"/>
-              <a:gd name="T5" fmla="*/ 2659 h 5808"/>
-              <a:gd name="T6" fmla="*/ 4 w 6556"/>
-              <a:gd name="T7" fmla="*/ 2814 h 5808"/>
-              <a:gd name="T8" fmla="*/ 0 w 6556"/>
-              <a:gd name="T9" fmla="*/ 2906 h 5808"/>
-              <a:gd name="T10" fmla="*/ 0 w 6556"/>
-              <a:gd name="T11" fmla="*/ 2926 h 5808"/>
-              <a:gd name="T12" fmla="*/ 0 w 6556"/>
-              <a:gd name="T13" fmla="*/ 2938 h 5808"/>
-              <a:gd name="T14" fmla="*/ 0 w 6556"/>
-              <a:gd name="T15" fmla="*/ 2948 h 5808"/>
-              <a:gd name="T16" fmla="*/ 17 w 6556"/>
-              <a:gd name="T17" fmla="*/ 3212 h 5808"/>
-              <a:gd name="T18" fmla="*/ 60 w 6556"/>
-              <a:gd name="T19" fmla="*/ 3474 h 5808"/>
-              <a:gd name="T20" fmla="*/ 431 w 6556"/>
-              <a:gd name="T21" fmla="*/ 4494 h 5808"/>
-              <a:gd name="T22" fmla="*/ 1944 w 6556"/>
-              <a:gd name="T23" fmla="*/ 5676 h 5808"/>
-              <a:gd name="T24" fmla="*/ 2439 w 6556"/>
-              <a:gd name="T25" fmla="*/ 5783 h 5808"/>
-              <a:gd name="T26" fmla="*/ 2559 w 6556"/>
-              <a:gd name="T27" fmla="*/ 5796 h 5808"/>
-              <a:gd name="T28" fmla="*/ 2727 w 6556"/>
-              <a:gd name="T29" fmla="*/ 5806 h 5808"/>
-              <a:gd name="T30" fmla="*/ 2769 w 6556"/>
-              <a:gd name="T31" fmla="*/ 5808 h 5808"/>
-              <a:gd name="T32" fmla="*/ 2791 w 6556"/>
-              <a:gd name="T33" fmla="*/ 5808 h 5808"/>
-              <a:gd name="T34" fmla="*/ 2923 w 6556"/>
-              <a:gd name="T35" fmla="*/ 5803 h 5808"/>
-              <a:gd name="T36" fmla="*/ 5320 w 6556"/>
-              <a:gd name="T37" fmla="*/ 4274 h 5808"/>
-              <a:gd name="T38" fmla="*/ 5552 w 6556"/>
-              <a:gd name="T39" fmla="*/ 3692 h 5808"/>
-              <a:gd name="T40" fmla="*/ 5583 w 6556"/>
-              <a:gd name="T41" fmla="*/ 3574 h 5808"/>
-              <a:gd name="T42" fmla="*/ 5619 w 6556"/>
-              <a:gd name="T43" fmla="*/ 3410 h 5808"/>
-              <a:gd name="T44" fmla="*/ 5627 w 6556"/>
-              <a:gd name="T45" fmla="*/ 3370 h 5808"/>
-              <a:gd name="T46" fmla="*/ 5581 w 6556"/>
-              <a:gd name="T47" fmla="*/ 2979 h 5808"/>
-              <a:gd name="T48" fmla="*/ 5407 w 6556"/>
-              <a:gd name="T49" fmla="*/ 3214 h 5808"/>
-              <a:gd name="T50" fmla="*/ 4113 w 6556"/>
-              <a:gd name="T51" fmla="*/ 4962 h 5808"/>
-              <a:gd name="T52" fmla="*/ 2795 w 6556"/>
-              <a:gd name="T53" fmla="*/ 5328 h 5808"/>
-              <a:gd name="T54" fmla="*/ 2771 w 6556"/>
-              <a:gd name="T55" fmla="*/ 5327 h 5808"/>
-              <a:gd name="T56" fmla="*/ 2631 w 6556"/>
-              <a:gd name="T57" fmla="*/ 5318 h 5808"/>
-              <a:gd name="T58" fmla="*/ 2456 w 6556"/>
-              <a:gd name="T59" fmla="*/ 5296 h 5808"/>
-              <a:gd name="T60" fmla="*/ 2132 w 6556"/>
-              <a:gd name="T61" fmla="*/ 5222 h 5808"/>
-              <a:gd name="T62" fmla="*/ 1013 w 6556"/>
-              <a:gd name="T63" fmla="*/ 4488 h 5808"/>
-              <a:gd name="T64" fmla="*/ 457 w 6556"/>
-              <a:gd name="T65" fmla="*/ 3274 h 5808"/>
-              <a:gd name="T66" fmla="*/ 436 w 6556"/>
-              <a:gd name="T67" fmla="*/ 3106 h 5808"/>
-              <a:gd name="T68" fmla="*/ 428 w 6556"/>
-              <a:gd name="T69" fmla="*/ 2978 h 5808"/>
-              <a:gd name="T70" fmla="*/ 425 w 6556"/>
-              <a:gd name="T71" fmla="*/ 2946 h 5808"/>
-              <a:gd name="T72" fmla="*/ 425 w 6556"/>
-              <a:gd name="T73" fmla="*/ 2938 h 5808"/>
-              <a:gd name="T74" fmla="*/ 431 w 6556"/>
-              <a:gd name="T75" fmla="*/ 2759 h 5808"/>
-              <a:gd name="T76" fmla="*/ 445 w 6556"/>
-              <a:gd name="T77" fmla="*/ 2587 h 5808"/>
-              <a:gd name="T78" fmla="*/ 521 w 6556"/>
-              <a:gd name="T79" fmla="*/ 2267 h 5808"/>
-              <a:gd name="T80" fmla="*/ 609 w 6556"/>
-              <a:gd name="T81" fmla="*/ 2031 h 5808"/>
-              <a:gd name="T82" fmla="*/ 1295 w 6556"/>
-              <a:gd name="T83" fmla="*/ 1128 h 5808"/>
-              <a:gd name="T84" fmla="*/ 4248 w 6556"/>
-              <a:gd name="T85" fmla="*/ 1062 h 5808"/>
-              <a:gd name="T86" fmla="*/ 3981 w 6556"/>
-              <a:gd name="T87" fmla="*/ 2251 h 5808"/>
-              <a:gd name="T88" fmla="*/ 1979 w 6556"/>
-              <a:gd name="T89" fmla="*/ 2359 h 5808"/>
-              <a:gd name="T90" fmla="*/ 1779 w 6556"/>
-              <a:gd name="T91" fmla="*/ 2498 h 5808"/>
-              <a:gd name="T92" fmla="*/ 2704 w 6556"/>
-              <a:gd name="T93" fmla="*/ 3763 h 5808"/>
-              <a:gd name="T94" fmla="*/ 2996 w 6556"/>
-              <a:gd name="T95" fmla="*/ 3763 h 5808"/>
-              <a:gd name="T96" fmla="*/ 4847 w 6556"/>
-              <a:gd name="T97" fmla="*/ 1988 h 5808"/>
-              <a:gd name="T98" fmla="*/ 6460 w 6556"/>
-              <a:gd name="T99" fmla="*/ 68 h 5808"/>
-              <a:gd name="T100" fmla="*/ 5228 w 6556"/>
-              <a:gd name="T101" fmla="*/ 940 h 5808"/>
-              <a:gd name="T102" fmla="*/ 4859 w 6556"/>
-              <a:gd name="T103" fmla="*/ 1186 h 5808"/>
-              <a:gd name="T104" fmla="*/ 3295 w 6556"/>
-              <a:gd name="T105" fmla="*/ 166 h 5808"/>
-              <a:gd name="T106" fmla="*/ 2960 w 6556"/>
-              <a:gd name="T107" fmla="*/ 123 h 5808"/>
-              <a:gd name="T108" fmla="*/ 2796 w 6556"/>
-              <a:gd name="T109" fmla="*/ 115 h 5808"/>
-              <a:gd name="T110" fmla="*/ 2779 w 6556"/>
-              <a:gd name="T111" fmla="*/ 115 h 5808"/>
-              <a:gd name="T112" fmla="*/ 2716 w 6556"/>
-              <a:gd name="T113" fmla="*/ 118 h 5808"/>
-              <a:gd name="T114" fmla="*/ 2465 w 6556"/>
-              <a:gd name="T115" fmla="*/ 131 h 5808"/>
-              <a:gd name="T116" fmla="*/ 2217 w 6556"/>
-              <a:gd name="T117" fmla="*/ 167 h 5808"/>
-              <a:gd name="T118" fmla="*/ 1975 w 6556"/>
-              <a:gd name="T119" fmla="*/ 228 h 5808"/>
-            </a:gdLst>
-            <a:ahLst/>
-            <a:cxnLst>
-              <a:cxn ang="0">
-                <a:pos x="T0" y="T1"/>
-              </a:cxn>
-              <a:cxn ang="0">
-                <a:pos x="T2" y="T3"/>
-              </a:cxn>
-              <a:cxn ang="0">
-                <a:pos x="T4" y="T5"/>
-              </a:cxn>
-              <a:cxn ang="0">
-                <a:pos x="T6" y="T7"/>
-              </a:cxn>
-              <a:cxn ang="0">
-                <a:pos x="T8" y="T9"/>
-              </a:cxn>
-              <a:cxn ang="0">
-                <a:pos x="T10" y="T11"/>
-              </a:cxn>
-              <a:cxn ang="0">
-                <a:pos x="T12" y="T13"/>
-              </a:cxn>
-              <a:cxn ang="0">
-                <a:pos x="T14" y="T15"/>
-              </a:cxn>
-              <a:cxn ang="0">
-                <a:pos x="T16" y="T17"/>
-              </a:cxn>
-              <a:cxn ang="0">
-                <a:pos x="T18" y="T19"/>
-              </a:cxn>
-              <a:cxn ang="0">
-                <a:pos x="T20" y="T21"/>
-              </a:cxn>
-              <a:cxn ang="0">
-                <a:pos x="T22" y="T23"/>
-              </a:cxn>
-              <a:cxn ang="0">
-                <a:pos x="T24" y="T25"/>
-              </a:cxn>
-              <a:cxn ang="0">
-                <a:pos x="T26" y="T27"/>
-              </a:cxn>
-              <a:cxn ang="0">
-                <a:pos x="T28" y="T29"/>
-              </a:cxn>
-              <a:cxn ang="0">
-                <a:pos x="T30" y="T31"/>
-              </a:cxn>
-              <a:cxn ang="0">
-                <a:pos x="T32" y="T33"/>
-              </a:cxn>
-              <a:cxn ang="0">
-                <a:pos x="T34" y="T35"/>
-              </a:cxn>
-              <a:cxn ang="0">
-                <a:pos x="T36" y="T37"/>
-              </a:cxn>
-              <a:cxn ang="0">
-                <a:pos x="T38" y="T39"/>
-              </a:cxn>
-              <a:cxn ang="0">
-                <a:pos x="T40" y="T41"/>
-              </a:cxn>
-              <a:cxn ang="0">
-                <a:pos x="T42" y="T43"/>
-              </a:cxn>
-              <a:cxn ang="0">
-                <a:pos x="T44" y="T45"/>
-              </a:cxn>
-              <a:cxn ang="0">
-                <a:pos x="T46" y="T47"/>
-              </a:cxn>
-              <a:cxn ang="0">
-                <a:pos x="T48" y="T49"/>
-              </a:cxn>
-              <a:cxn ang="0">
-                <a:pos x="T50" y="T51"/>
-              </a:cxn>
-              <a:cxn ang="0">
-                <a:pos x="T52" y="T53"/>
-              </a:cxn>
-              <a:cxn ang="0">
-                <a:pos x="T54" y="T55"/>
-              </a:cxn>
-              <a:cxn ang="0">
-                <a:pos x="T56" y="T57"/>
-              </a:cxn>
-              <a:cxn ang="0">
-                <a:pos x="T58" y="T59"/>
-              </a:cxn>
-              <a:cxn ang="0">
-                <a:pos x="T60" y="T61"/>
-              </a:cxn>
-              <a:cxn ang="0">
-                <a:pos x="T62" y="T63"/>
-              </a:cxn>
-              <a:cxn ang="0">
-                <a:pos x="T64" y="T65"/>
-              </a:cxn>
-              <a:cxn ang="0">
-                <a:pos x="T66" y="T67"/>
-              </a:cxn>
-              <a:cxn ang="0">
-                <a:pos x="T68" y="T69"/>
-              </a:cxn>
-              <a:cxn ang="0">
-                <a:pos x="T70" y="T71"/>
-              </a:cxn>
-              <a:cxn ang="0">
-                <a:pos x="T72" y="T73"/>
-              </a:cxn>
-              <a:cxn ang="0">
-                <a:pos x="T74" y="T75"/>
-              </a:cxn>
-              <a:cxn ang="0">
-                <a:pos x="T76" y="T77"/>
-              </a:cxn>
-              <a:cxn ang="0">
-                <a:pos x="T78" y="T79"/>
-              </a:cxn>
-              <a:cxn ang="0">
-                <a:pos x="T80" y="T81"/>
-              </a:cxn>
-              <a:cxn ang="0">
-                <a:pos x="T82" y="T83"/>
-              </a:cxn>
-              <a:cxn ang="0">
-                <a:pos x="T84" y="T85"/>
-              </a:cxn>
-              <a:cxn ang="0">
-                <a:pos x="T86" y="T87"/>
-              </a:cxn>
-              <a:cxn ang="0">
-                <a:pos x="T88" y="T89"/>
-              </a:cxn>
-              <a:cxn ang="0">
-                <a:pos x="T90" y="T91"/>
-              </a:cxn>
-              <a:cxn ang="0">
-                <a:pos x="T92" y="T93"/>
-              </a:cxn>
-              <a:cxn ang="0">
-                <a:pos x="T94" y="T95"/>
-              </a:cxn>
-              <a:cxn ang="0">
-                <a:pos x="T96" y="T97"/>
-              </a:cxn>
-              <a:cxn ang="0">
-                <a:pos x="T98" y="T99"/>
-              </a:cxn>
-              <a:cxn ang="0">
-                <a:pos x="T100" y="T101"/>
-              </a:cxn>
-              <a:cxn ang="0">
-                <a:pos x="T102" y="T103"/>
-              </a:cxn>
-              <a:cxn ang="0">
-                <a:pos x="T104" y="T105"/>
-              </a:cxn>
-              <a:cxn ang="0">
-                <a:pos x="T106" y="T107"/>
-              </a:cxn>
-              <a:cxn ang="0">
-                <a:pos x="T108" y="T109"/>
-              </a:cxn>
-              <a:cxn ang="0">
-                <a:pos x="T110" y="T111"/>
-              </a:cxn>
-              <a:cxn ang="0">
-                <a:pos x="T112" y="T113"/>
-              </a:cxn>
-              <a:cxn ang="0">
-                <a:pos x="T114" y="T115"/>
-              </a:cxn>
-              <a:cxn ang="0">
-                <a:pos x="T116" y="T117"/>
-              </a:cxn>
-              <a:cxn ang="0">
-                <a:pos x="T118" y="T119"/>
-              </a:cxn>
-            </a:cxnLst>
-            <a:rect l="0" t="0" r="r" b="b"/>
-            <a:pathLst>
-              <a:path w="6556" h="5808">
-                <a:moveTo>
-                  <a:pt x="349" y="1546"/>
-                </a:moveTo>
-                <a:cubicBezTo>
-                  <a:pt x="264" y="1702"/>
-                  <a:pt x="192" y="1864"/>
-                  <a:pt x="137" y="2034"/>
-                </a:cubicBezTo>
-                <a:cubicBezTo>
-                  <a:pt x="104" y="2116"/>
-                  <a:pt x="91" y="2204"/>
-                  <a:pt x="68" y="2290"/>
-                </a:cubicBezTo>
-                <a:cubicBezTo>
-                  <a:pt x="44" y="2374"/>
-                  <a:pt x="36" y="2467"/>
-                  <a:pt x="23" y="2558"/>
-                </a:cubicBezTo>
-                <a:lnTo>
-                  <a:pt x="13" y="2626"/>
-                </a:lnTo>
-                <a:lnTo>
-                  <a:pt x="9" y="2659"/>
-                </a:lnTo>
-                <a:lnTo>
-                  <a:pt x="8" y="2690"/>
-                </a:lnTo>
-                <a:lnTo>
-                  <a:pt x="4" y="2814"/>
-                </a:lnTo>
-                <a:lnTo>
-                  <a:pt x="1" y="2875"/>
-                </a:lnTo>
-                <a:lnTo>
-                  <a:pt x="0" y="2906"/>
-                </a:lnTo>
-                <a:lnTo>
-                  <a:pt x="0" y="2922"/>
-                </a:lnTo>
-                <a:lnTo>
-                  <a:pt x="0" y="2926"/>
-                </a:lnTo>
-                <a:lnTo>
-                  <a:pt x="0" y="2936"/>
-                </a:lnTo>
-                <a:lnTo>
-                  <a:pt x="0" y="2938"/>
-                </a:lnTo>
-                <a:lnTo>
-                  <a:pt x="0" y="2940"/>
-                </a:lnTo>
-                <a:lnTo>
-                  <a:pt x="0" y="2948"/>
-                </a:lnTo>
-                <a:lnTo>
-                  <a:pt x="8" y="3080"/>
-                </a:lnTo>
-                <a:lnTo>
-                  <a:pt x="17" y="3212"/>
-                </a:lnTo>
-                <a:cubicBezTo>
-                  <a:pt x="23" y="3256"/>
-                  <a:pt x="31" y="3299"/>
-                  <a:pt x="39" y="3343"/>
-                </a:cubicBezTo>
-                <a:lnTo>
-                  <a:pt x="60" y="3474"/>
-                </a:lnTo>
-                <a:cubicBezTo>
-                  <a:pt x="67" y="3518"/>
-                  <a:pt x="81" y="3559"/>
-                  <a:pt x="92" y="3602"/>
-                </a:cubicBezTo>
-                <a:cubicBezTo>
-                  <a:pt x="149" y="3912"/>
-                  <a:pt x="260" y="4219"/>
-                  <a:pt x="431" y="4494"/>
-                </a:cubicBezTo>
-                <a:cubicBezTo>
-                  <a:pt x="600" y="4768"/>
-                  <a:pt x="820" y="5015"/>
-                  <a:pt x="1077" y="5216"/>
-                </a:cubicBezTo>
-                <a:cubicBezTo>
-                  <a:pt x="1335" y="5418"/>
-                  <a:pt x="1629" y="5575"/>
-                  <a:pt x="1944" y="5676"/>
-                </a:cubicBezTo>
-                <a:lnTo>
-                  <a:pt x="2184" y="5740"/>
-                </a:lnTo>
-                <a:cubicBezTo>
-                  <a:pt x="2265" y="5759"/>
-                  <a:pt x="2353" y="5770"/>
-                  <a:pt x="2439" y="5783"/>
-                </a:cubicBezTo>
-                <a:lnTo>
-                  <a:pt x="2503" y="5792"/>
-                </a:lnTo>
-                <a:lnTo>
-                  <a:pt x="2559" y="5796"/>
-                </a:lnTo>
-                <a:lnTo>
-                  <a:pt x="2671" y="5803"/>
-                </a:lnTo>
-                <a:lnTo>
-                  <a:pt x="2727" y="5806"/>
-                </a:lnTo>
-                <a:lnTo>
-                  <a:pt x="2755" y="5807"/>
-                </a:lnTo>
-                <a:lnTo>
-                  <a:pt x="2769" y="5808"/>
-                </a:lnTo>
-                <a:lnTo>
-                  <a:pt x="2787" y="5808"/>
-                </a:lnTo>
-                <a:lnTo>
-                  <a:pt x="2791" y="5808"/>
-                </a:lnTo>
-                <a:lnTo>
-                  <a:pt x="2799" y="5808"/>
-                </a:lnTo>
-                <a:lnTo>
-                  <a:pt x="2923" y="5803"/>
-                </a:lnTo>
-                <a:cubicBezTo>
-                  <a:pt x="3584" y="5775"/>
-                  <a:pt x="4232" y="5502"/>
-                  <a:pt x="4717" y="5054"/>
-                </a:cubicBezTo>
-                <a:cubicBezTo>
-                  <a:pt x="4961" y="4831"/>
-                  <a:pt x="5165" y="4566"/>
-                  <a:pt x="5320" y="4274"/>
-                </a:cubicBezTo>
-                <a:cubicBezTo>
-                  <a:pt x="5399" y="4127"/>
-                  <a:pt x="5461" y="3978"/>
-                  <a:pt x="5515" y="3816"/>
-                </a:cubicBezTo>
-                <a:lnTo>
-                  <a:pt x="5552" y="3692"/>
-                </a:lnTo>
-                <a:lnTo>
-                  <a:pt x="5571" y="3630"/>
-                </a:lnTo>
-                <a:cubicBezTo>
-                  <a:pt x="5576" y="3610"/>
-                  <a:pt x="5579" y="3592"/>
-                  <a:pt x="5583" y="3574"/>
-                </a:cubicBezTo>
-                <a:lnTo>
-                  <a:pt x="5607" y="3464"/>
-                </a:lnTo>
-                <a:lnTo>
-                  <a:pt x="5619" y="3410"/>
-                </a:lnTo>
-                <a:lnTo>
-                  <a:pt x="5621" y="3396"/>
-                </a:lnTo>
-                <a:lnTo>
-                  <a:pt x="5627" y="3370"/>
-                </a:lnTo>
-                <a:lnTo>
-                  <a:pt x="5632" y="3339"/>
-                </a:lnTo>
-                <a:cubicBezTo>
-                  <a:pt x="5652" y="3222"/>
-                  <a:pt x="5615" y="3035"/>
-                  <a:pt x="5581" y="2979"/>
-                </a:cubicBezTo>
-                <a:cubicBezTo>
-                  <a:pt x="5549" y="2924"/>
-                  <a:pt x="5519" y="2934"/>
-                  <a:pt x="5492" y="2980"/>
-                </a:cubicBezTo>
-                <a:cubicBezTo>
-                  <a:pt x="5464" y="3028"/>
-                  <a:pt x="5437" y="3114"/>
-                  <a:pt x="5407" y="3214"/>
-                </a:cubicBezTo>
-                <a:cubicBezTo>
-                  <a:pt x="5297" y="3542"/>
-                  <a:pt x="5153" y="3879"/>
-                  <a:pt x="4935" y="4182"/>
-                </a:cubicBezTo>
-                <a:cubicBezTo>
-                  <a:pt x="4717" y="4484"/>
-                  <a:pt x="4441" y="4760"/>
-                  <a:pt x="4113" y="4962"/>
-                </a:cubicBezTo>
-                <a:cubicBezTo>
-                  <a:pt x="3724" y="5212"/>
-                  <a:pt x="3263" y="5332"/>
-                  <a:pt x="2805" y="5328"/>
-                </a:cubicBezTo>
-                <a:lnTo>
-                  <a:pt x="2795" y="5328"/>
-                </a:lnTo>
-                <a:lnTo>
-                  <a:pt x="2791" y="5328"/>
-                </a:lnTo>
-                <a:lnTo>
-                  <a:pt x="2771" y="5327"/>
-                </a:lnTo>
-                <a:lnTo>
-                  <a:pt x="2724" y="5324"/>
-                </a:lnTo>
-                <a:lnTo>
-                  <a:pt x="2631" y="5318"/>
-                </a:lnTo>
-                <a:lnTo>
-                  <a:pt x="2537" y="5311"/>
-                </a:lnTo>
-                <a:cubicBezTo>
-                  <a:pt x="2508" y="5307"/>
-                  <a:pt x="2483" y="5302"/>
-                  <a:pt x="2456" y="5296"/>
-                </a:cubicBezTo>
-                <a:cubicBezTo>
-                  <a:pt x="2403" y="5286"/>
-                  <a:pt x="2349" y="5278"/>
-                  <a:pt x="2296" y="5267"/>
-                </a:cubicBezTo>
-                <a:lnTo>
-                  <a:pt x="2132" y="5222"/>
-                </a:lnTo>
-                <a:cubicBezTo>
-                  <a:pt x="1917" y="5151"/>
-                  <a:pt x="1707" y="5063"/>
-                  <a:pt x="1520" y="4934"/>
-                </a:cubicBezTo>
-                <a:cubicBezTo>
-                  <a:pt x="1333" y="4807"/>
-                  <a:pt x="1157" y="4663"/>
-                  <a:pt x="1013" y="4488"/>
-                </a:cubicBezTo>
-                <a:cubicBezTo>
-                  <a:pt x="869" y="4316"/>
-                  <a:pt x="739" y="4130"/>
-                  <a:pt x="649" y="3922"/>
-                </a:cubicBezTo>
-                <a:cubicBezTo>
-                  <a:pt x="559" y="3714"/>
-                  <a:pt x="487" y="3498"/>
-                  <a:pt x="457" y="3274"/>
-                </a:cubicBezTo>
-                <a:lnTo>
-                  <a:pt x="443" y="3190"/>
-                </a:lnTo>
-                <a:cubicBezTo>
-                  <a:pt x="439" y="3162"/>
-                  <a:pt x="439" y="3134"/>
-                  <a:pt x="436" y="3106"/>
-                </a:cubicBezTo>
-                <a:lnTo>
-                  <a:pt x="431" y="3020"/>
-                </a:lnTo>
-                <a:lnTo>
-                  <a:pt x="428" y="2978"/>
-                </a:lnTo>
-                <a:lnTo>
-                  <a:pt x="427" y="2956"/>
-                </a:lnTo>
-                <a:lnTo>
-                  <a:pt x="425" y="2946"/>
-                </a:lnTo>
-                <a:lnTo>
-                  <a:pt x="425" y="2940"/>
-                </a:lnTo>
-                <a:lnTo>
-                  <a:pt x="425" y="2938"/>
-                </a:lnTo>
-                <a:lnTo>
-                  <a:pt x="425" y="2936"/>
-                </a:lnTo>
-                <a:lnTo>
-                  <a:pt x="431" y="2759"/>
-                </a:lnTo>
-                <a:cubicBezTo>
-                  <a:pt x="432" y="2728"/>
-                  <a:pt x="431" y="2694"/>
-                  <a:pt x="435" y="2667"/>
-                </a:cubicBezTo>
-                <a:lnTo>
-                  <a:pt x="445" y="2587"/>
-                </a:lnTo>
-                <a:cubicBezTo>
-                  <a:pt x="456" y="2534"/>
-                  <a:pt x="460" y="2483"/>
-                  <a:pt x="476" y="2428"/>
-                </a:cubicBezTo>
-                <a:lnTo>
-                  <a:pt x="521" y="2267"/>
-                </a:lnTo>
-                <a:cubicBezTo>
-                  <a:pt x="535" y="2212"/>
-                  <a:pt x="561" y="2162"/>
-                  <a:pt x="579" y="2110"/>
-                </a:cubicBezTo>
-                <a:lnTo>
-                  <a:pt x="609" y="2031"/>
-                </a:lnTo>
-                <a:cubicBezTo>
-                  <a:pt x="620" y="2004"/>
-                  <a:pt x="635" y="1980"/>
-                  <a:pt x="645" y="1955"/>
-                </a:cubicBezTo>
-                <a:cubicBezTo>
-                  <a:pt x="799" y="1636"/>
-                  <a:pt x="1023" y="1352"/>
-                  <a:pt x="1295" y="1128"/>
-                </a:cubicBezTo>
-                <a:cubicBezTo>
-                  <a:pt x="1571" y="908"/>
-                  <a:pt x="1892" y="750"/>
-                  <a:pt x="2233" y="666"/>
-                </a:cubicBezTo>
-                <a:cubicBezTo>
-                  <a:pt x="2917" y="494"/>
-                  <a:pt x="3671" y="640"/>
-                  <a:pt x="4248" y="1062"/>
-                </a:cubicBezTo>
-                <a:cubicBezTo>
-                  <a:pt x="4456" y="1210"/>
-                  <a:pt x="4625" y="1370"/>
-                  <a:pt x="4744" y="1443"/>
-                </a:cubicBezTo>
-                <a:cubicBezTo>
-                  <a:pt x="4489" y="1711"/>
-                  <a:pt x="4236" y="1983"/>
-                  <a:pt x="3981" y="2251"/>
-                </a:cubicBezTo>
-                <a:cubicBezTo>
-                  <a:pt x="3580" y="2551"/>
-                  <a:pt x="3211" y="2891"/>
-                  <a:pt x="2851" y="3244"/>
-                </a:cubicBezTo>
-                <a:cubicBezTo>
-                  <a:pt x="2557" y="2952"/>
-                  <a:pt x="2261" y="2662"/>
-                  <a:pt x="1979" y="2359"/>
-                </a:cubicBezTo>
-                <a:cubicBezTo>
-                  <a:pt x="1945" y="2323"/>
-                  <a:pt x="1859" y="2302"/>
-                  <a:pt x="1819" y="2308"/>
-                </a:cubicBezTo>
-                <a:cubicBezTo>
-                  <a:pt x="1739" y="2320"/>
-                  <a:pt x="1744" y="2403"/>
-                  <a:pt x="1779" y="2498"/>
-                </a:cubicBezTo>
-                <a:cubicBezTo>
-                  <a:pt x="1896" y="2811"/>
-                  <a:pt x="2113" y="3116"/>
-                  <a:pt x="2368" y="3394"/>
-                </a:cubicBezTo>
-                <a:lnTo>
-                  <a:pt x="2704" y="3763"/>
-                </a:lnTo>
-                <a:cubicBezTo>
-                  <a:pt x="2777" y="3844"/>
-                  <a:pt x="2903" y="3850"/>
-                  <a:pt x="2983" y="3776"/>
-                </a:cubicBezTo>
-                <a:lnTo>
-                  <a:pt x="2996" y="3763"/>
-                </a:lnTo>
-                <a:cubicBezTo>
-                  <a:pt x="3545" y="3266"/>
-                  <a:pt x="4093" y="2767"/>
-                  <a:pt x="4596" y="2216"/>
-                </a:cubicBezTo>
-                <a:lnTo>
-                  <a:pt x="4847" y="1988"/>
-                </a:lnTo>
-                <a:cubicBezTo>
-                  <a:pt x="5369" y="1500"/>
-                  <a:pt x="5881" y="1000"/>
-                  <a:pt x="6348" y="459"/>
-                </a:cubicBezTo>
-                <a:cubicBezTo>
-                  <a:pt x="6480" y="306"/>
-                  <a:pt x="6556" y="143"/>
-                  <a:pt x="6460" y="68"/>
-                </a:cubicBezTo>
-                <a:cubicBezTo>
-                  <a:pt x="6372" y="0"/>
-                  <a:pt x="6213" y="43"/>
-                  <a:pt x="6057" y="180"/>
-                </a:cubicBezTo>
-                <a:cubicBezTo>
-                  <a:pt x="5776" y="427"/>
-                  <a:pt x="5492" y="675"/>
-                  <a:pt x="5228" y="940"/>
-                </a:cubicBezTo>
-                <a:cubicBezTo>
-                  <a:pt x="5117" y="1052"/>
-                  <a:pt x="5008" y="1166"/>
-                  <a:pt x="4899" y="1279"/>
-                </a:cubicBezTo>
-                <a:cubicBezTo>
-                  <a:pt x="4889" y="1250"/>
-                  <a:pt x="4876" y="1219"/>
-                  <a:pt x="4859" y="1186"/>
-                </a:cubicBezTo>
-                <a:cubicBezTo>
-                  <a:pt x="4793" y="1052"/>
-                  <a:pt x="4668" y="884"/>
-                  <a:pt x="4479" y="730"/>
-                </a:cubicBezTo>
-                <a:cubicBezTo>
-                  <a:pt x="4140" y="454"/>
-                  <a:pt x="3731" y="255"/>
-                  <a:pt x="3295" y="166"/>
-                </a:cubicBezTo>
-                <a:lnTo>
-                  <a:pt x="3132" y="142"/>
-                </a:lnTo>
-                <a:lnTo>
-                  <a:pt x="2960" y="123"/>
-                </a:lnTo>
-                <a:lnTo>
-                  <a:pt x="2805" y="115"/>
-                </a:lnTo>
-                <a:lnTo>
-                  <a:pt x="2796" y="115"/>
-                </a:lnTo>
-                <a:lnTo>
-                  <a:pt x="2791" y="115"/>
-                </a:lnTo>
-                <a:lnTo>
-                  <a:pt x="2779" y="115"/>
-                </a:lnTo>
-                <a:lnTo>
-                  <a:pt x="2757" y="116"/>
-                </a:lnTo>
-                <a:lnTo>
-                  <a:pt x="2716" y="118"/>
-                </a:lnTo>
-                <a:lnTo>
-                  <a:pt x="2632" y="120"/>
-                </a:lnTo>
-                <a:cubicBezTo>
-                  <a:pt x="2576" y="124"/>
-                  <a:pt x="2520" y="122"/>
-                  <a:pt x="2465" y="131"/>
-                </a:cubicBezTo>
-                <a:lnTo>
-                  <a:pt x="2300" y="155"/>
-                </a:lnTo>
-                <a:lnTo>
-                  <a:pt x="2217" y="167"/>
-                </a:lnTo>
-                <a:lnTo>
-                  <a:pt x="2136" y="187"/>
-                </a:lnTo>
-                <a:lnTo>
-                  <a:pt x="1975" y="228"/>
-                </a:lnTo>
-                <a:cubicBezTo>
-                  <a:pt x="1287" y="436"/>
-                  <a:pt x="692" y="922"/>
-                  <a:pt x="349" y="1546"/>
-                </a:cubicBezTo>
-                <a:close/>
-              </a:path>
-            </a:pathLst>
-          </a:custGeom>
-          <a:solidFill>
-            <a:srgbClr val="172238"/>
-          </a:solidFill>
-          <a:ln>
-            <a:noFill/>
-          </a:ln>
-        </p:spPr>
-      </p:sp>
-      <p:sp>
-        <p:nvSpPr>
-          <p:cNvPr id="12" name="矩形 11"/>
-          <p:cNvSpPr/>
-          <p:nvPr/>
-        </p:nvSpPr>
-        <p:spPr>
-          <a:xfrm>
-            <a:off x="8130141" y="5392970"/>
-            <a:ext cx="3172859" cy="45719"/>
-          </a:xfrm>
-          <a:prstGeom prst="rect">
-            <a:avLst/>
-          </a:prstGeom>
-          <a:solidFill>
-            <a:srgbClr val="172238"/>
-          </a:solidFill>
-          <a:ln>
-            <a:noFill/>
-          </a:ln>
-        </p:spPr>
-        <p:style>
-          <a:lnRef idx="2">
-            <a:schemeClr val="accent1">
-              <a:shade val="50000"/>
-            </a:schemeClr>
-          </a:lnRef>
-          <a:fillRef idx="1">
-            <a:schemeClr val="accent1"/>
-          </a:fillRef>
-          <a:effectRef idx="0">
-            <a:schemeClr val="accent1"/>
-          </a:effectRef>
-          <a:fontRef idx="minor">
-            <a:schemeClr val="lt1"/>
-          </a:fontRef>
-        </p:style>
-        <p:txBody>
-          <a:bodyPr rot="0" spcFirstLastPara="0" vertOverflow="overflow" horzOverflow="overflow" vert="horz" wrap="square" lIns="91440" tIns="45720" rIns="91440" bIns="45720" numCol="1" spcCol="0" rtlCol="0" fromWordArt="0" anchor="ctr" anchorCtr="0" forceAA="0" compatLnSpc="1">
-            <a:noAutofit/>
-          </a:bodyPr>
-          <a:lstStyle/>
-          <a:p>
-            <a:pPr algn="ctr"/>
-            <a:endParaRPr lang="zh-CN" altLang="en-US"/>
-          </a:p>
-        </p:txBody>
-      </p:sp>
-      <p:sp>
-        <p:nvSpPr>
-          <p:cNvPr id="13" name="矩形 12"/>
-          <p:cNvSpPr/>
-          <p:nvPr/>
-        </p:nvSpPr>
-        <p:spPr>
-          <a:xfrm>
-            <a:off x="2051122" y="5392970"/>
-            <a:ext cx="3172859" cy="45719"/>
-          </a:xfrm>
-          <a:prstGeom prst="rect">
-            <a:avLst/>
-          </a:prstGeom>
-          <a:solidFill>
-            <a:schemeClr val="bg1"/>
-          </a:solidFill>
-          <a:ln>
-            <a:noFill/>
-          </a:ln>
-        </p:spPr>
-        <p:style>
-          <a:lnRef idx="2">
-            <a:schemeClr val="accent1">
-              <a:shade val="50000"/>
-            </a:schemeClr>
-          </a:lnRef>
-          <a:fillRef idx="1">
-            <a:schemeClr val="accent1"/>
-          </a:fillRef>
-          <a:effectRef idx="0">
-            <a:schemeClr val="accent1"/>
-          </a:effectRef>
-          <a:fontRef idx="minor">
-            <a:schemeClr val="lt1"/>
-          </a:fontRef>
-        </p:style>
-        <p:txBody>
-          <a:bodyPr rot="0" spcFirstLastPara="0" vertOverflow="overflow" horzOverflow="overflow" vert="horz" wrap="square" lIns="91440" tIns="45720" rIns="91440" bIns="45720" numCol="1" spcCol="0" rtlCol="0" fromWordArt="0" anchor="ctr" anchorCtr="0" forceAA="0" compatLnSpc="1">
-            <a:noAutofit/>
-          </a:bodyPr>
-          <a:lstStyle/>
-          <a:p>
-            <a:pPr algn="ctr"/>
-            <a:endParaRPr lang="zh-CN" altLang="en-US"/>
-          </a:p>
-        </p:txBody>
-      </p:sp>
-      <p:sp>
-        <p:nvSpPr>
-          <p:cNvPr id="14" name="文本框 22"/>
-          <p:cNvSpPr txBox="1"/>
-          <p:nvPr/>
-        </p:nvSpPr>
-        <p:spPr>
-          <a:xfrm flipH="1">
-            <a:off x="646076" y="2304075"/>
-            <a:ext cx="5153096" cy="1364541"/>
-          </a:xfrm>
-          <a:prstGeom prst="rect">
-            <a:avLst/>
-          </a:prstGeom>
-          <a:noFill/>
-          <a:ln w="9525">
-            <a:noFill/>
-            <a:miter/>
-          </a:ln>
-          <a:effectLst>
-            <a:outerShdw sx="999" sy="999" algn="ctr" rotWithShape="0">
-              <a:srgbClr val="000000"/>
-            </a:outerShdw>
-          </a:effectLst>
-        </p:spPr>
-        <p:txBody>
-          <a:bodyPr wrap="square" anchor="t">
-            <a:spAutoFit/>
-          </a:bodyPr>
-          <a:lstStyle/>
-          <a:p>
-            <a:pPr algn="just">
-              <a:lnSpc>
-                <a:spcPct val="120000"/>
-              </a:lnSpc>
-            </a:pPr>
-            <a:r>
-              <a:rPr lang="zh-CN" altLang="en-US" sz="1400" dirty="0">
-                <a:solidFill>
-                  <a:schemeClr val="tx1">
-                    <a:lumMod val="85000"/>
-                    <a:lumOff val="15000"/>
-                  </a:schemeClr>
-                </a:solidFill>
-                <a:latin typeface="微软雅黑 Light" panose="020B0502040204020203" pitchFamily="34" charset="-122"/>
-                <a:ea typeface="微软雅黑 Light" panose="020B0502040204020203" pitchFamily="34" charset="-122"/>
-                <a:sym typeface="宋体" panose="02010600030101010101" pitchFamily="2" charset="-122"/>
-              </a:rPr>
-              <a:t>单击此处添加本章节的简要内容。本模板精心设计，模板所有素材均可自由编辑替换移动。</a:t>
-            </a:r>
-            <a:r>
-              <a:rPr lang="zh-CN" altLang="en-US" sz="1400">
-                <a:solidFill>
-                  <a:schemeClr val="tx1">
-                    <a:lumMod val="85000"/>
-                    <a:lumOff val="15000"/>
-                  </a:schemeClr>
-                </a:solidFill>
-                <a:latin typeface="微软雅黑 Light" panose="020B0502040204020203" pitchFamily="34" charset="-122"/>
-                <a:ea typeface="微软雅黑 Light" panose="020B0502040204020203" pitchFamily="34" charset="-122"/>
-                <a:sym typeface="宋体" panose="02010600030101010101" pitchFamily="2" charset="-122"/>
-              </a:rPr>
-              <a:t>单击此单击此处添加本章节的简要内容。本模板精心设计，模板所有素材均可自由编辑替换移动。单击此处添加本章节的简要内容。处</a:t>
-            </a:r>
-            <a:r>
-              <a:rPr lang="zh-CN" altLang="en-US" sz="1400" dirty="0">
-                <a:solidFill>
-                  <a:schemeClr val="tx1">
-                    <a:lumMod val="85000"/>
-                    <a:lumOff val="15000"/>
-                  </a:schemeClr>
-                </a:solidFill>
-                <a:latin typeface="微软雅黑 Light" panose="020B0502040204020203" pitchFamily="34" charset="-122"/>
-                <a:ea typeface="微软雅黑 Light" panose="020B0502040204020203" pitchFamily="34" charset="-122"/>
-                <a:sym typeface="宋体" panose="02010600030101010101" pitchFamily="2" charset="-122"/>
-              </a:rPr>
-              <a:t>添加本章节的简要内容。</a:t>
-            </a:r>
-            <a:endParaRPr lang="zh-CN" altLang="en-US" sz="1400" dirty="0">
-              <a:solidFill>
-                <a:schemeClr val="tx1">
-                  <a:lumMod val="85000"/>
-                  <a:lumOff val="15000"/>
-                </a:schemeClr>
-              </a:solidFill>
-              <a:latin typeface="微软雅黑 Light" panose="020B0502040204020203" pitchFamily="34" charset="-122"/>
-              <a:ea typeface="微软雅黑 Light" panose="020B0502040204020203" pitchFamily="34" charset="-122"/>
-              <a:sym typeface="宋体" panose="02010600030101010101" pitchFamily="2" charset="-122"/>
-            </a:endParaRPr>
-          </a:p>
-        </p:txBody>
-      </p:sp>
-      <p:sp>
-        <p:nvSpPr>
-          <p:cNvPr id="15" name="文本框 22"/>
-          <p:cNvSpPr txBox="1"/>
-          <p:nvPr/>
-        </p:nvSpPr>
-        <p:spPr>
-          <a:xfrm flipH="1">
-            <a:off x="646076" y="947799"/>
-            <a:ext cx="5153096" cy="954107"/>
-          </a:xfrm>
-          <a:prstGeom prst="rect">
-            <a:avLst/>
-          </a:prstGeom>
-          <a:noFill/>
-          <a:ln w="9525">
-            <a:noFill/>
-            <a:miter/>
-          </a:ln>
-          <a:effectLst>
-            <a:outerShdw sx="999" sy="999" algn="ctr" rotWithShape="0">
-              <a:srgbClr val="000000"/>
-            </a:outerShdw>
-          </a:effectLst>
-        </p:spPr>
-        <p:txBody>
-          <a:bodyPr wrap="square" anchor="t">
-            <a:spAutoFit/>
-          </a:bodyPr>
-          <a:lstStyle/>
-          <a:p>
-            <a:pPr algn="just"/>
-            <a:r>
-              <a:rPr lang="zh-CN" altLang="en-US" sz="2800">
-                <a:solidFill>
-                  <a:schemeClr val="tx1">
-                    <a:lumMod val="85000"/>
-                    <a:lumOff val="15000"/>
-                  </a:schemeClr>
-                </a:solidFill>
-                <a:latin typeface="微软雅黑 Light" panose="020B0502040204020203" pitchFamily="34" charset="-122"/>
-                <a:ea typeface="微软雅黑 Light" panose="020B0502040204020203" pitchFamily="34" charset="-122"/>
-                <a:sym typeface="宋体" panose="02010600030101010101" pitchFamily="2" charset="-122"/>
-              </a:rPr>
-              <a:t>单击此处</a:t>
-            </a:r>
-            <a:endParaRPr lang="en-US" altLang="zh-CN" sz="2800">
-              <a:solidFill>
-                <a:schemeClr val="tx1">
-                  <a:lumMod val="85000"/>
-                  <a:lumOff val="15000"/>
-                </a:schemeClr>
-              </a:solidFill>
-              <a:latin typeface="微软雅黑 Light" panose="020B0502040204020203" pitchFamily="34" charset="-122"/>
-              <a:ea typeface="微软雅黑 Light" panose="020B0502040204020203" pitchFamily="34" charset="-122"/>
-              <a:sym typeface="宋体" panose="02010600030101010101" pitchFamily="2" charset="-122"/>
-            </a:endParaRPr>
-          </a:p>
-          <a:p>
-            <a:pPr algn="just"/>
-            <a:r>
-              <a:rPr lang="zh-CN" altLang="en-US" sz="2800">
-                <a:solidFill>
-                  <a:schemeClr val="tx1">
-                    <a:lumMod val="85000"/>
-                    <a:lumOff val="15000"/>
-                  </a:schemeClr>
-                </a:solidFill>
-                <a:latin typeface="微软雅黑 Light" panose="020B0502040204020203" pitchFamily="34" charset="-122"/>
-                <a:ea typeface="微软雅黑 Light" panose="020B0502040204020203" pitchFamily="34" charset="-122"/>
-                <a:sym typeface="宋体" panose="02010600030101010101" pitchFamily="2" charset="-122"/>
-              </a:rPr>
-              <a:t>添加</a:t>
-            </a:r>
-            <a:r>
-              <a:rPr lang="zh-CN" altLang="en-US" sz="2800" dirty="0">
-                <a:solidFill>
-                  <a:schemeClr val="tx1">
-                    <a:lumMod val="85000"/>
-                    <a:lumOff val="15000"/>
-                  </a:schemeClr>
-                </a:solidFill>
-                <a:latin typeface="微软雅黑 Light" panose="020B0502040204020203" pitchFamily="34" charset="-122"/>
-                <a:ea typeface="微软雅黑 Light" panose="020B0502040204020203" pitchFamily="34" charset="-122"/>
-                <a:sym typeface="宋体" panose="02010600030101010101" pitchFamily="2" charset="-122"/>
-              </a:rPr>
-              <a:t>本章节的</a:t>
-            </a:r>
-            <a:r>
-              <a:rPr lang="zh-CN" altLang="en-US" sz="2800">
-                <a:solidFill>
-                  <a:schemeClr val="tx1">
-                    <a:lumMod val="85000"/>
-                    <a:lumOff val="15000"/>
-                  </a:schemeClr>
-                </a:solidFill>
-                <a:latin typeface="微软雅黑 Light" panose="020B0502040204020203" pitchFamily="34" charset="-122"/>
-                <a:ea typeface="微软雅黑 Light" panose="020B0502040204020203" pitchFamily="34" charset="-122"/>
-                <a:sym typeface="宋体" panose="02010600030101010101" pitchFamily="2" charset="-122"/>
-              </a:rPr>
-              <a:t>简要内容</a:t>
-            </a:r>
-            <a:endParaRPr lang="zh-CN" altLang="en-US" sz="2800" dirty="0">
-              <a:solidFill>
-                <a:schemeClr val="tx1">
-                  <a:lumMod val="85000"/>
-                  <a:lumOff val="15000"/>
-                </a:schemeClr>
-              </a:solidFill>
-              <a:latin typeface="微软雅黑 Light" panose="020B0502040204020203" pitchFamily="34" charset="-122"/>
-              <a:ea typeface="微软雅黑 Light" panose="020B0502040204020203" pitchFamily="34" charset="-122"/>
-              <a:sym typeface="宋体" panose="02010600030101010101" pitchFamily="2" charset="-122"/>
-            </a:endParaRPr>
-          </a:p>
-        </p:txBody>
-      </p:sp>
-    </p:spTree>
-  </p:cSld>
-  <p:clrMapOvr>
-    <a:masterClrMapping/>
-  </p:clrMapOvr>
-  <mc:AlternateContent xmlns:mc="http://schemas.openxmlformats.org/markup-compatibility/2006">
-    <mc:Choice xmlns:p14="http://schemas.microsoft.com/office/powerpoint/2010/main" Requires="p14">
-      <p:transition spd="slow" p14:dur="1500">
-        <p:split orient="vert"/>
-      </p:transition>
-    </mc:Choice>
-    <mc:Fallback>
-      <p:transition spd="slow">
-        <p:split orient="vert"/>
-      </p:transition>
-    </mc:Fallback>
-  </mc:AlternateContent>
-</p:sld>
-</file>
-
-<file path=ppt/slides/slide12.xml><?xml version="1.0" encoding="utf-8"?>
-<p:sld xmlns:a="http://schemas.openxmlformats.org/drawingml/2006/main" xmlns:r="http://schemas.openxmlformats.org/officeDocument/2006/relationships" xmlns:p="http://schemas.openxmlformats.org/presentationml/2006/main">
-  <p:cSld>
-    <p:spTree>
-      <p:nvGrpSpPr>
-        <p:cNvPr id="1" name=""/>
-        <p:cNvGrpSpPr/>
-        <p:nvPr/>
-      </p:nvGrpSpPr>
-      <p:grpSpPr>
-        <a:xfrm>
-          <a:off x="0" y="0"/>
-          <a:ext cx="0" cy="0"/>
-          <a:chOff x="0" y="0"/>
-          <a:chExt cx="0" cy="0"/>
-        </a:xfrm>
-      </p:grpSpPr>
-      <p:sp>
-        <p:nvSpPr>
           <p:cNvPr id="5" name="矩形 4"/>
           <p:cNvSpPr/>
           <p:nvPr/>
@@ -10098,8 +7802,8 @@
         </p:nvSpPr>
         <p:spPr>
           <a:xfrm>
-            <a:off x="4374389" y="4108879"/>
-            <a:ext cx="3443223" cy="584775"/>
+            <a:off x="3173095" y="4109085"/>
+            <a:ext cx="6981825" cy="583565"/>
           </a:xfrm>
           <a:prstGeom prst="rect">
             <a:avLst/>
@@ -10112,9 +7816,9 @@
           </a:bodyPr>
           <a:lstStyle/>
           <a:p>
-            <a:pPr algn="dist"/>
+            <a:pPr algn="l"/>
             <a:r>
-              <a:rPr lang="zh-CN" altLang="en-US" sz="3200">
+              <a:rPr lang="en-US" altLang="zh-CN" sz="3200">
                 <a:solidFill>
                   <a:schemeClr val="tx1">
                     <a:lumMod val="85000"/>
@@ -10124,9 +7828,9 @@
                 <a:latin typeface="微软雅黑 Light" panose="020B0502040204020203" pitchFamily="34" charset="-122"/>
                 <a:ea typeface="微软雅黑 Light" panose="020B0502040204020203" pitchFamily="34" charset="-122"/>
               </a:rPr>
-              <a:t>工作业绩成果</a:t>
+              <a:t>ＣＮＮＬＳＴＭ 购买行为预测模型</a:t>
             </a:r>
-            <a:endParaRPr lang="zh-CN" altLang="en-US" sz="3200">
+            <a:endParaRPr lang="en-US" altLang="zh-CN" sz="3200">
               <a:solidFill>
                 <a:schemeClr val="tx1">
                   <a:lumMod val="85000"/>
@@ -10285,57 +7989,6 @@
                   <a:lumOff val="15000"/>
                 </a:schemeClr>
               </a:solidFill>
-            </a:endParaRPr>
-          </a:p>
-        </p:txBody>
-      </p:sp>
-      <p:sp>
-        <p:nvSpPr>
-          <p:cNvPr id="10" name="文本框 9"/>
-          <p:cNvSpPr txBox="1"/>
-          <p:nvPr/>
-        </p:nvSpPr>
-        <p:spPr>
-          <a:xfrm>
-            <a:off x="4374389" y="4722682"/>
-            <a:ext cx="3443223" cy="369332"/>
-          </a:xfrm>
-          <a:prstGeom prst="rect">
-            <a:avLst/>
-          </a:prstGeom>
-          <a:noFill/>
-        </p:spPr>
-        <p:txBody>
-          <a:bodyPr wrap="square" rtlCol="0">
-            <a:spAutoFit/>
-          </a:bodyPr>
-          <a:lstStyle/>
-          <a:p>
-            <a:pPr lvl="0" algn="dist">
-              <a:defRPr/>
-            </a:pPr>
-            <a:r>
-              <a:rPr lang="en-US" altLang="zh-CN">
-                <a:solidFill>
-                  <a:schemeClr val="tx1">
-                    <a:lumMod val="85000"/>
-                    <a:lumOff val="15000"/>
-                  </a:schemeClr>
-                </a:solidFill>
-                <a:latin typeface="微软雅黑 Light" panose="020B0502040204020203" pitchFamily="34" charset="-122"/>
-                <a:ea typeface="微软雅黑 Light" panose="020B0502040204020203" pitchFamily="34" charset="-122"/>
-              </a:rPr>
-              <a:t>Work performance results</a:t>
-            </a:r>
-            <a:endParaRPr lang="zh-CN" altLang="en-US">
-              <a:solidFill>
-                <a:schemeClr val="tx1">
-                  <a:lumMod val="85000"/>
-                  <a:lumOff val="15000"/>
-                </a:schemeClr>
-              </a:solidFill>
-              <a:latin typeface="微软雅黑 Light" panose="020B0502040204020203" pitchFamily="34" charset="-122"/>
-              <a:ea typeface="微软雅黑 Light" panose="020B0502040204020203" pitchFamily="34" charset="-122"/>
             </a:endParaRPr>
           </a:p>
         </p:txBody>
@@ -11037,7 +8690,7 @@
 </p:sld>
 </file>
 
-<file path=ppt/slides/slide13.xml><?xml version="1.0" encoding="utf-8"?>
+<file path=ppt/slides/slide12.xml><?xml version="1.0" encoding="utf-8"?>
 <p:sld xmlns:a="http://schemas.openxmlformats.org/drawingml/2006/main" xmlns:r="http://schemas.openxmlformats.org/officeDocument/2006/relationships" xmlns:p="http://schemas.openxmlformats.org/presentationml/2006/main">
   <p:cSld>
     <p:spTree>
@@ -11054,112 +8707,6 @@
           <a:chExt cx="0" cy="0"/>
         </a:xfrm>
       </p:grpSpPr>
-      <p:sp>
-        <p:nvSpPr>
-          <p:cNvPr id="3" name="矩形 2"/>
-          <p:cNvSpPr/>
-          <p:nvPr/>
-        </p:nvSpPr>
-        <p:spPr>
-          <a:xfrm>
-            <a:off x="7366000" y="0"/>
-            <a:ext cx="4826000" cy="6858000"/>
-          </a:xfrm>
-          <a:prstGeom prst="rect">
-            <a:avLst/>
-          </a:prstGeom>
-          <a:blipFill dpi="0" rotWithShape="1">
-            <a:blip r:embed="rId1" cstate="email">
-              <a:extLst>
-                <a:ext uri="{28A0092B-C50C-407E-A947-70E740481C1C}">
-                  <a14:useLocalDpi xmlns:a14="http://schemas.microsoft.com/office/drawing/2010/main" val="0"/>
-                </a:ext>
-              </a:extLst>
-            </a:blip>
-            <a:srcRect/>
-            <a:stretch>
-              <a:fillRect r="-43945"/>
-            </a:stretch>
-          </a:blipFill>
-          <a:ln>
-            <a:noFill/>
-          </a:ln>
-        </p:spPr>
-        <p:style>
-          <a:lnRef idx="2">
-            <a:schemeClr val="accent1">
-              <a:shade val="50000"/>
-            </a:schemeClr>
-          </a:lnRef>
-          <a:fillRef idx="1">
-            <a:schemeClr val="accent1"/>
-          </a:fillRef>
-          <a:effectRef idx="0">
-            <a:schemeClr val="accent1"/>
-          </a:effectRef>
-          <a:fontRef idx="minor">
-            <a:schemeClr val="lt1"/>
-          </a:fontRef>
-        </p:style>
-        <p:txBody>
-          <a:bodyPr rot="0" spcFirstLastPara="0" vertOverflow="overflow" horzOverflow="overflow" vert="horz" wrap="square" lIns="91440" tIns="45720" rIns="91440" bIns="45720" numCol="1" spcCol="0" rtlCol="0" fromWordArt="0" anchor="ctr" anchorCtr="0" forceAA="0" compatLnSpc="1">
-            <a:noAutofit/>
-          </a:bodyPr>
-          <a:lstStyle/>
-          <a:p>
-            <a:pPr algn="ctr"/>
-            <a:endParaRPr lang="zh-CN" altLang="en-US"/>
-          </a:p>
-        </p:txBody>
-      </p:sp>
-      <p:sp>
-        <p:nvSpPr>
-          <p:cNvPr id="4" name="矩形 3"/>
-          <p:cNvSpPr/>
-          <p:nvPr/>
-        </p:nvSpPr>
-        <p:spPr>
-          <a:xfrm>
-            <a:off x="5656271" y="0"/>
-            <a:ext cx="3238499" cy="3873500"/>
-          </a:xfrm>
-          <a:prstGeom prst="rect">
-            <a:avLst/>
-          </a:prstGeom>
-          <a:solidFill>
-            <a:srgbClr val="172238"/>
-          </a:solidFill>
-          <a:ln>
-            <a:noFill/>
-          </a:ln>
-        </p:spPr>
-        <p:style>
-          <a:lnRef idx="2">
-            <a:schemeClr val="accent1">
-              <a:shade val="50000"/>
-            </a:schemeClr>
-          </a:lnRef>
-          <a:fillRef idx="1">
-            <a:schemeClr val="accent1"/>
-          </a:fillRef>
-          <a:effectRef idx="0">
-            <a:schemeClr val="accent1"/>
-          </a:effectRef>
-          <a:fontRef idx="minor">
-            <a:schemeClr val="lt1"/>
-          </a:fontRef>
-        </p:style>
-        <p:txBody>
-          <a:bodyPr rot="0" spcFirstLastPara="0" vertOverflow="overflow" horzOverflow="overflow" vert="horz" wrap="square" lIns="91440" tIns="45720" rIns="91440" bIns="45720" numCol="1" spcCol="0" rtlCol="0" fromWordArt="0" anchor="ctr" anchorCtr="0" forceAA="0" compatLnSpc="1">
-            <a:noAutofit/>
-          </a:bodyPr>
-          <a:lstStyle/>
-          <a:p>
-            <a:pPr algn="ctr"/>
-            <a:endParaRPr lang="zh-CN" altLang="en-US"/>
-          </a:p>
-        </p:txBody>
-      </p:sp>
       <p:sp>
         <p:nvSpPr>
           <p:cNvPr id="5" name="文本框 22"/>
@@ -14007,7 +11554,7 @@
         <p:spPr>
           <a:xfrm flipH="1">
             <a:off x="646075" y="1398224"/>
-            <a:ext cx="4653912" cy="847476"/>
+            <a:ext cx="4653912" cy="1899920"/>
           </a:xfrm>
           <a:prstGeom prst="rect">
             <a:avLst/>
@@ -14037,7 +11584,7 @@
               <a:buChar char="•"/>
             </a:pPr>
             <a:r>
-              <a:rPr lang="zh-CN" altLang="en-US" sz="1400" dirty="0">
+              <a:rPr lang="zh-CN" altLang="en-US" sz="1400">
                 <a:solidFill>
                   <a:schemeClr val="tx1">
                     <a:lumMod val="85000"/>
@@ -14048,8 +11595,28 @@
                 <a:ea typeface="微软雅黑 Light" panose="020B0502040204020203" pitchFamily="34" charset="-122"/>
                 <a:sym typeface="宋体" panose="02010600030101010101" pitchFamily="2" charset="-122"/>
               </a:rPr>
-              <a:t>单击此处添加本章节的简要内容。本模板精心设计，模板所有素材均可自由编辑替换移动。</a:t>
+              <a:t>ＣＮＮ层接收影响用户购买行为的各种特征，如浏览数、购买数、浏览购买转化率等，进行特征选择和特征优化；</a:t>
             </a:r>
+            <a:endParaRPr lang="zh-CN" altLang="en-US" sz="1400">
+              <a:solidFill>
+                <a:schemeClr val="tx1">
+                  <a:lumMod val="85000"/>
+                  <a:lumOff val="15000"/>
+                </a:schemeClr>
+              </a:solidFill>
+              <a:latin typeface="微软雅黑 Light" panose="020B0502040204020203" pitchFamily="34" charset="-122"/>
+              <a:ea typeface="微软雅黑 Light" panose="020B0502040204020203" pitchFamily="34" charset="-122"/>
+              <a:sym typeface="宋体" panose="02010600030101010101" pitchFamily="2" charset="-122"/>
+            </a:endParaRPr>
+          </a:p>
+          <a:p>
+            <a:pPr marL="285750" indent="-285750" algn="just">
+              <a:lnSpc>
+                <a:spcPct val="120000"/>
+              </a:lnSpc>
+              <a:buFont typeface="Arial" panose="020B0604020202020204" pitchFamily="34" charset="0"/>
+              <a:buChar char="•"/>
+            </a:pPr>
             <a:r>
               <a:rPr lang="zh-CN" altLang="en-US" sz="1400">
                 <a:solidFill>
@@ -14062,9 +11629,9 @@
                 <a:ea typeface="微软雅黑 Light" panose="020B0502040204020203" pitchFamily="34" charset="-122"/>
                 <a:sym typeface="宋体" panose="02010600030101010101" pitchFamily="2" charset="-122"/>
               </a:rPr>
-              <a:t>单击此单击此处添加本章节的简要内容。</a:t>
+              <a:t>ＬＳＴＭ依据 ＣＮＮ提取的用户购买行为序列中的重要特征进行用户购买行为预测；全连接层把 ＬＳＴＭ单元输出的高维用户购买行为信息压缩为相应的特征向量，实现对用户购买行为的分类表达。</a:t>
             </a:r>
-            <a:endParaRPr lang="zh-CN" altLang="en-US" sz="1400" dirty="0">
+            <a:endParaRPr lang="zh-CN" altLang="en-US" sz="1400">
               <a:solidFill>
                 <a:schemeClr val="tx1">
                   <a:lumMod val="85000"/>
@@ -14078,86 +11645,30 @@
           </a:p>
         </p:txBody>
       </p:sp>
-      <p:sp>
-        <p:nvSpPr>
-          <p:cNvPr id="17" name="文本框 22"/>
-          <p:cNvSpPr txBox="1"/>
+      <p:pic>
+        <p:nvPicPr>
+          <p:cNvPr id="2" name="图片 1"/>
+          <p:cNvPicPr>
+            <a:picLocks noChangeAspect="1"/>
+          </p:cNvPicPr>
           <p:nvPr/>
-        </p:nvSpPr>
+        </p:nvPicPr>
+        <p:blipFill>
+          <a:blip r:embed="rId1"/>
+          <a:stretch>
+            <a:fillRect/>
+          </a:stretch>
+        </p:blipFill>
         <p:spPr>
-          <a:xfrm flipH="1">
-            <a:off x="646075" y="2577256"/>
-            <a:ext cx="4653912" cy="847476"/>
+          <a:xfrm>
+            <a:off x="6754495" y="1240790"/>
+            <a:ext cx="4312920" cy="3710940"/>
           </a:xfrm>
           <a:prstGeom prst="rect">
             <a:avLst/>
           </a:prstGeom>
-          <a:noFill/>
-          <a:ln w="9525">
-            <a:noFill/>
-            <a:miter/>
-          </a:ln>
-          <a:effectLst>
-            <a:outerShdw sx="999" sy="999" algn="ctr" rotWithShape="0">
-              <a:srgbClr val="000000"/>
-            </a:outerShdw>
-          </a:effectLst>
         </p:spPr>
-        <p:txBody>
-          <a:bodyPr wrap="square" anchor="t">
-            <a:spAutoFit/>
-          </a:bodyPr>
-          <a:lstStyle/>
-          <a:p>
-            <a:pPr marL="285750" indent="-285750" algn="just">
-              <a:lnSpc>
-                <a:spcPct val="120000"/>
-              </a:lnSpc>
-              <a:buFont typeface="Arial" panose="020B0604020202020204" pitchFamily="34" charset="0"/>
-              <a:buChar char="•"/>
-            </a:pPr>
-            <a:r>
-              <a:rPr lang="zh-CN" altLang="en-US" sz="1400" dirty="0">
-                <a:solidFill>
-                  <a:schemeClr val="tx1">
-                    <a:lumMod val="85000"/>
-                    <a:lumOff val="15000"/>
-                  </a:schemeClr>
-                </a:solidFill>
-                <a:latin typeface="微软雅黑 Light" panose="020B0502040204020203" pitchFamily="34" charset="-122"/>
-                <a:ea typeface="微软雅黑 Light" panose="020B0502040204020203" pitchFamily="34" charset="-122"/>
-                <a:sym typeface="宋体" panose="02010600030101010101" pitchFamily="2" charset="-122"/>
-              </a:rPr>
-              <a:t>单击此处添加本章节的简要内容。本模板精心设计，模板所有素材均可自由编辑替换移动。</a:t>
-            </a:r>
-            <a:r>
-              <a:rPr lang="zh-CN" altLang="en-US" sz="1400">
-                <a:solidFill>
-                  <a:schemeClr val="tx1">
-                    <a:lumMod val="85000"/>
-                    <a:lumOff val="15000"/>
-                  </a:schemeClr>
-                </a:solidFill>
-                <a:latin typeface="微软雅黑 Light" panose="020B0502040204020203" pitchFamily="34" charset="-122"/>
-                <a:ea typeface="微软雅黑 Light" panose="020B0502040204020203" pitchFamily="34" charset="-122"/>
-                <a:sym typeface="宋体" panose="02010600030101010101" pitchFamily="2" charset="-122"/>
-              </a:rPr>
-              <a:t>单击此单击此处添加本章节的简要内容。</a:t>
-            </a:r>
-            <a:endParaRPr lang="zh-CN" altLang="en-US" sz="1400" dirty="0">
-              <a:solidFill>
-                <a:schemeClr val="tx1">
-                  <a:lumMod val="85000"/>
-                  <a:lumOff val="15000"/>
-                </a:schemeClr>
-              </a:solidFill>
-              <a:latin typeface="微软雅黑 Light" panose="020B0502040204020203" pitchFamily="34" charset="-122"/>
-              <a:ea typeface="微软雅黑 Light" panose="020B0502040204020203" pitchFamily="34" charset="-122"/>
-              <a:sym typeface="宋体" panose="02010600030101010101" pitchFamily="2" charset="-122"/>
-            </a:endParaRPr>
-          </a:p>
-        </p:txBody>
-      </p:sp>
+      </p:pic>
     </p:spTree>
   </p:cSld>
   <p:clrMapOvr>
@@ -14178,7 +11689,7 @@
 </p:sld>
 </file>
 
-<file path=ppt/slides/slide14.xml><?xml version="1.0" encoding="utf-8"?>
+<file path=ppt/slides/slide13.xml><?xml version="1.0" encoding="utf-8"?>
 <p:sld xmlns:a="http://schemas.openxmlformats.org/drawingml/2006/main" xmlns:r="http://schemas.openxmlformats.org/officeDocument/2006/relationships" xmlns:p="http://schemas.openxmlformats.org/presentationml/2006/main">
   <p:cSld>
     <p:spTree>
@@ -14814,7 +12325,7 @@
 </p:sld>
 </file>
 
-<file path=ppt/slides/slide15.xml><?xml version="1.0" encoding="utf-8"?>
+<file path=ppt/slides/slide14.xml><?xml version="1.0" encoding="utf-8"?>
 <p:sld xmlns:a="http://schemas.openxmlformats.org/drawingml/2006/main" xmlns:r="http://schemas.openxmlformats.org/officeDocument/2006/relationships" xmlns:p="http://schemas.openxmlformats.org/presentationml/2006/main">
   <p:cSld>
     <p:spTree>
@@ -17552,7 +15063,7 @@
 </p:sld>
 </file>
 
-<file path=ppt/slides/slide16.xml><?xml version="1.0" encoding="utf-8"?>
+<file path=ppt/slides/slide15.xml><?xml version="1.0" encoding="utf-8"?>
 <p:sld xmlns:a="http://schemas.openxmlformats.org/drawingml/2006/main" xmlns:r="http://schemas.openxmlformats.org/officeDocument/2006/relationships" xmlns:p="http://schemas.openxmlformats.org/presentationml/2006/main">
   <p:cSld>
     <p:spTree>
@@ -18406,7 +15917,7 @@
 </p:sld>
 </file>
 
-<file path=ppt/slides/slide17.xml><?xml version="1.0" encoding="utf-8"?>
+<file path=ppt/slides/slide16.xml><?xml version="1.0" encoding="utf-8"?>
 <p:sld xmlns:a="http://schemas.openxmlformats.org/drawingml/2006/main" xmlns:r="http://schemas.openxmlformats.org/officeDocument/2006/relationships" xmlns:p="http://schemas.openxmlformats.org/presentationml/2006/main">
   <p:cSld>
     <p:spTree>
@@ -19802,7 +17313,7 @@
 </p:sld>
 </file>
 
-<file path=ppt/slides/slide18.xml><?xml version="1.0" encoding="utf-8"?>
+<file path=ppt/slides/slide17.xml><?xml version="1.0" encoding="utf-8"?>
 <p:sld xmlns:a="http://schemas.openxmlformats.org/drawingml/2006/main" xmlns:r="http://schemas.openxmlformats.org/officeDocument/2006/relationships" xmlns:p="http://schemas.openxmlformats.org/presentationml/2006/main">
   <p:cSld>
     <p:spTree>
@@ -23712,7 +21223,7 @@
 </p:sld>
 </file>
 
-<file path=ppt/slides/slide19.xml><?xml version="1.0" encoding="utf-8"?>
+<file path=ppt/slides/slide18.xml><?xml version="1.0" encoding="utf-8"?>
 <p:sld xmlns:a="http://schemas.openxmlformats.org/drawingml/2006/main" xmlns:r="http://schemas.openxmlformats.org/officeDocument/2006/relationships" xmlns:p="http://schemas.openxmlformats.org/presentationml/2006/main">
   <p:cSld>
     <p:spTree>
@@ -26319,6 +23830,1094 @@
             </a:endParaRPr>
           </a:p>
         </p:txBody>
+      </p:sp>
+    </p:spTree>
+  </p:cSld>
+  <p:clrMapOvr>
+    <a:masterClrMapping/>
+  </p:clrMapOvr>
+  <mc:AlternateContent xmlns:mc="http://schemas.openxmlformats.org/markup-compatibility/2006">
+    <mc:Choice xmlns:p14="http://schemas.microsoft.com/office/powerpoint/2010/main" Requires="p14">
+      <p:transition spd="slow" p14:dur="1500">
+        <p:split orient="vert"/>
+      </p:transition>
+    </mc:Choice>
+    <mc:Fallback>
+      <p:transition spd="slow">
+        <p:split orient="vert"/>
+      </p:transition>
+    </mc:Fallback>
+  </mc:AlternateContent>
+</p:sld>
+</file>
+
+<file path=ppt/slides/slide19.xml><?xml version="1.0" encoding="utf-8"?>
+<p:sld xmlns:a="http://schemas.openxmlformats.org/drawingml/2006/main" xmlns:r="http://schemas.openxmlformats.org/officeDocument/2006/relationships" xmlns:p="http://schemas.openxmlformats.org/presentationml/2006/main">
+  <p:cSld>
+    <p:spTree>
+      <p:nvGrpSpPr>
+        <p:cNvPr id="1" name=""/>
+        <p:cNvGrpSpPr/>
+        <p:nvPr/>
+      </p:nvGrpSpPr>
+      <p:grpSpPr>
+        <a:xfrm>
+          <a:off x="0" y="0"/>
+          <a:ext cx="0" cy="0"/>
+          <a:chOff x="0" y="0"/>
+          <a:chExt cx="0" cy="0"/>
+        </a:xfrm>
+      </p:grpSpPr>
+      <p:sp>
+        <p:nvSpPr>
+          <p:cNvPr id="5" name="矩形 4"/>
+          <p:cNvSpPr/>
+          <p:nvPr/>
+        </p:nvSpPr>
+        <p:spPr>
+          <a:xfrm>
+            <a:off x="0" y="0"/>
+            <a:ext cx="12192000" cy="3429000"/>
+          </a:xfrm>
+          <a:prstGeom prst="rect">
+            <a:avLst/>
+          </a:prstGeom>
+          <a:solidFill>
+            <a:srgbClr val="172238"/>
+          </a:solidFill>
+          <a:ln>
+            <a:noFill/>
+          </a:ln>
+        </p:spPr>
+        <p:style>
+          <a:lnRef idx="2">
+            <a:schemeClr val="accent1">
+              <a:shade val="50000"/>
+            </a:schemeClr>
+          </a:lnRef>
+          <a:fillRef idx="1">
+            <a:schemeClr val="accent1"/>
+          </a:fillRef>
+          <a:effectRef idx="0">
+            <a:schemeClr val="accent1"/>
+          </a:effectRef>
+          <a:fontRef idx="minor">
+            <a:schemeClr val="lt1"/>
+          </a:fontRef>
+        </p:style>
+        <p:txBody>
+          <a:bodyPr rtlCol="0" anchor="ctr"/>
+          <a:lstStyle/>
+          <a:p>
+            <a:pPr marL="0" marR="0" lvl="0" indent="0" algn="ctr" defTabSz="914400" rtl="0" eaLnBrk="1" fontAlgn="auto" latinLnBrk="0" hangingPunct="1">
+              <a:lnSpc>
+                <a:spcPct val="100000"/>
+              </a:lnSpc>
+              <a:spcBef>
+                <a:spcPts val="0"/>
+              </a:spcBef>
+              <a:spcAft>
+                <a:spcPts val="0"/>
+              </a:spcAft>
+              <a:buClrTx/>
+              <a:buSzTx/>
+              <a:buFontTx/>
+              <a:buNone/>
+              <a:defRPr/>
+            </a:pPr>
+            <a:endParaRPr kumimoji="0" lang="zh-CN" altLang="en-US" sz="1800" b="0" i="0" u="none" strike="noStrike" kern="1200" cap="none" spc="0" normalizeH="0" baseline="0" noProof="0">
+              <a:ln>
+                <a:noFill/>
+              </a:ln>
+              <a:solidFill>
+                <a:prstClr val="white"/>
+              </a:solidFill>
+              <a:effectLst/>
+              <a:uLnTx/>
+              <a:uFillTx/>
+              <a:latin typeface="等线" panose="02010600030101010101" charset="-122"/>
+              <a:ea typeface="等线" panose="02010600030101010101" charset="-122"/>
+              <a:cs typeface="+mn-cs"/>
+            </a:endParaRPr>
+          </a:p>
+        </p:txBody>
+      </p:sp>
+      <p:sp>
+        <p:nvSpPr>
+          <p:cNvPr id="4" name="矩形 3"/>
+          <p:cNvSpPr/>
+          <p:nvPr/>
+        </p:nvSpPr>
+        <p:spPr>
+          <a:xfrm>
+            <a:off x="473869" y="471488"/>
+            <a:ext cx="11244262" cy="5915025"/>
+          </a:xfrm>
+          <a:prstGeom prst="rect">
+            <a:avLst/>
+          </a:prstGeom>
+          <a:solidFill>
+            <a:schemeClr val="bg1"/>
+          </a:solidFill>
+          <a:ln>
+            <a:noFill/>
+          </a:ln>
+          <a:effectLst>
+            <a:outerShdw blurRad="63500" sx="102000" sy="102000" algn="ctr" rotWithShape="0">
+              <a:srgbClr val="172238">
+                <a:alpha val="40000"/>
+              </a:srgbClr>
+            </a:outerShdw>
+          </a:effectLst>
+        </p:spPr>
+        <p:style>
+          <a:lnRef idx="2">
+            <a:schemeClr val="accent1">
+              <a:shade val="50000"/>
+            </a:schemeClr>
+          </a:lnRef>
+          <a:fillRef idx="1">
+            <a:schemeClr val="accent1"/>
+          </a:fillRef>
+          <a:effectRef idx="0">
+            <a:schemeClr val="accent1"/>
+          </a:effectRef>
+          <a:fontRef idx="minor">
+            <a:schemeClr val="lt1"/>
+          </a:fontRef>
+        </p:style>
+        <p:txBody>
+          <a:bodyPr rtlCol="0" anchor="ctr"/>
+          <a:lstStyle/>
+          <a:p>
+            <a:pPr marL="0" marR="0" lvl="0" indent="0" algn="ctr" defTabSz="914400" rtl="0" eaLnBrk="1" fontAlgn="auto" latinLnBrk="0" hangingPunct="1">
+              <a:lnSpc>
+                <a:spcPct val="100000"/>
+              </a:lnSpc>
+              <a:spcBef>
+                <a:spcPts val="0"/>
+              </a:spcBef>
+              <a:spcAft>
+                <a:spcPts val="0"/>
+              </a:spcAft>
+              <a:buClrTx/>
+              <a:buSzTx/>
+              <a:buFontTx/>
+              <a:buNone/>
+              <a:defRPr/>
+            </a:pPr>
+            <a:endParaRPr kumimoji="0" lang="zh-CN" altLang="en-US" sz="1800" b="0" i="0" u="none" strike="noStrike" kern="1200" cap="none" spc="0" normalizeH="0" baseline="0" noProof="0">
+              <a:ln>
+                <a:noFill/>
+              </a:ln>
+              <a:solidFill>
+                <a:prstClr val="white"/>
+              </a:solidFill>
+              <a:effectLst/>
+              <a:uLnTx/>
+              <a:uFillTx/>
+              <a:latin typeface="等线" panose="02010600030101010101" charset="-122"/>
+              <a:ea typeface="等线" panose="02010600030101010101" charset="-122"/>
+              <a:cs typeface="+mn-cs"/>
+            </a:endParaRPr>
+          </a:p>
+        </p:txBody>
+      </p:sp>
+      <p:sp>
+        <p:nvSpPr>
+          <p:cNvPr id="6" name="文本框 5"/>
+          <p:cNvSpPr txBox="1"/>
+          <p:nvPr/>
+        </p:nvSpPr>
+        <p:spPr>
+          <a:xfrm>
+            <a:off x="4374389" y="4108879"/>
+            <a:ext cx="3443223" cy="584775"/>
+          </a:xfrm>
+          <a:prstGeom prst="rect">
+            <a:avLst/>
+          </a:prstGeom>
+          <a:noFill/>
+        </p:spPr>
+        <p:txBody>
+          <a:bodyPr wrap="square" rtlCol="0">
+            <a:spAutoFit/>
+          </a:bodyPr>
+          <a:lstStyle/>
+          <a:p>
+            <a:pPr algn="dist"/>
+            <a:r>
+              <a:rPr lang="zh-CN" altLang="en-US" sz="3200">
+                <a:solidFill>
+                  <a:schemeClr val="tx1">
+                    <a:lumMod val="85000"/>
+                    <a:lumOff val="15000"/>
+                  </a:schemeClr>
+                </a:solidFill>
+                <a:latin typeface="微软雅黑 Light" panose="020B0502040204020203" pitchFamily="34" charset="-122"/>
+                <a:ea typeface="微软雅黑 Light" panose="020B0502040204020203" pitchFamily="34" charset="-122"/>
+              </a:rPr>
+              <a:t>后续工作计划</a:t>
+            </a:r>
+            <a:endParaRPr lang="zh-CN" altLang="en-US" sz="3200">
+              <a:solidFill>
+                <a:schemeClr val="tx1">
+                  <a:lumMod val="85000"/>
+                  <a:lumOff val="15000"/>
+                </a:schemeClr>
+              </a:solidFill>
+              <a:latin typeface="微软雅黑 Light" panose="020B0502040204020203" pitchFamily="34" charset="-122"/>
+              <a:ea typeface="微软雅黑 Light" panose="020B0502040204020203" pitchFamily="34" charset="-122"/>
+            </a:endParaRPr>
+          </a:p>
+        </p:txBody>
+      </p:sp>
+      <p:sp>
+        <p:nvSpPr>
+          <p:cNvPr id="7" name="椭圆 6"/>
+          <p:cNvSpPr/>
+          <p:nvPr/>
+        </p:nvSpPr>
+        <p:spPr>
+          <a:xfrm>
+            <a:off x="5154494" y="1765986"/>
+            <a:ext cx="1883013" cy="1883013"/>
+          </a:xfrm>
+          <a:prstGeom prst="ellipse">
+            <a:avLst/>
+          </a:prstGeom>
+          <a:noFill/>
+          <a:ln w="19050">
+            <a:solidFill>
+              <a:srgbClr val="172238"/>
+            </a:solidFill>
+          </a:ln>
+          <a:effectLst/>
+        </p:spPr>
+        <p:style>
+          <a:lnRef idx="2">
+            <a:schemeClr val="accent1">
+              <a:shade val="50000"/>
+            </a:schemeClr>
+          </a:lnRef>
+          <a:fillRef idx="1">
+            <a:schemeClr val="accent1"/>
+          </a:fillRef>
+          <a:effectRef idx="0">
+            <a:schemeClr val="accent1"/>
+          </a:effectRef>
+          <a:fontRef idx="minor">
+            <a:schemeClr val="lt1"/>
+          </a:fontRef>
+        </p:style>
+        <p:txBody>
+          <a:bodyPr rot="0" spcFirstLastPara="0" vert="horz" wrap="square" lIns="91440" tIns="45720" rIns="91440" bIns="45720" numCol="1" spcCol="0" rtlCol="0" fromWordArt="0" anchor="ctr" anchorCtr="0" forceAA="0" compatLnSpc="1">
+            <a:noAutofit/>
+          </a:bodyPr>
+          <a:lstStyle>
+            <a:defPPr>
+              <a:defRPr lang="zh-CN"/>
+            </a:defPPr>
+            <a:lvl1pPr marL="0" algn="l" defTabSz="914400" rtl="0" eaLnBrk="1" latinLnBrk="0" hangingPunct="1">
+              <a:defRPr sz="1800" kern="1200">
+                <a:solidFill>
+                  <a:schemeClr val="lt1"/>
+                </a:solidFill>
+                <a:latin typeface="+mn-lt"/>
+                <a:ea typeface="+mn-ea"/>
+                <a:cs typeface="+mn-cs"/>
+              </a:defRPr>
+            </a:lvl1pPr>
+            <a:lvl2pPr marL="457200" algn="l" defTabSz="914400" rtl="0" eaLnBrk="1" latinLnBrk="0" hangingPunct="1">
+              <a:defRPr sz="1800" kern="1200">
+                <a:solidFill>
+                  <a:schemeClr val="lt1"/>
+                </a:solidFill>
+                <a:latin typeface="+mn-lt"/>
+                <a:ea typeface="+mn-ea"/>
+                <a:cs typeface="+mn-cs"/>
+              </a:defRPr>
+            </a:lvl2pPr>
+            <a:lvl3pPr marL="914400" algn="l" defTabSz="914400" rtl="0" eaLnBrk="1" latinLnBrk="0" hangingPunct="1">
+              <a:defRPr sz="1800" kern="1200">
+                <a:solidFill>
+                  <a:schemeClr val="lt1"/>
+                </a:solidFill>
+                <a:latin typeface="+mn-lt"/>
+                <a:ea typeface="+mn-ea"/>
+                <a:cs typeface="+mn-cs"/>
+              </a:defRPr>
+            </a:lvl3pPr>
+            <a:lvl4pPr marL="1371600" algn="l" defTabSz="914400" rtl="0" eaLnBrk="1" latinLnBrk="0" hangingPunct="1">
+              <a:defRPr sz="1800" kern="1200">
+                <a:solidFill>
+                  <a:schemeClr val="lt1"/>
+                </a:solidFill>
+                <a:latin typeface="+mn-lt"/>
+                <a:ea typeface="+mn-ea"/>
+                <a:cs typeface="+mn-cs"/>
+              </a:defRPr>
+            </a:lvl4pPr>
+            <a:lvl5pPr marL="1828800" algn="l" defTabSz="914400" rtl="0" eaLnBrk="1" latinLnBrk="0" hangingPunct="1">
+              <a:defRPr sz="1800" kern="1200">
+                <a:solidFill>
+                  <a:schemeClr val="lt1"/>
+                </a:solidFill>
+                <a:latin typeface="+mn-lt"/>
+                <a:ea typeface="+mn-ea"/>
+                <a:cs typeface="+mn-cs"/>
+              </a:defRPr>
+            </a:lvl5pPr>
+            <a:lvl6pPr marL="2286000" algn="l" defTabSz="914400" rtl="0" eaLnBrk="1" latinLnBrk="0" hangingPunct="1">
+              <a:defRPr sz="1800" kern="1200">
+                <a:solidFill>
+                  <a:schemeClr val="lt1"/>
+                </a:solidFill>
+                <a:latin typeface="+mn-lt"/>
+                <a:ea typeface="+mn-ea"/>
+                <a:cs typeface="+mn-cs"/>
+              </a:defRPr>
+            </a:lvl6pPr>
+            <a:lvl7pPr marL="2743200" algn="l" defTabSz="914400" rtl="0" eaLnBrk="1" latinLnBrk="0" hangingPunct="1">
+              <a:defRPr sz="1800" kern="1200">
+                <a:solidFill>
+                  <a:schemeClr val="lt1"/>
+                </a:solidFill>
+                <a:latin typeface="+mn-lt"/>
+                <a:ea typeface="+mn-ea"/>
+                <a:cs typeface="+mn-cs"/>
+              </a:defRPr>
+            </a:lvl7pPr>
+            <a:lvl8pPr marL="3200400" algn="l" defTabSz="914400" rtl="0" eaLnBrk="1" latinLnBrk="0" hangingPunct="1">
+              <a:defRPr sz="1800" kern="1200">
+                <a:solidFill>
+                  <a:schemeClr val="lt1"/>
+                </a:solidFill>
+                <a:latin typeface="+mn-lt"/>
+                <a:ea typeface="+mn-ea"/>
+                <a:cs typeface="+mn-cs"/>
+              </a:defRPr>
+            </a:lvl8pPr>
+            <a:lvl9pPr marL="3657600" algn="l" defTabSz="914400" rtl="0" eaLnBrk="1" latinLnBrk="0" hangingPunct="1">
+              <a:defRPr sz="1800" kern="1200">
+                <a:solidFill>
+                  <a:schemeClr val="lt1"/>
+                </a:solidFill>
+                <a:latin typeface="+mn-lt"/>
+                <a:ea typeface="+mn-ea"/>
+                <a:cs typeface="+mn-cs"/>
+              </a:defRPr>
+            </a:lvl9pPr>
+          </a:lstStyle>
+          <a:p>
+            <a:pPr algn="ctr"/>
+            <a:endParaRPr lang="zh-CN" altLang="en-US">
+              <a:solidFill>
+                <a:schemeClr val="tx1">
+                  <a:lumMod val="85000"/>
+                  <a:lumOff val="15000"/>
+                </a:schemeClr>
+              </a:solidFill>
+            </a:endParaRPr>
+          </a:p>
+        </p:txBody>
+      </p:sp>
+      <p:sp>
+        <p:nvSpPr>
+          <p:cNvPr id="8" name="文本框 7"/>
+          <p:cNvSpPr txBox="1"/>
+          <p:nvPr/>
+        </p:nvSpPr>
+        <p:spPr>
+          <a:xfrm>
+            <a:off x="4374389" y="4722682"/>
+            <a:ext cx="3443223" cy="369332"/>
+          </a:xfrm>
+          <a:prstGeom prst="rect">
+            <a:avLst/>
+          </a:prstGeom>
+          <a:noFill/>
+        </p:spPr>
+        <p:txBody>
+          <a:bodyPr wrap="square" rtlCol="0">
+            <a:spAutoFit/>
+          </a:bodyPr>
+          <a:lstStyle/>
+          <a:p>
+            <a:pPr lvl="0" algn="dist">
+              <a:defRPr/>
+            </a:pPr>
+            <a:r>
+              <a:rPr lang="en-US" altLang="zh-CN">
+                <a:solidFill>
+                  <a:schemeClr val="tx1">
+                    <a:lumMod val="85000"/>
+                    <a:lumOff val="15000"/>
+                  </a:schemeClr>
+                </a:solidFill>
+                <a:latin typeface="微软雅黑 Light" panose="020B0502040204020203" pitchFamily="34" charset="-122"/>
+                <a:ea typeface="微软雅黑 Light" panose="020B0502040204020203" pitchFamily="34" charset="-122"/>
+              </a:rPr>
+              <a:t>Follow-up work plan</a:t>
+            </a:r>
+            <a:endParaRPr lang="zh-CN" altLang="en-US">
+              <a:solidFill>
+                <a:schemeClr val="tx1">
+                  <a:lumMod val="85000"/>
+                  <a:lumOff val="15000"/>
+                </a:schemeClr>
+              </a:solidFill>
+              <a:latin typeface="微软雅黑 Light" panose="020B0502040204020203" pitchFamily="34" charset="-122"/>
+              <a:ea typeface="微软雅黑 Light" panose="020B0502040204020203" pitchFamily="34" charset="-122"/>
+            </a:endParaRPr>
+          </a:p>
+        </p:txBody>
+      </p:sp>
+      <p:sp>
+        <p:nvSpPr>
+          <p:cNvPr id="9" name="paper-and-feather_103450"/>
+          <p:cNvSpPr>
+            <a:spLocks noChangeAspect="1"/>
+          </p:cNvSpPr>
+          <p:nvPr/>
+        </p:nvSpPr>
+        <p:spPr bwMode="auto">
+          <a:xfrm>
+            <a:off x="5591175" y="2150446"/>
+            <a:ext cx="1009650" cy="1114092"/>
+          </a:xfrm>
+          <a:custGeom>
+            <a:avLst/>
+            <a:gdLst>
+              <a:gd name="connsiteX0" fmla="*/ 355297 w 550035"/>
+              <a:gd name="connsiteY0" fmla="*/ 511529 h 606933"/>
+              <a:gd name="connsiteX1" fmla="*/ 444280 w 550035"/>
+              <a:gd name="connsiteY1" fmla="*/ 511529 h 606933"/>
+              <a:gd name="connsiteX2" fmla="*/ 444280 w 550035"/>
+              <a:gd name="connsiteY2" fmla="*/ 520355 h 606933"/>
+              <a:gd name="connsiteX3" fmla="*/ 441473 w 550035"/>
+              <a:gd name="connsiteY3" fmla="*/ 527780 h 606933"/>
+              <a:gd name="connsiteX4" fmla="*/ 373964 w 550035"/>
+              <a:gd name="connsiteY4" fmla="*/ 603291 h 606933"/>
+              <a:gd name="connsiteX5" fmla="*/ 365543 w 550035"/>
+              <a:gd name="connsiteY5" fmla="*/ 606933 h 606933"/>
+              <a:gd name="connsiteX6" fmla="*/ 355297 w 550035"/>
+              <a:gd name="connsiteY6" fmla="*/ 606933 h 606933"/>
+              <a:gd name="connsiteX7" fmla="*/ 347586 w 550035"/>
+              <a:gd name="connsiteY7" fmla="*/ 241795 h 606933"/>
+              <a:gd name="connsiteX8" fmla="*/ 363438 w 550035"/>
+              <a:gd name="connsiteY8" fmla="*/ 241795 h 606933"/>
+              <a:gd name="connsiteX9" fmla="*/ 363438 w 550035"/>
+              <a:gd name="connsiteY9" fmla="*/ 257623 h 606933"/>
+              <a:gd name="connsiteX10" fmla="*/ 118357 w 550035"/>
+              <a:gd name="connsiteY10" fmla="*/ 502319 h 606933"/>
+              <a:gd name="connsiteX11" fmla="*/ 102504 w 550035"/>
+              <a:gd name="connsiteY11" fmla="*/ 502319 h 606933"/>
+              <a:gd name="connsiteX12" fmla="*/ 102504 w 550035"/>
+              <a:gd name="connsiteY12" fmla="*/ 486491 h 606933"/>
+              <a:gd name="connsiteX13" fmla="*/ 485601 w 550035"/>
+              <a:gd name="connsiteY13" fmla="*/ 55323 h 606933"/>
+              <a:gd name="connsiteX14" fmla="*/ 532876 w 550035"/>
+              <a:gd name="connsiteY14" fmla="*/ 72553 h 606933"/>
+              <a:gd name="connsiteX15" fmla="*/ 509168 w 550035"/>
+              <a:gd name="connsiteY15" fmla="*/ 232950 h 606933"/>
+              <a:gd name="connsiteX16" fmla="*/ 504960 w 550035"/>
+              <a:gd name="connsiteY16" fmla="*/ 237153 h 606933"/>
+              <a:gd name="connsiteX17" fmla="*/ 453195 w 550035"/>
+              <a:gd name="connsiteY17" fmla="*/ 266430 h 606933"/>
+              <a:gd name="connsiteX18" fmla="*/ 461331 w 550035"/>
+              <a:gd name="connsiteY18" fmla="*/ 287443 h 606933"/>
+              <a:gd name="connsiteX19" fmla="*/ 459087 w 550035"/>
+              <a:gd name="connsiteY19" fmla="*/ 299910 h 606933"/>
+              <a:gd name="connsiteX20" fmla="*/ 433275 w 550035"/>
+              <a:gd name="connsiteY20" fmla="*/ 327367 h 606933"/>
+              <a:gd name="connsiteX21" fmla="*/ 241085 w 550035"/>
+              <a:gd name="connsiteY21" fmla="*/ 423185 h 606933"/>
+              <a:gd name="connsiteX22" fmla="*/ 238139 w 550035"/>
+              <a:gd name="connsiteY22" fmla="*/ 423745 h 606933"/>
+              <a:gd name="connsiteX23" fmla="*/ 383895 w 550035"/>
+              <a:gd name="connsiteY23" fmla="*/ 278057 h 606933"/>
+              <a:gd name="connsiteX24" fmla="*/ 395678 w 550035"/>
+              <a:gd name="connsiteY24" fmla="*/ 249760 h 606933"/>
+              <a:gd name="connsiteX25" fmla="*/ 383895 w 550035"/>
+              <a:gd name="connsiteY25" fmla="*/ 221323 h 606933"/>
+              <a:gd name="connsiteX26" fmla="*/ 355557 w 550035"/>
+              <a:gd name="connsiteY26" fmla="*/ 209556 h 606933"/>
+              <a:gd name="connsiteX27" fmla="*/ 327079 w 550035"/>
+              <a:gd name="connsiteY27" fmla="*/ 221323 h 606933"/>
+              <a:gd name="connsiteX28" fmla="*/ 176414 w 550035"/>
+              <a:gd name="connsiteY28" fmla="*/ 371634 h 606933"/>
+              <a:gd name="connsiteX29" fmla="*/ 176835 w 550035"/>
+              <a:gd name="connsiteY29" fmla="*/ 368972 h 606933"/>
+              <a:gd name="connsiteX30" fmla="*/ 234071 w 550035"/>
+              <a:gd name="connsiteY30" fmla="*/ 220763 h 606933"/>
+              <a:gd name="connsiteX31" fmla="*/ 245574 w 550035"/>
+              <a:gd name="connsiteY31" fmla="*/ 216280 h 606933"/>
+              <a:gd name="connsiteX32" fmla="*/ 268020 w 550035"/>
+              <a:gd name="connsiteY32" fmla="*/ 219922 h 606933"/>
+              <a:gd name="connsiteX33" fmla="*/ 286257 w 550035"/>
+              <a:gd name="connsiteY33" fmla="*/ 165710 h 606933"/>
+              <a:gd name="connsiteX34" fmla="*/ 289483 w 550035"/>
+              <a:gd name="connsiteY34" fmla="*/ 160807 h 606933"/>
+              <a:gd name="connsiteX35" fmla="*/ 426822 w 550035"/>
+              <a:gd name="connsiteY35" fmla="*/ 68211 h 606933"/>
+              <a:gd name="connsiteX36" fmla="*/ 485601 w 550035"/>
+              <a:gd name="connsiteY36" fmla="*/ 55323 h 606933"/>
+              <a:gd name="connsiteX37" fmla="*/ 11221 w 550035"/>
+              <a:gd name="connsiteY37" fmla="*/ 0 h 606933"/>
+              <a:gd name="connsiteX38" fmla="*/ 432988 w 550035"/>
+              <a:gd name="connsiteY38" fmla="*/ 0 h 606933"/>
+              <a:gd name="connsiteX39" fmla="*/ 444209 w 550035"/>
+              <a:gd name="connsiteY39" fmla="*/ 11206 h 606933"/>
+              <a:gd name="connsiteX40" fmla="*/ 444209 w 550035"/>
+              <a:gd name="connsiteY40" fmla="*/ 32077 h 606933"/>
+              <a:gd name="connsiteX41" fmla="*/ 416157 w 550035"/>
+              <a:gd name="connsiteY41" fmla="*/ 41321 h 606933"/>
+              <a:gd name="connsiteX42" fmla="*/ 269443 w 550035"/>
+              <a:gd name="connsiteY42" fmla="*/ 139792 h 606933"/>
+              <a:gd name="connsiteX43" fmla="*/ 258783 w 550035"/>
+              <a:gd name="connsiteY43" fmla="*/ 156461 h 606933"/>
+              <a:gd name="connsiteX44" fmla="*/ 248404 w 550035"/>
+              <a:gd name="connsiteY44" fmla="*/ 187557 h 606933"/>
+              <a:gd name="connsiteX45" fmla="*/ 243635 w 550035"/>
+              <a:gd name="connsiteY45" fmla="*/ 187277 h 606933"/>
+              <a:gd name="connsiteX46" fmla="*/ 211515 w 550035"/>
+              <a:gd name="connsiteY46" fmla="*/ 202685 h 606933"/>
+              <a:gd name="connsiteX47" fmla="*/ 147976 w 550035"/>
+              <a:gd name="connsiteY47" fmla="*/ 365589 h 606933"/>
+              <a:gd name="connsiteX48" fmla="*/ 140683 w 550035"/>
+              <a:gd name="connsiteY48" fmla="*/ 427220 h 606933"/>
+              <a:gd name="connsiteX49" fmla="*/ 91871 w 550035"/>
+              <a:gd name="connsiteY49" fmla="*/ 475965 h 606933"/>
+              <a:gd name="connsiteX50" fmla="*/ 84157 w 550035"/>
+              <a:gd name="connsiteY50" fmla="*/ 494455 h 606933"/>
+              <a:gd name="connsiteX51" fmla="*/ 91871 w 550035"/>
+              <a:gd name="connsiteY51" fmla="*/ 512945 h 606933"/>
+              <a:gd name="connsiteX52" fmla="*/ 110386 w 550035"/>
+              <a:gd name="connsiteY52" fmla="*/ 520649 h 606933"/>
+              <a:gd name="connsiteX53" fmla="*/ 128901 w 550035"/>
+              <a:gd name="connsiteY53" fmla="*/ 512945 h 606933"/>
+              <a:gd name="connsiteX54" fmla="*/ 176309 w 550035"/>
+              <a:gd name="connsiteY54" fmla="*/ 465600 h 606933"/>
+              <a:gd name="connsiteX55" fmla="*/ 246861 w 550035"/>
+              <a:gd name="connsiteY55" fmla="*/ 451453 h 606933"/>
+              <a:gd name="connsiteX56" fmla="*/ 444209 w 550035"/>
+              <a:gd name="connsiteY56" fmla="*/ 356764 h 606933"/>
+              <a:gd name="connsiteX57" fmla="*/ 444209 w 550035"/>
+              <a:gd name="connsiteY57" fmla="*/ 481708 h 606933"/>
+              <a:gd name="connsiteX58" fmla="*/ 340415 w 550035"/>
+              <a:gd name="connsiteY58" fmla="*/ 481708 h 606933"/>
+              <a:gd name="connsiteX59" fmla="*/ 325407 w 550035"/>
+              <a:gd name="connsiteY59" fmla="*/ 496696 h 606933"/>
+              <a:gd name="connsiteX60" fmla="*/ 325407 w 550035"/>
+              <a:gd name="connsiteY60" fmla="*/ 606933 h 606933"/>
+              <a:gd name="connsiteX61" fmla="*/ 11221 w 550035"/>
+              <a:gd name="connsiteY61" fmla="*/ 606933 h 606933"/>
+              <a:gd name="connsiteX62" fmla="*/ 0 w 550035"/>
+              <a:gd name="connsiteY62" fmla="*/ 595727 h 606933"/>
+              <a:gd name="connsiteX63" fmla="*/ 0 w 550035"/>
+              <a:gd name="connsiteY63" fmla="*/ 11206 h 606933"/>
+              <a:gd name="connsiteX64" fmla="*/ 11221 w 550035"/>
+              <a:gd name="connsiteY64" fmla="*/ 0 h 606933"/>
+            </a:gdLst>
+            <a:ahLst/>
+            <a:cxnLst>
+              <a:cxn ang="0">
+                <a:pos x="connsiteX0" y="connsiteY0"/>
+              </a:cxn>
+              <a:cxn ang="0">
+                <a:pos x="connsiteX1" y="connsiteY1"/>
+              </a:cxn>
+              <a:cxn ang="0">
+                <a:pos x="connsiteX2" y="connsiteY2"/>
+              </a:cxn>
+              <a:cxn ang="0">
+                <a:pos x="connsiteX3" y="connsiteY3"/>
+              </a:cxn>
+              <a:cxn ang="0">
+                <a:pos x="connsiteX4" y="connsiteY4"/>
+              </a:cxn>
+              <a:cxn ang="0">
+                <a:pos x="connsiteX5" y="connsiteY5"/>
+              </a:cxn>
+              <a:cxn ang="0">
+                <a:pos x="connsiteX6" y="connsiteY6"/>
+              </a:cxn>
+              <a:cxn ang="0">
+                <a:pos x="connsiteX7" y="connsiteY7"/>
+              </a:cxn>
+              <a:cxn ang="0">
+                <a:pos x="connsiteX8" y="connsiteY8"/>
+              </a:cxn>
+              <a:cxn ang="0">
+                <a:pos x="connsiteX9" y="connsiteY9"/>
+              </a:cxn>
+              <a:cxn ang="0">
+                <a:pos x="connsiteX10" y="connsiteY10"/>
+              </a:cxn>
+              <a:cxn ang="0">
+                <a:pos x="connsiteX11" y="connsiteY11"/>
+              </a:cxn>
+              <a:cxn ang="0">
+                <a:pos x="connsiteX12" y="connsiteY12"/>
+              </a:cxn>
+              <a:cxn ang="0">
+                <a:pos x="connsiteX13" y="connsiteY13"/>
+              </a:cxn>
+              <a:cxn ang="0">
+                <a:pos x="connsiteX14" y="connsiteY14"/>
+              </a:cxn>
+              <a:cxn ang="0">
+                <a:pos x="connsiteX15" y="connsiteY15"/>
+              </a:cxn>
+              <a:cxn ang="0">
+                <a:pos x="connsiteX16" y="connsiteY16"/>
+              </a:cxn>
+              <a:cxn ang="0">
+                <a:pos x="connsiteX17" y="connsiteY17"/>
+              </a:cxn>
+              <a:cxn ang="0">
+                <a:pos x="connsiteX18" y="connsiteY18"/>
+              </a:cxn>
+              <a:cxn ang="0">
+                <a:pos x="connsiteX19" y="connsiteY19"/>
+              </a:cxn>
+              <a:cxn ang="0">
+                <a:pos x="connsiteX20" y="connsiteY20"/>
+              </a:cxn>
+              <a:cxn ang="0">
+                <a:pos x="connsiteX21" y="connsiteY21"/>
+              </a:cxn>
+              <a:cxn ang="0">
+                <a:pos x="connsiteX22" y="connsiteY22"/>
+              </a:cxn>
+              <a:cxn ang="0">
+                <a:pos x="connsiteX23" y="connsiteY23"/>
+              </a:cxn>
+              <a:cxn ang="0">
+                <a:pos x="connsiteX24" y="connsiteY24"/>
+              </a:cxn>
+              <a:cxn ang="0">
+                <a:pos x="connsiteX25" y="connsiteY25"/>
+              </a:cxn>
+              <a:cxn ang="0">
+                <a:pos x="connsiteX26" y="connsiteY26"/>
+              </a:cxn>
+              <a:cxn ang="0">
+                <a:pos x="connsiteX27" y="connsiteY27"/>
+              </a:cxn>
+              <a:cxn ang="0">
+                <a:pos x="connsiteX28" y="connsiteY28"/>
+              </a:cxn>
+              <a:cxn ang="0">
+                <a:pos x="connsiteX29" y="connsiteY29"/>
+              </a:cxn>
+              <a:cxn ang="0">
+                <a:pos x="connsiteX30" y="connsiteY30"/>
+              </a:cxn>
+              <a:cxn ang="0">
+                <a:pos x="connsiteX31" y="connsiteY31"/>
+              </a:cxn>
+              <a:cxn ang="0">
+                <a:pos x="connsiteX32" y="connsiteY32"/>
+              </a:cxn>
+              <a:cxn ang="0">
+                <a:pos x="connsiteX33" y="connsiteY33"/>
+              </a:cxn>
+              <a:cxn ang="0">
+                <a:pos x="connsiteX34" y="connsiteY34"/>
+              </a:cxn>
+              <a:cxn ang="0">
+                <a:pos x="connsiteX35" y="connsiteY35"/>
+              </a:cxn>
+              <a:cxn ang="0">
+                <a:pos x="connsiteX36" y="connsiteY36"/>
+              </a:cxn>
+              <a:cxn ang="0">
+                <a:pos x="connsiteX37" y="connsiteY37"/>
+              </a:cxn>
+              <a:cxn ang="0">
+                <a:pos x="connsiteX38" y="connsiteY38"/>
+              </a:cxn>
+              <a:cxn ang="0">
+                <a:pos x="connsiteX39" y="connsiteY39"/>
+              </a:cxn>
+              <a:cxn ang="0">
+                <a:pos x="connsiteX40" y="connsiteY40"/>
+              </a:cxn>
+              <a:cxn ang="0">
+                <a:pos x="connsiteX41" y="connsiteY41"/>
+              </a:cxn>
+              <a:cxn ang="0">
+                <a:pos x="connsiteX42" y="connsiteY42"/>
+              </a:cxn>
+              <a:cxn ang="0">
+                <a:pos x="connsiteX43" y="connsiteY43"/>
+              </a:cxn>
+              <a:cxn ang="0">
+                <a:pos x="connsiteX44" y="connsiteY44"/>
+              </a:cxn>
+              <a:cxn ang="0">
+                <a:pos x="connsiteX45" y="connsiteY45"/>
+              </a:cxn>
+              <a:cxn ang="0">
+                <a:pos x="connsiteX46" y="connsiteY46"/>
+              </a:cxn>
+              <a:cxn ang="0">
+                <a:pos x="connsiteX47" y="connsiteY47"/>
+              </a:cxn>
+              <a:cxn ang="0">
+                <a:pos x="connsiteX48" y="connsiteY48"/>
+              </a:cxn>
+              <a:cxn ang="0">
+                <a:pos x="connsiteX49" y="connsiteY49"/>
+              </a:cxn>
+              <a:cxn ang="0">
+                <a:pos x="connsiteX50" y="connsiteY50"/>
+              </a:cxn>
+              <a:cxn ang="0">
+                <a:pos x="connsiteX51" y="connsiteY51"/>
+              </a:cxn>
+              <a:cxn ang="0">
+                <a:pos x="connsiteX52" y="connsiteY52"/>
+              </a:cxn>
+              <a:cxn ang="0">
+                <a:pos x="connsiteX53" y="connsiteY53"/>
+              </a:cxn>
+              <a:cxn ang="0">
+                <a:pos x="connsiteX54" y="connsiteY54"/>
+              </a:cxn>
+              <a:cxn ang="0">
+                <a:pos x="connsiteX55" y="connsiteY55"/>
+              </a:cxn>
+              <a:cxn ang="0">
+                <a:pos x="connsiteX56" y="connsiteY56"/>
+              </a:cxn>
+              <a:cxn ang="0">
+                <a:pos x="connsiteX57" y="connsiteY57"/>
+              </a:cxn>
+              <a:cxn ang="0">
+                <a:pos x="connsiteX58" y="connsiteY58"/>
+              </a:cxn>
+              <a:cxn ang="0">
+                <a:pos x="connsiteX59" y="connsiteY59"/>
+              </a:cxn>
+              <a:cxn ang="0">
+                <a:pos x="connsiteX60" y="connsiteY60"/>
+              </a:cxn>
+              <a:cxn ang="0">
+                <a:pos x="connsiteX61" y="connsiteY61"/>
+              </a:cxn>
+              <a:cxn ang="0">
+                <a:pos x="connsiteX62" y="connsiteY62"/>
+              </a:cxn>
+              <a:cxn ang="0">
+                <a:pos x="connsiteX63" y="connsiteY63"/>
+              </a:cxn>
+              <a:cxn ang="0">
+                <a:pos x="connsiteX64" y="connsiteY64"/>
+              </a:cxn>
+            </a:cxnLst>
+            <a:rect l="l" t="t" r="r" b="b"/>
+            <a:pathLst>
+              <a:path w="550035" h="606933">
+                <a:moveTo>
+                  <a:pt x="355297" y="511529"/>
+                </a:moveTo>
+                <a:lnTo>
+                  <a:pt x="444280" y="511529"/>
+                </a:lnTo>
+                <a:lnTo>
+                  <a:pt x="444280" y="520355"/>
+                </a:lnTo>
+                <a:cubicBezTo>
+                  <a:pt x="444280" y="523157"/>
+                  <a:pt x="443298" y="525678"/>
+                  <a:pt x="441473" y="527780"/>
+                </a:cubicBezTo>
+                <a:lnTo>
+                  <a:pt x="373964" y="603291"/>
+                </a:lnTo>
+                <a:cubicBezTo>
+                  <a:pt x="371859" y="605672"/>
+                  <a:pt x="368771" y="606933"/>
+                  <a:pt x="365543" y="606933"/>
+                </a:cubicBezTo>
+                <a:lnTo>
+                  <a:pt x="355297" y="606933"/>
+                </a:lnTo>
+                <a:close/>
+                <a:moveTo>
+                  <a:pt x="347586" y="241795"/>
+                </a:moveTo>
+                <a:cubicBezTo>
+                  <a:pt x="351935" y="237453"/>
+                  <a:pt x="359089" y="237453"/>
+                  <a:pt x="363438" y="241795"/>
+                </a:cubicBezTo>
+                <a:cubicBezTo>
+                  <a:pt x="367787" y="246137"/>
+                  <a:pt x="367787" y="253281"/>
+                  <a:pt x="363438" y="257623"/>
+                </a:cubicBezTo>
+                <a:lnTo>
+                  <a:pt x="118357" y="502319"/>
+                </a:lnTo>
+                <a:cubicBezTo>
+                  <a:pt x="113868" y="506801"/>
+                  <a:pt x="106853" y="506801"/>
+                  <a:pt x="102504" y="502319"/>
+                </a:cubicBezTo>
+                <a:cubicBezTo>
+                  <a:pt x="98015" y="497977"/>
+                  <a:pt x="98015" y="490973"/>
+                  <a:pt x="102504" y="486491"/>
+                </a:cubicBezTo>
+                <a:close/>
+                <a:moveTo>
+                  <a:pt x="485601" y="55323"/>
+                </a:moveTo>
+                <a:cubicBezTo>
+                  <a:pt x="505661" y="55323"/>
+                  <a:pt x="521513" y="61066"/>
+                  <a:pt x="532876" y="72553"/>
+                </a:cubicBezTo>
+                <a:cubicBezTo>
+                  <a:pt x="562336" y="101971"/>
+                  <a:pt x="553498" y="161927"/>
+                  <a:pt x="509168" y="232950"/>
+                </a:cubicBezTo>
+                <a:cubicBezTo>
+                  <a:pt x="508186" y="234771"/>
+                  <a:pt x="506643" y="236172"/>
+                  <a:pt x="504960" y="237153"/>
+                </a:cubicBezTo>
+                <a:lnTo>
+                  <a:pt x="453195" y="266430"/>
+                </a:lnTo>
+                <a:lnTo>
+                  <a:pt x="461331" y="287443"/>
+                </a:lnTo>
+                <a:cubicBezTo>
+                  <a:pt x="462875" y="291785"/>
+                  <a:pt x="462033" y="296408"/>
+                  <a:pt x="459087" y="299910"/>
+                </a:cubicBezTo>
+                <a:cubicBezTo>
+                  <a:pt x="450810" y="309156"/>
+                  <a:pt x="442113" y="318402"/>
+                  <a:pt x="433275" y="327367"/>
+                </a:cubicBezTo>
+                <a:cubicBezTo>
+                  <a:pt x="373934" y="386623"/>
+                  <a:pt x="296077" y="412118"/>
+                  <a:pt x="241085" y="423185"/>
+                </a:cubicBezTo>
+                <a:lnTo>
+                  <a:pt x="238139" y="423745"/>
+                </a:lnTo>
+                <a:lnTo>
+                  <a:pt x="383895" y="278057"/>
+                </a:lnTo>
+                <a:cubicBezTo>
+                  <a:pt x="391470" y="270493"/>
+                  <a:pt x="395678" y="260407"/>
+                  <a:pt x="395678" y="249760"/>
+                </a:cubicBezTo>
+                <a:cubicBezTo>
+                  <a:pt x="395678" y="238974"/>
+                  <a:pt x="391470" y="228888"/>
+                  <a:pt x="383895" y="221323"/>
+                </a:cubicBezTo>
+                <a:cubicBezTo>
+                  <a:pt x="376319" y="213758"/>
+                  <a:pt x="366219" y="209556"/>
+                  <a:pt x="355557" y="209556"/>
+                </a:cubicBezTo>
+                <a:cubicBezTo>
+                  <a:pt x="344755" y="209556"/>
+                  <a:pt x="334655" y="213758"/>
+                  <a:pt x="327079" y="221323"/>
+                </a:cubicBezTo>
+                <a:lnTo>
+                  <a:pt x="176414" y="371634"/>
+                </a:lnTo>
+                <a:lnTo>
+                  <a:pt x="176835" y="368972"/>
+                </a:lnTo>
+                <a:cubicBezTo>
+                  <a:pt x="181605" y="328207"/>
+                  <a:pt x="195493" y="269232"/>
+                  <a:pt x="234071" y="220763"/>
+                </a:cubicBezTo>
+                <a:cubicBezTo>
+                  <a:pt x="236877" y="217401"/>
+                  <a:pt x="241225" y="215720"/>
+                  <a:pt x="245574" y="216280"/>
+                </a:cubicBezTo>
+                <a:lnTo>
+                  <a:pt x="268020" y="219922"/>
+                </a:lnTo>
+                <a:lnTo>
+                  <a:pt x="286257" y="165710"/>
+                </a:lnTo>
+                <a:cubicBezTo>
+                  <a:pt x="286818" y="163888"/>
+                  <a:pt x="287940" y="162067"/>
+                  <a:pt x="289483" y="160807"/>
+                </a:cubicBezTo>
+                <a:cubicBezTo>
+                  <a:pt x="334374" y="118221"/>
+                  <a:pt x="383193" y="85301"/>
+                  <a:pt x="426822" y="68211"/>
+                </a:cubicBezTo>
+                <a:cubicBezTo>
+                  <a:pt x="448566" y="59666"/>
+                  <a:pt x="468346" y="55323"/>
+                  <a:pt x="485601" y="55323"/>
+                </a:cubicBezTo>
+                <a:close/>
+                <a:moveTo>
+                  <a:pt x="11221" y="0"/>
+                </a:moveTo>
+                <a:lnTo>
+                  <a:pt x="432988" y="0"/>
+                </a:lnTo>
+                <a:cubicBezTo>
+                  <a:pt x="439300" y="0"/>
+                  <a:pt x="444209" y="5043"/>
+                  <a:pt x="444209" y="11206"/>
+                </a:cubicBezTo>
+                <a:lnTo>
+                  <a:pt x="444209" y="32077"/>
+                </a:lnTo>
+                <a:cubicBezTo>
+                  <a:pt x="435232" y="34458"/>
+                  <a:pt x="425835" y="37539"/>
+                  <a:pt x="416157" y="41321"/>
+                </a:cubicBezTo>
+                <a:cubicBezTo>
+                  <a:pt x="369169" y="59811"/>
+                  <a:pt x="317132" y="94689"/>
+                  <a:pt x="269443" y="139792"/>
+                </a:cubicBezTo>
+                <a:cubicBezTo>
+                  <a:pt x="264674" y="144274"/>
+                  <a:pt x="260887" y="150157"/>
+                  <a:pt x="258783" y="156461"/>
+                </a:cubicBezTo>
+                <a:lnTo>
+                  <a:pt x="248404" y="187557"/>
+                </a:lnTo>
+                <a:cubicBezTo>
+                  <a:pt x="246861" y="187277"/>
+                  <a:pt x="245178" y="187277"/>
+                  <a:pt x="243635" y="187277"/>
+                </a:cubicBezTo>
+                <a:cubicBezTo>
+                  <a:pt x="231011" y="187277"/>
+                  <a:pt x="219370" y="192879"/>
+                  <a:pt x="211515" y="202685"/>
+                </a:cubicBezTo>
+                <a:cubicBezTo>
+                  <a:pt x="168595" y="256612"/>
+                  <a:pt x="153306" y="321046"/>
+                  <a:pt x="147976" y="365589"/>
+                </a:cubicBezTo>
+                <a:lnTo>
+                  <a:pt x="140683" y="427220"/>
+                </a:lnTo>
+                <a:lnTo>
+                  <a:pt x="91871" y="475965"/>
+                </a:lnTo>
+                <a:cubicBezTo>
+                  <a:pt x="86962" y="480868"/>
+                  <a:pt x="84157" y="487451"/>
+                  <a:pt x="84157" y="494455"/>
+                </a:cubicBezTo>
+                <a:cubicBezTo>
+                  <a:pt x="84157" y="501459"/>
+                  <a:pt x="86962" y="508042"/>
+                  <a:pt x="91871" y="512945"/>
+                </a:cubicBezTo>
+                <a:cubicBezTo>
+                  <a:pt x="96780" y="517847"/>
+                  <a:pt x="103373" y="520649"/>
+                  <a:pt x="110386" y="520649"/>
+                </a:cubicBezTo>
+                <a:cubicBezTo>
+                  <a:pt x="117399" y="520649"/>
+                  <a:pt x="123992" y="517847"/>
+                  <a:pt x="128901" y="512945"/>
+                </a:cubicBezTo>
+                <a:lnTo>
+                  <a:pt x="176309" y="465600"/>
+                </a:lnTo>
+                <a:lnTo>
+                  <a:pt x="246861" y="451453"/>
+                </a:lnTo>
+                <a:cubicBezTo>
+                  <a:pt x="302825" y="440247"/>
+                  <a:pt x="381232" y="414754"/>
+                  <a:pt x="444209" y="356764"/>
+                </a:cubicBezTo>
+                <a:lnTo>
+                  <a:pt x="444209" y="481708"/>
+                </a:lnTo>
+                <a:lnTo>
+                  <a:pt x="340415" y="481708"/>
+                </a:lnTo>
+                <a:cubicBezTo>
+                  <a:pt x="332140" y="481708"/>
+                  <a:pt x="325407" y="488432"/>
+                  <a:pt x="325407" y="496696"/>
+                </a:cubicBezTo>
+                <a:lnTo>
+                  <a:pt x="325407" y="606933"/>
+                </a:lnTo>
+                <a:lnTo>
+                  <a:pt x="11221" y="606933"/>
+                </a:lnTo>
+                <a:cubicBezTo>
+                  <a:pt x="4909" y="606933"/>
+                  <a:pt x="0" y="602031"/>
+                  <a:pt x="0" y="595727"/>
+                </a:cubicBezTo>
+                <a:lnTo>
+                  <a:pt x="0" y="11206"/>
+                </a:lnTo>
+                <a:cubicBezTo>
+                  <a:pt x="0" y="5043"/>
+                  <a:pt x="4909" y="0"/>
+                  <a:pt x="11221" y="0"/>
+                </a:cubicBezTo>
+                <a:close/>
+              </a:path>
+            </a:pathLst>
+          </a:custGeom>
+          <a:solidFill>
+            <a:srgbClr val="172238"/>
+          </a:solidFill>
+          <a:ln>
+            <a:noFill/>
+          </a:ln>
+        </p:spPr>
+        <p:style>
+          <a:lnRef idx="2">
+            <a:schemeClr val="accent1">
+              <a:shade val="50000"/>
+            </a:schemeClr>
+          </a:lnRef>
+          <a:fillRef idx="1">
+            <a:schemeClr val="accent1"/>
+          </a:fillRef>
+          <a:effectRef idx="0">
+            <a:schemeClr val="accent1"/>
+          </a:effectRef>
+          <a:fontRef idx="minor">
+            <a:schemeClr val="lt1"/>
+          </a:fontRef>
+        </p:style>
       </p:sp>
     </p:spTree>
   </p:cSld>
@@ -29680,1094 +28279,6 @@
       </p:grpSpPr>
       <p:sp>
         <p:nvSpPr>
-          <p:cNvPr id="5" name="矩形 4"/>
-          <p:cNvSpPr/>
-          <p:nvPr/>
-        </p:nvSpPr>
-        <p:spPr>
-          <a:xfrm>
-            <a:off x="0" y="0"/>
-            <a:ext cx="12192000" cy="3429000"/>
-          </a:xfrm>
-          <a:prstGeom prst="rect">
-            <a:avLst/>
-          </a:prstGeom>
-          <a:solidFill>
-            <a:srgbClr val="172238"/>
-          </a:solidFill>
-          <a:ln>
-            <a:noFill/>
-          </a:ln>
-        </p:spPr>
-        <p:style>
-          <a:lnRef idx="2">
-            <a:schemeClr val="accent1">
-              <a:shade val="50000"/>
-            </a:schemeClr>
-          </a:lnRef>
-          <a:fillRef idx="1">
-            <a:schemeClr val="accent1"/>
-          </a:fillRef>
-          <a:effectRef idx="0">
-            <a:schemeClr val="accent1"/>
-          </a:effectRef>
-          <a:fontRef idx="minor">
-            <a:schemeClr val="lt1"/>
-          </a:fontRef>
-        </p:style>
-        <p:txBody>
-          <a:bodyPr rtlCol="0" anchor="ctr"/>
-          <a:lstStyle/>
-          <a:p>
-            <a:pPr marL="0" marR="0" lvl="0" indent="0" algn="ctr" defTabSz="914400" rtl="0" eaLnBrk="1" fontAlgn="auto" latinLnBrk="0" hangingPunct="1">
-              <a:lnSpc>
-                <a:spcPct val="100000"/>
-              </a:lnSpc>
-              <a:spcBef>
-                <a:spcPts val="0"/>
-              </a:spcBef>
-              <a:spcAft>
-                <a:spcPts val="0"/>
-              </a:spcAft>
-              <a:buClrTx/>
-              <a:buSzTx/>
-              <a:buFontTx/>
-              <a:buNone/>
-              <a:defRPr/>
-            </a:pPr>
-            <a:endParaRPr kumimoji="0" lang="zh-CN" altLang="en-US" sz="1800" b="0" i="0" u="none" strike="noStrike" kern="1200" cap="none" spc="0" normalizeH="0" baseline="0" noProof="0">
-              <a:ln>
-                <a:noFill/>
-              </a:ln>
-              <a:solidFill>
-                <a:prstClr val="white"/>
-              </a:solidFill>
-              <a:effectLst/>
-              <a:uLnTx/>
-              <a:uFillTx/>
-              <a:latin typeface="等线" panose="02010600030101010101" charset="-122"/>
-              <a:ea typeface="等线" panose="02010600030101010101" charset="-122"/>
-              <a:cs typeface="+mn-cs"/>
-            </a:endParaRPr>
-          </a:p>
-        </p:txBody>
-      </p:sp>
-      <p:sp>
-        <p:nvSpPr>
-          <p:cNvPr id="4" name="矩形 3"/>
-          <p:cNvSpPr/>
-          <p:nvPr/>
-        </p:nvSpPr>
-        <p:spPr>
-          <a:xfrm>
-            <a:off x="473869" y="471488"/>
-            <a:ext cx="11244262" cy="5915025"/>
-          </a:xfrm>
-          <a:prstGeom prst="rect">
-            <a:avLst/>
-          </a:prstGeom>
-          <a:solidFill>
-            <a:schemeClr val="bg1"/>
-          </a:solidFill>
-          <a:ln>
-            <a:noFill/>
-          </a:ln>
-          <a:effectLst>
-            <a:outerShdw blurRad="63500" sx="102000" sy="102000" algn="ctr" rotWithShape="0">
-              <a:srgbClr val="172238">
-                <a:alpha val="40000"/>
-              </a:srgbClr>
-            </a:outerShdw>
-          </a:effectLst>
-        </p:spPr>
-        <p:style>
-          <a:lnRef idx="2">
-            <a:schemeClr val="accent1">
-              <a:shade val="50000"/>
-            </a:schemeClr>
-          </a:lnRef>
-          <a:fillRef idx="1">
-            <a:schemeClr val="accent1"/>
-          </a:fillRef>
-          <a:effectRef idx="0">
-            <a:schemeClr val="accent1"/>
-          </a:effectRef>
-          <a:fontRef idx="minor">
-            <a:schemeClr val="lt1"/>
-          </a:fontRef>
-        </p:style>
-        <p:txBody>
-          <a:bodyPr rtlCol="0" anchor="ctr"/>
-          <a:lstStyle/>
-          <a:p>
-            <a:pPr marL="0" marR="0" lvl="0" indent="0" algn="ctr" defTabSz="914400" rtl="0" eaLnBrk="1" fontAlgn="auto" latinLnBrk="0" hangingPunct="1">
-              <a:lnSpc>
-                <a:spcPct val="100000"/>
-              </a:lnSpc>
-              <a:spcBef>
-                <a:spcPts val="0"/>
-              </a:spcBef>
-              <a:spcAft>
-                <a:spcPts val="0"/>
-              </a:spcAft>
-              <a:buClrTx/>
-              <a:buSzTx/>
-              <a:buFontTx/>
-              <a:buNone/>
-              <a:defRPr/>
-            </a:pPr>
-            <a:endParaRPr kumimoji="0" lang="zh-CN" altLang="en-US" sz="1800" b="0" i="0" u="none" strike="noStrike" kern="1200" cap="none" spc="0" normalizeH="0" baseline="0" noProof="0">
-              <a:ln>
-                <a:noFill/>
-              </a:ln>
-              <a:solidFill>
-                <a:prstClr val="white"/>
-              </a:solidFill>
-              <a:effectLst/>
-              <a:uLnTx/>
-              <a:uFillTx/>
-              <a:latin typeface="等线" panose="02010600030101010101" charset="-122"/>
-              <a:ea typeface="等线" panose="02010600030101010101" charset="-122"/>
-              <a:cs typeface="+mn-cs"/>
-            </a:endParaRPr>
-          </a:p>
-        </p:txBody>
-      </p:sp>
-      <p:sp>
-        <p:nvSpPr>
-          <p:cNvPr id="6" name="文本框 5"/>
-          <p:cNvSpPr txBox="1"/>
-          <p:nvPr/>
-        </p:nvSpPr>
-        <p:spPr>
-          <a:xfrm>
-            <a:off x="4374389" y="4108879"/>
-            <a:ext cx="3443223" cy="584775"/>
-          </a:xfrm>
-          <a:prstGeom prst="rect">
-            <a:avLst/>
-          </a:prstGeom>
-          <a:noFill/>
-        </p:spPr>
-        <p:txBody>
-          <a:bodyPr wrap="square" rtlCol="0">
-            <a:spAutoFit/>
-          </a:bodyPr>
-          <a:lstStyle/>
-          <a:p>
-            <a:pPr algn="dist"/>
-            <a:r>
-              <a:rPr lang="zh-CN" altLang="en-US" sz="3200">
-                <a:solidFill>
-                  <a:schemeClr val="tx1">
-                    <a:lumMod val="85000"/>
-                    <a:lumOff val="15000"/>
-                  </a:schemeClr>
-                </a:solidFill>
-                <a:latin typeface="微软雅黑 Light" panose="020B0502040204020203" pitchFamily="34" charset="-122"/>
-                <a:ea typeface="微软雅黑 Light" panose="020B0502040204020203" pitchFamily="34" charset="-122"/>
-              </a:rPr>
-              <a:t>后续工作计划</a:t>
-            </a:r>
-            <a:endParaRPr lang="zh-CN" altLang="en-US" sz="3200">
-              <a:solidFill>
-                <a:schemeClr val="tx1">
-                  <a:lumMod val="85000"/>
-                  <a:lumOff val="15000"/>
-                </a:schemeClr>
-              </a:solidFill>
-              <a:latin typeface="微软雅黑 Light" panose="020B0502040204020203" pitchFamily="34" charset="-122"/>
-              <a:ea typeface="微软雅黑 Light" panose="020B0502040204020203" pitchFamily="34" charset="-122"/>
-            </a:endParaRPr>
-          </a:p>
-        </p:txBody>
-      </p:sp>
-      <p:sp>
-        <p:nvSpPr>
-          <p:cNvPr id="7" name="椭圆 6"/>
-          <p:cNvSpPr/>
-          <p:nvPr/>
-        </p:nvSpPr>
-        <p:spPr>
-          <a:xfrm>
-            <a:off x="5154494" y="1765986"/>
-            <a:ext cx="1883013" cy="1883013"/>
-          </a:xfrm>
-          <a:prstGeom prst="ellipse">
-            <a:avLst/>
-          </a:prstGeom>
-          <a:noFill/>
-          <a:ln w="19050">
-            <a:solidFill>
-              <a:srgbClr val="172238"/>
-            </a:solidFill>
-          </a:ln>
-          <a:effectLst/>
-        </p:spPr>
-        <p:style>
-          <a:lnRef idx="2">
-            <a:schemeClr val="accent1">
-              <a:shade val="50000"/>
-            </a:schemeClr>
-          </a:lnRef>
-          <a:fillRef idx="1">
-            <a:schemeClr val="accent1"/>
-          </a:fillRef>
-          <a:effectRef idx="0">
-            <a:schemeClr val="accent1"/>
-          </a:effectRef>
-          <a:fontRef idx="minor">
-            <a:schemeClr val="lt1"/>
-          </a:fontRef>
-        </p:style>
-        <p:txBody>
-          <a:bodyPr rot="0" spcFirstLastPara="0" vert="horz" wrap="square" lIns="91440" tIns="45720" rIns="91440" bIns="45720" numCol="1" spcCol="0" rtlCol="0" fromWordArt="0" anchor="ctr" anchorCtr="0" forceAA="0" compatLnSpc="1">
-            <a:noAutofit/>
-          </a:bodyPr>
-          <a:lstStyle>
-            <a:defPPr>
-              <a:defRPr lang="zh-CN"/>
-            </a:defPPr>
-            <a:lvl1pPr marL="0" algn="l" defTabSz="914400" rtl="0" eaLnBrk="1" latinLnBrk="0" hangingPunct="1">
-              <a:defRPr sz="1800" kern="1200">
-                <a:solidFill>
-                  <a:schemeClr val="lt1"/>
-                </a:solidFill>
-                <a:latin typeface="+mn-lt"/>
-                <a:ea typeface="+mn-ea"/>
-                <a:cs typeface="+mn-cs"/>
-              </a:defRPr>
-            </a:lvl1pPr>
-            <a:lvl2pPr marL="457200" algn="l" defTabSz="914400" rtl="0" eaLnBrk="1" latinLnBrk="0" hangingPunct="1">
-              <a:defRPr sz="1800" kern="1200">
-                <a:solidFill>
-                  <a:schemeClr val="lt1"/>
-                </a:solidFill>
-                <a:latin typeface="+mn-lt"/>
-                <a:ea typeface="+mn-ea"/>
-                <a:cs typeface="+mn-cs"/>
-              </a:defRPr>
-            </a:lvl2pPr>
-            <a:lvl3pPr marL="914400" algn="l" defTabSz="914400" rtl="0" eaLnBrk="1" latinLnBrk="0" hangingPunct="1">
-              <a:defRPr sz="1800" kern="1200">
-                <a:solidFill>
-                  <a:schemeClr val="lt1"/>
-                </a:solidFill>
-                <a:latin typeface="+mn-lt"/>
-                <a:ea typeface="+mn-ea"/>
-                <a:cs typeface="+mn-cs"/>
-              </a:defRPr>
-            </a:lvl3pPr>
-            <a:lvl4pPr marL="1371600" algn="l" defTabSz="914400" rtl="0" eaLnBrk="1" latinLnBrk="0" hangingPunct="1">
-              <a:defRPr sz="1800" kern="1200">
-                <a:solidFill>
-                  <a:schemeClr val="lt1"/>
-                </a:solidFill>
-                <a:latin typeface="+mn-lt"/>
-                <a:ea typeface="+mn-ea"/>
-                <a:cs typeface="+mn-cs"/>
-              </a:defRPr>
-            </a:lvl4pPr>
-            <a:lvl5pPr marL="1828800" algn="l" defTabSz="914400" rtl="0" eaLnBrk="1" latinLnBrk="0" hangingPunct="1">
-              <a:defRPr sz="1800" kern="1200">
-                <a:solidFill>
-                  <a:schemeClr val="lt1"/>
-                </a:solidFill>
-                <a:latin typeface="+mn-lt"/>
-                <a:ea typeface="+mn-ea"/>
-                <a:cs typeface="+mn-cs"/>
-              </a:defRPr>
-            </a:lvl5pPr>
-            <a:lvl6pPr marL="2286000" algn="l" defTabSz="914400" rtl="0" eaLnBrk="1" latinLnBrk="0" hangingPunct="1">
-              <a:defRPr sz="1800" kern="1200">
-                <a:solidFill>
-                  <a:schemeClr val="lt1"/>
-                </a:solidFill>
-                <a:latin typeface="+mn-lt"/>
-                <a:ea typeface="+mn-ea"/>
-                <a:cs typeface="+mn-cs"/>
-              </a:defRPr>
-            </a:lvl6pPr>
-            <a:lvl7pPr marL="2743200" algn="l" defTabSz="914400" rtl="0" eaLnBrk="1" latinLnBrk="0" hangingPunct="1">
-              <a:defRPr sz="1800" kern="1200">
-                <a:solidFill>
-                  <a:schemeClr val="lt1"/>
-                </a:solidFill>
-                <a:latin typeface="+mn-lt"/>
-                <a:ea typeface="+mn-ea"/>
-                <a:cs typeface="+mn-cs"/>
-              </a:defRPr>
-            </a:lvl7pPr>
-            <a:lvl8pPr marL="3200400" algn="l" defTabSz="914400" rtl="0" eaLnBrk="1" latinLnBrk="0" hangingPunct="1">
-              <a:defRPr sz="1800" kern="1200">
-                <a:solidFill>
-                  <a:schemeClr val="lt1"/>
-                </a:solidFill>
-                <a:latin typeface="+mn-lt"/>
-                <a:ea typeface="+mn-ea"/>
-                <a:cs typeface="+mn-cs"/>
-              </a:defRPr>
-            </a:lvl8pPr>
-            <a:lvl9pPr marL="3657600" algn="l" defTabSz="914400" rtl="0" eaLnBrk="1" latinLnBrk="0" hangingPunct="1">
-              <a:defRPr sz="1800" kern="1200">
-                <a:solidFill>
-                  <a:schemeClr val="lt1"/>
-                </a:solidFill>
-                <a:latin typeface="+mn-lt"/>
-                <a:ea typeface="+mn-ea"/>
-                <a:cs typeface="+mn-cs"/>
-              </a:defRPr>
-            </a:lvl9pPr>
-          </a:lstStyle>
-          <a:p>
-            <a:pPr algn="ctr"/>
-            <a:endParaRPr lang="zh-CN" altLang="en-US">
-              <a:solidFill>
-                <a:schemeClr val="tx1">
-                  <a:lumMod val="85000"/>
-                  <a:lumOff val="15000"/>
-                </a:schemeClr>
-              </a:solidFill>
-            </a:endParaRPr>
-          </a:p>
-        </p:txBody>
-      </p:sp>
-      <p:sp>
-        <p:nvSpPr>
-          <p:cNvPr id="8" name="文本框 7"/>
-          <p:cNvSpPr txBox="1"/>
-          <p:nvPr/>
-        </p:nvSpPr>
-        <p:spPr>
-          <a:xfrm>
-            <a:off x="4374389" y="4722682"/>
-            <a:ext cx="3443223" cy="369332"/>
-          </a:xfrm>
-          <a:prstGeom prst="rect">
-            <a:avLst/>
-          </a:prstGeom>
-          <a:noFill/>
-        </p:spPr>
-        <p:txBody>
-          <a:bodyPr wrap="square" rtlCol="0">
-            <a:spAutoFit/>
-          </a:bodyPr>
-          <a:lstStyle/>
-          <a:p>
-            <a:pPr lvl="0" algn="dist">
-              <a:defRPr/>
-            </a:pPr>
-            <a:r>
-              <a:rPr lang="en-US" altLang="zh-CN">
-                <a:solidFill>
-                  <a:schemeClr val="tx1">
-                    <a:lumMod val="85000"/>
-                    <a:lumOff val="15000"/>
-                  </a:schemeClr>
-                </a:solidFill>
-                <a:latin typeface="微软雅黑 Light" panose="020B0502040204020203" pitchFamily="34" charset="-122"/>
-                <a:ea typeface="微软雅黑 Light" panose="020B0502040204020203" pitchFamily="34" charset="-122"/>
-              </a:rPr>
-              <a:t>Follow-up work plan</a:t>
-            </a:r>
-            <a:endParaRPr lang="zh-CN" altLang="en-US">
-              <a:solidFill>
-                <a:schemeClr val="tx1">
-                  <a:lumMod val="85000"/>
-                  <a:lumOff val="15000"/>
-                </a:schemeClr>
-              </a:solidFill>
-              <a:latin typeface="微软雅黑 Light" panose="020B0502040204020203" pitchFamily="34" charset="-122"/>
-              <a:ea typeface="微软雅黑 Light" panose="020B0502040204020203" pitchFamily="34" charset="-122"/>
-            </a:endParaRPr>
-          </a:p>
-        </p:txBody>
-      </p:sp>
-      <p:sp>
-        <p:nvSpPr>
-          <p:cNvPr id="9" name="paper-and-feather_103450"/>
-          <p:cNvSpPr>
-            <a:spLocks noChangeAspect="1"/>
-          </p:cNvSpPr>
-          <p:nvPr/>
-        </p:nvSpPr>
-        <p:spPr bwMode="auto">
-          <a:xfrm>
-            <a:off x="5591175" y="2150446"/>
-            <a:ext cx="1009650" cy="1114092"/>
-          </a:xfrm>
-          <a:custGeom>
-            <a:avLst/>
-            <a:gdLst>
-              <a:gd name="connsiteX0" fmla="*/ 355297 w 550035"/>
-              <a:gd name="connsiteY0" fmla="*/ 511529 h 606933"/>
-              <a:gd name="connsiteX1" fmla="*/ 444280 w 550035"/>
-              <a:gd name="connsiteY1" fmla="*/ 511529 h 606933"/>
-              <a:gd name="connsiteX2" fmla="*/ 444280 w 550035"/>
-              <a:gd name="connsiteY2" fmla="*/ 520355 h 606933"/>
-              <a:gd name="connsiteX3" fmla="*/ 441473 w 550035"/>
-              <a:gd name="connsiteY3" fmla="*/ 527780 h 606933"/>
-              <a:gd name="connsiteX4" fmla="*/ 373964 w 550035"/>
-              <a:gd name="connsiteY4" fmla="*/ 603291 h 606933"/>
-              <a:gd name="connsiteX5" fmla="*/ 365543 w 550035"/>
-              <a:gd name="connsiteY5" fmla="*/ 606933 h 606933"/>
-              <a:gd name="connsiteX6" fmla="*/ 355297 w 550035"/>
-              <a:gd name="connsiteY6" fmla="*/ 606933 h 606933"/>
-              <a:gd name="connsiteX7" fmla="*/ 347586 w 550035"/>
-              <a:gd name="connsiteY7" fmla="*/ 241795 h 606933"/>
-              <a:gd name="connsiteX8" fmla="*/ 363438 w 550035"/>
-              <a:gd name="connsiteY8" fmla="*/ 241795 h 606933"/>
-              <a:gd name="connsiteX9" fmla="*/ 363438 w 550035"/>
-              <a:gd name="connsiteY9" fmla="*/ 257623 h 606933"/>
-              <a:gd name="connsiteX10" fmla="*/ 118357 w 550035"/>
-              <a:gd name="connsiteY10" fmla="*/ 502319 h 606933"/>
-              <a:gd name="connsiteX11" fmla="*/ 102504 w 550035"/>
-              <a:gd name="connsiteY11" fmla="*/ 502319 h 606933"/>
-              <a:gd name="connsiteX12" fmla="*/ 102504 w 550035"/>
-              <a:gd name="connsiteY12" fmla="*/ 486491 h 606933"/>
-              <a:gd name="connsiteX13" fmla="*/ 485601 w 550035"/>
-              <a:gd name="connsiteY13" fmla="*/ 55323 h 606933"/>
-              <a:gd name="connsiteX14" fmla="*/ 532876 w 550035"/>
-              <a:gd name="connsiteY14" fmla="*/ 72553 h 606933"/>
-              <a:gd name="connsiteX15" fmla="*/ 509168 w 550035"/>
-              <a:gd name="connsiteY15" fmla="*/ 232950 h 606933"/>
-              <a:gd name="connsiteX16" fmla="*/ 504960 w 550035"/>
-              <a:gd name="connsiteY16" fmla="*/ 237153 h 606933"/>
-              <a:gd name="connsiteX17" fmla="*/ 453195 w 550035"/>
-              <a:gd name="connsiteY17" fmla="*/ 266430 h 606933"/>
-              <a:gd name="connsiteX18" fmla="*/ 461331 w 550035"/>
-              <a:gd name="connsiteY18" fmla="*/ 287443 h 606933"/>
-              <a:gd name="connsiteX19" fmla="*/ 459087 w 550035"/>
-              <a:gd name="connsiteY19" fmla="*/ 299910 h 606933"/>
-              <a:gd name="connsiteX20" fmla="*/ 433275 w 550035"/>
-              <a:gd name="connsiteY20" fmla="*/ 327367 h 606933"/>
-              <a:gd name="connsiteX21" fmla="*/ 241085 w 550035"/>
-              <a:gd name="connsiteY21" fmla="*/ 423185 h 606933"/>
-              <a:gd name="connsiteX22" fmla="*/ 238139 w 550035"/>
-              <a:gd name="connsiteY22" fmla="*/ 423745 h 606933"/>
-              <a:gd name="connsiteX23" fmla="*/ 383895 w 550035"/>
-              <a:gd name="connsiteY23" fmla="*/ 278057 h 606933"/>
-              <a:gd name="connsiteX24" fmla="*/ 395678 w 550035"/>
-              <a:gd name="connsiteY24" fmla="*/ 249760 h 606933"/>
-              <a:gd name="connsiteX25" fmla="*/ 383895 w 550035"/>
-              <a:gd name="connsiteY25" fmla="*/ 221323 h 606933"/>
-              <a:gd name="connsiteX26" fmla="*/ 355557 w 550035"/>
-              <a:gd name="connsiteY26" fmla="*/ 209556 h 606933"/>
-              <a:gd name="connsiteX27" fmla="*/ 327079 w 550035"/>
-              <a:gd name="connsiteY27" fmla="*/ 221323 h 606933"/>
-              <a:gd name="connsiteX28" fmla="*/ 176414 w 550035"/>
-              <a:gd name="connsiteY28" fmla="*/ 371634 h 606933"/>
-              <a:gd name="connsiteX29" fmla="*/ 176835 w 550035"/>
-              <a:gd name="connsiteY29" fmla="*/ 368972 h 606933"/>
-              <a:gd name="connsiteX30" fmla="*/ 234071 w 550035"/>
-              <a:gd name="connsiteY30" fmla="*/ 220763 h 606933"/>
-              <a:gd name="connsiteX31" fmla="*/ 245574 w 550035"/>
-              <a:gd name="connsiteY31" fmla="*/ 216280 h 606933"/>
-              <a:gd name="connsiteX32" fmla="*/ 268020 w 550035"/>
-              <a:gd name="connsiteY32" fmla="*/ 219922 h 606933"/>
-              <a:gd name="connsiteX33" fmla="*/ 286257 w 550035"/>
-              <a:gd name="connsiteY33" fmla="*/ 165710 h 606933"/>
-              <a:gd name="connsiteX34" fmla="*/ 289483 w 550035"/>
-              <a:gd name="connsiteY34" fmla="*/ 160807 h 606933"/>
-              <a:gd name="connsiteX35" fmla="*/ 426822 w 550035"/>
-              <a:gd name="connsiteY35" fmla="*/ 68211 h 606933"/>
-              <a:gd name="connsiteX36" fmla="*/ 485601 w 550035"/>
-              <a:gd name="connsiteY36" fmla="*/ 55323 h 606933"/>
-              <a:gd name="connsiteX37" fmla="*/ 11221 w 550035"/>
-              <a:gd name="connsiteY37" fmla="*/ 0 h 606933"/>
-              <a:gd name="connsiteX38" fmla="*/ 432988 w 550035"/>
-              <a:gd name="connsiteY38" fmla="*/ 0 h 606933"/>
-              <a:gd name="connsiteX39" fmla="*/ 444209 w 550035"/>
-              <a:gd name="connsiteY39" fmla="*/ 11206 h 606933"/>
-              <a:gd name="connsiteX40" fmla="*/ 444209 w 550035"/>
-              <a:gd name="connsiteY40" fmla="*/ 32077 h 606933"/>
-              <a:gd name="connsiteX41" fmla="*/ 416157 w 550035"/>
-              <a:gd name="connsiteY41" fmla="*/ 41321 h 606933"/>
-              <a:gd name="connsiteX42" fmla="*/ 269443 w 550035"/>
-              <a:gd name="connsiteY42" fmla="*/ 139792 h 606933"/>
-              <a:gd name="connsiteX43" fmla="*/ 258783 w 550035"/>
-              <a:gd name="connsiteY43" fmla="*/ 156461 h 606933"/>
-              <a:gd name="connsiteX44" fmla="*/ 248404 w 550035"/>
-              <a:gd name="connsiteY44" fmla="*/ 187557 h 606933"/>
-              <a:gd name="connsiteX45" fmla="*/ 243635 w 550035"/>
-              <a:gd name="connsiteY45" fmla="*/ 187277 h 606933"/>
-              <a:gd name="connsiteX46" fmla="*/ 211515 w 550035"/>
-              <a:gd name="connsiteY46" fmla="*/ 202685 h 606933"/>
-              <a:gd name="connsiteX47" fmla="*/ 147976 w 550035"/>
-              <a:gd name="connsiteY47" fmla="*/ 365589 h 606933"/>
-              <a:gd name="connsiteX48" fmla="*/ 140683 w 550035"/>
-              <a:gd name="connsiteY48" fmla="*/ 427220 h 606933"/>
-              <a:gd name="connsiteX49" fmla="*/ 91871 w 550035"/>
-              <a:gd name="connsiteY49" fmla="*/ 475965 h 606933"/>
-              <a:gd name="connsiteX50" fmla="*/ 84157 w 550035"/>
-              <a:gd name="connsiteY50" fmla="*/ 494455 h 606933"/>
-              <a:gd name="connsiteX51" fmla="*/ 91871 w 550035"/>
-              <a:gd name="connsiteY51" fmla="*/ 512945 h 606933"/>
-              <a:gd name="connsiteX52" fmla="*/ 110386 w 550035"/>
-              <a:gd name="connsiteY52" fmla="*/ 520649 h 606933"/>
-              <a:gd name="connsiteX53" fmla="*/ 128901 w 550035"/>
-              <a:gd name="connsiteY53" fmla="*/ 512945 h 606933"/>
-              <a:gd name="connsiteX54" fmla="*/ 176309 w 550035"/>
-              <a:gd name="connsiteY54" fmla="*/ 465600 h 606933"/>
-              <a:gd name="connsiteX55" fmla="*/ 246861 w 550035"/>
-              <a:gd name="connsiteY55" fmla="*/ 451453 h 606933"/>
-              <a:gd name="connsiteX56" fmla="*/ 444209 w 550035"/>
-              <a:gd name="connsiteY56" fmla="*/ 356764 h 606933"/>
-              <a:gd name="connsiteX57" fmla="*/ 444209 w 550035"/>
-              <a:gd name="connsiteY57" fmla="*/ 481708 h 606933"/>
-              <a:gd name="connsiteX58" fmla="*/ 340415 w 550035"/>
-              <a:gd name="connsiteY58" fmla="*/ 481708 h 606933"/>
-              <a:gd name="connsiteX59" fmla="*/ 325407 w 550035"/>
-              <a:gd name="connsiteY59" fmla="*/ 496696 h 606933"/>
-              <a:gd name="connsiteX60" fmla="*/ 325407 w 550035"/>
-              <a:gd name="connsiteY60" fmla="*/ 606933 h 606933"/>
-              <a:gd name="connsiteX61" fmla="*/ 11221 w 550035"/>
-              <a:gd name="connsiteY61" fmla="*/ 606933 h 606933"/>
-              <a:gd name="connsiteX62" fmla="*/ 0 w 550035"/>
-              <a:gd name="connsiteY62" fmla="*/ 595727 h 606933"/>
-              <a:gd name="connsiteX63" fmla="*/ 0 w 550035"/>
-              <a:gd name="connsiteY63" fmla="*/ 11206 h 606933"/>
-              <a:gd name="connsiteX64" fmla="*/ 11221 w 550035"/>
-              <a:gd name="connsiteY64" fmla="*/ 0 h 606933"/>
-            </a:gdLst>
-            <a:ahLst/>
-            <a:cxnLst>
-              <a:cxn ang="0">
-                <a:pos x="connsiteX0" y="connsiteY0"/>
-              </a:cxn>
-              <a:cxn ang="0">
-                <a:pos x="connsiteX1" y="connsiteY1"/>
-              </a:cxn>
-              <a:cxn ang="0">
-                <a:pos x="connsiteX2" y="connsiteY2"/>
-              </a:cxn>
-              <a:cxn ang="0">
-                <a:pos x="connsiteX3" y="connsiteY3"/>
-              </a:cxn>
-              <a:cxn ang="0">
-                <a:pos x="connsiteX4" y="connsiteY4"/>
-              </a:cxn>
-              <a:cxn ang="0">
-                <a:pos x="connsiteX5" y="connsiteY5"/>
-              </a:cxn>
-              <a:cxn ang="0">
-                <a:pos x="connsiteX6" y="connsiteY6"/>
-              </a:cxn>
-              <a:cxn ang="0">
-                <a:pos x="connsiteX7" y="connsiteY7"/>
-              </a:cxn>
-              <a:cxn ang="0">
-                <a:pos x="connsiteX8" y="connsiteY8"/>
-              </a:cxn>
-              <a:cxn ang="0">
-                <a:pos x="connsiteX9" y="connsiteY9"/>
-              </a:cxn>
-              <a:cxn ang="0">
-                <a:pos x="connsiteX10" y="connsiteY10"/>
-              </a:cxn>
-              <a:cxn ang="0">
-                <a:pos x="connsiteX11" y="connsiteY11"/>
-              </a:cxn>
-              <a:cxn ang="0">
-                <a:pos x="connsiteX12" y="connsiteY12"/>
-              </a:cxn>
-              <a:cxn ang="0">
-                <a:pos x="connsiteX13" y="connsiteY13"/>
-              </a:cxn>
-              <a:cxn ang="0">
-                <a:pos x="connsiteX14" y="connsiteY14"/>
-              </a:cxn>
-              <a:cxn ang="0">
-                <a:pos x="connsiteX15" y="connsiteY15"/>
-              </a:cxn>
-              <a:cxn ang="0">
-                <a:pos x="connsiteX16" y="connsiteY16"/>
-              </a:cxn>
-              <a:cxn ang="0">
-                <a:pos x="connsiteX17" y="connsiteY17"/>
-              </a:cxn>
-              <a:cxn ang="0">
-                <a:pos x="connsiteX18" y="connsiteY18"/>
-              </a:cxn>
-              <a:cxn ang="0">
-                <a:pos x="connsiteX19" y="connsiteY19"/>
-              </a:cxn>
-              <a:cxn ang="0">
-                <a:pos x="connsiteX20" y="connsiteY20"/>
-              </a:cxn>
-              <a:cxn ang="0">
-                <a:pos x="connsiteX21" y="connsiteY21"/>
-              </a:cxn>
-              <a:cxn ang="0">
-                <a:pos x="connsiteX22" y="connsiteY22"/>
-              </a:cxn>
-              <a:cxn ang="0">
-                <a:pos x="connsiteX23" y="connsiteY23"/>
-              </a:cxn>
-              <a:cxn ang="0">
-                <a:pos x="connsiteX24" y="connsiteY24"/>
-              </a:cxn>
-              <a:cxn ang="0">
-                <a:pos x="connsiteX25" y="connsiteY25"/>
-              </a:cxn>
-              <a:cxn ang="0">
-                <a:pos x="connsiteX26" y="connsiteY26"/>
-              </a:cxn>
-              <a:cxn ang="0">
-                <a:pos x="connsiteX27" y="connsiteY27"/>
-              </a:cxn>
-              <a:cxn ang="0">
-                <a:pos x="connsiteX28" y="connsiteY28"/>
-              </a:cxn>
-              <a:cxn ang="0">
-                <a:pos x="connsiteX29" y="connsiteY29"/>
-              </a:cxn>
-              <a:cxn ang="0">
-                <a:pos x="connsiteX30" y="connsiteY30"/>
-              </a:cxn>
-              <a:cxn ang="0">
-                <a:pos x="connsiteX31" y="connsiteY31"/>
-              </a:cxn>
-              <a:cxn ang="0">
-                <a:pos x="connsiteX32" y="connsiteY32"/>
-              </a:cxn>
-              <a:cxn ang="0">
-                <a:pos x="connsiteX33" y="connsiteY33"/>
-              </a:cxn>
-              <a:cxn ang="0">
-                <a:pos x="connsiteX34" y="connsiteY34"/>
-              </a:cxn>
-              <a:cxn ang="0">
-                <a:pos x="connsiteX35" y="connsiteY35"/>
-              </a:cxn>
-              <a:cxn ang="0">
-                <a:pos x="connsiteX36" y="connsiteY36"/>
-              </a:cxn>
-              <a:cxn ang="0">
-                <a:pos x="connsiteX37" y="connsiteY37"/>
-              </a:cxn>
-              <a:cxn ang="0">
-                <a:pos x="connsiteX38" y="connsiteY38"/>
-              </a:cxn>
-              <a:cxn ang="0">
-                <a:pos x="connsiteX39" y="connsiteY39"/>
-              </a:cxn>
-              <a:cxn ang="0">
-                <a:pos x="connsiteX40" y="connsiteY40"/>
-              </a:cxn>
-              <a:cxn ang="0">
-                <a:pos x="connsiteX41" y="connsiteY41"/>
-              </a:cxn>
-              <a:cxn ang="0">
-                <a:pos x="connsiteX42" y="connsiteY42"/>
-              </a:cxn>
-              <a:cxn ang="0">
-                <a:pos x="connsiteX43" y="connsiteY43"/>
-              </a:cxn>
-              <a:cxn ang="0">
-                <a:pos x="connsiteX44" y="connsiteY44"/>
-              </a:cxn>
-              <a:cxn ang="0">
-                <a:pos x="connsiteX45" y="connsiteY45"/>
-              </a:cxn>
-              <a:cxn ang="0">
-                <a:pos x="connsiteX46" y="connsiteY46"/>
-              </a:cxn>
-              <a:cxn ang="0">
-                <a:pos x="connsiteX47" y="connsiteY47"/>
-              </a:cxn>
-              <a:cxn ang="0">
-                <a:pos x="connsiteX48" y="connsiteY48"/>
-              </a:cxn>
-              <a:cxn ang="0">
-                <a:pos x="connsiteX49" y="connsiteY49"/>
-              </a:cxn>
-              <a:cxn ang="0">
-                <a:pos x="connsiteX50" y="connsiteY50"/>
-              </a:cxn>
-              <a:cxn ang="0">
-                <a:pos x="connsiteX51" y="connsiteY51"/>
-              </a:cxn>
-              <a:cxn ang="0">
-                <a:pos x="connsiteX52" y="connsiteY52"/>
-              </a:cxn>
-              <a:cxn ang="0">
-                <a:pos x="connsiteX53" y="connsiteY53"/>
-              </a:cxn>
-              <a:cxn ang="0">
-                <a:pos x="connsiteX54" y="connsiteY54"/>
-              </a:cxn>
-              <a:cxn ang="0">
-                <a:pos x="connsiteX55" y="connsiteY55"/>
-              </a:cxn>
-              <a:cxn ang="0">
-                <a:pos x="connsiteX56" y="connsiteY56"/>
-              </a:cxn>
-              <a:cxn ang="0">
-                <a:pos x="connsiteX57" y="connsiteY57"/>
-              </a:cxn>
-              <a:cxn ang="0">
-                <a:pos x="connsiteX58" y="connsiteY58"/>
-              </a:cxn>
-              <a:cxn ang="0">
-                <a:pos x="connsiteX59" y="connsiteY59"/>
-              </a:cxn>
-              <a:cxn ang="0">
-                <a:pos x="connsiteX60" y="connsiteY60"/>
-              </a:cxn>
-              <a:cxn ang="0">
-                <a:pos x="connsiteX61" y="connsiteY61"/>
-              </a:cxn>
-              <a:cxn ang="0">
-                <a:pos x="connsiteX62" y="connsiteY62"/>
-              </a:cxn>
-              <a:cxn ang="0">
-                <a:pos x="connsiteX63" y="connsiteY63"/>
-              </a:cxn>
-              <a:cxn ang="0">
-                <a:pos x="connsiteX64" y="connsiteY64"/>
-              </a:cxn>
-            </a:cxnLst>
-            <a:rect l="l" t="t" r="r" b="b"/>
-            <a:pathLst>
-              <a:path w="550035" h="606933">
-                <a:moveTo>
-                  <a:pt x="355297" y="511529"/>
-                </a:moveTo>
-                <a:lnTo>
-                  <a:pt x="444280" y="511529"/>
-                </a:lnTo>
-                <a:lnTo>
-                  <a:pt x="444280" y="520355"/>
-                </a:lnTo>
-                <a:cubicBezTo>
-                  <a:pt x="444280" y="523157"/>
-                  <a:pt x="443298" y="525678"/>
-                  <a:pt x="441473" y="527780"/>
-                </a:cubicBezTo>
-                <a:lnTo>
-                  <a:pt x="373964" y="603291"/>
-                </a:lnTo>
-                <a:cubicBezTo>
-                  <a:pt x="371859" y="605672"/>
-                  <a:pt x="368771" y="606933"/>
-                  <a:pt x="365543" y="606933"/>
-                </a:cubicBezTo>
-                <a:lnTo>
-                  <a:pt x="355297" y="606933"/>
-                </a:lnTo>
-                <a:close/>
-                <a:moveTo>
-                  <a:pt x="347586" y="241795"/>
-                </a:moveTo>
-                <a:cubicBezTo>
-                  <a:pt x="351935" y="237453"/>
-                  <a:pt x="359089" y="237453"/>
-                  <a:pt x="363438" y="241795"/>
-                </a:cubicBezTo>
-                <a:cubicBezTo>
-                  <a:pt x="367787" y="246137"/>
-                  <a:pt x="367787" y="253281"/>
-                  <a:pt x="363438" y="257623"/>
-                </a:cubicBezTo>
-                <a:lnTo>
-                  <a:pt x="118357" y="502319"/>
-                </a:lnTo>
-                <a:cubicBezTo>
-                  <a:pt x="113868" y="506801"/>
-                  <a:pt x="106853" y="506801"/>
-                  <a:pt x="102504" y="502319"/>
-                </a:cubicBezTo>
-                <a:cubicBezTo>
-                  <a:pt x="98015" y="497977"/>
-                  <a:pt x="98015" y="490973"/>
-                  <a:pt x="102504" y="486491"/>
-                </a:cubicBezTo>
-                <a:close/>
-                <a:moveTo>
-                  <a:pt x="485601" y="55323"/>
-                </a:moveTo>
-                <a:cubicBezTo>
-                  <a:pt x="505661" y="55323"/>
-                  <a:pt x="521513" y="61066"/>
-                  <a:pt x="532876" y="72553"/>
-                </a:cubicBezTo>
-                <a:cubicBezTo>
-                  <a:pt x="562336" y="101971"/>
-                  <a:pt x="553498" y="161927"/>
-                  <a:pt x="509168" y="232950"/>
-                </a:cubicBezTo>
-                <a:cubicBezTo>
-                  <a:pt x="508186" y="234771"/>
-                  <a:pt x="506643" y="236172"/>
-                  <a:pt x="504960" y="237153"/>
-                </a:cubicBezTo>
-                <a:lnTo>
-                  <a:pt x="453195" y="266430"/>
-                </a:lnTo>
-                <a:lnTo>
-                  <a:pt x="461331" y="287443"/>
-                </a:lnTo>
-                <a:cubicBezTo>
-                  <a:pt x="462875" y="291785"/>
-                  <a:pt x="462033" y="296408"/>
-                  <a:pt x="459087" y="299910"/>
-                </a:cubicBezTo>
-                <a:cubicBezTo>
-                  <a:pt x="450810" y="309156"/>
-                  <a:pt x="442113" y="318402"/>
-                  <a:pt x="433275" y="327367"/>
-                </a:cubicBezTo>
-                <a:cubicBezTo>
-                  <a:pt x="373934" y="386623"/>
-                  <a:pt x="296077" y="412118"/>
-                  <a:pt x="241085" y="423185"/>
-                </a:cubicBezTo>
-                <a:lnTo>
-                  <a:pt x="238139" y="423745"/>
-                </a:lnTo>
-                <a:lnTo>
-                  <a:pt x="383895" y="278057"/>
-                </a:lnTo>
-                <a:cubicBezTo>
-                  <a:pt x="391470" y="270493"/>
-                  <a:pt x="395678" y="260407"/>
-                  <a:pt x="395678" y="249760"/>
-                </a:cubicBezTo>
-                <a:cubicBezTo>
-                  <a:pt x="395678" y="238974"/>
-                  <a:pt x="391470" y="228888"/>
-                  <a:pt x="383895" y="221323"/>
-                </a:cubicBezTo>
-                <a:cubicBezTo>
-                  <a:pt x="376319" y="213758"/>
-                  <a:pt x="366219" y="209556"/>
-                  <a:pt x="355557" y="209556"/>
-                </a:cubicBezTo>
-                <a:cubicBezTo>
-                  <a:pt x="344755" y="209556"/>
-                  <a:pt x="334655" y="213758"/>
-                  <a:pt x="327079" y="221323"/>
-                </a:cubicBezTo>
-                <a:lnTo>
-                  <a:pt x="176414" y="371634"/>
-                </a:lnTo>
-                <a:lnTo>
-                  <a:pt x="176835" y="368972"/>
-                </a:lnTo>
-                <a:cubicBezTo>
-                  <a:pt x="181605" y="328207"/>
-                  <a:pt x="195493" y="269232"/>
-                  <a:pt x="234071" y="220763"/>
-                </a:cubicBezTo>
-                <a:cubicBezTo>
-                  <a:pt x="236877" y="217401"/>
-                  <a:pt x="241225" y="215720"/>
-                  <a:pt x="245574" y="216280"/>
-                </a:cubicBezTo>
-                <a:lnTo>
-                  <a:pt x="268020" y="219922"/>
-                </a:lnTo>
-                <a:lnTo>
-                  <a:pt x="286257" y="165710"/>
-                </a:lnTo>
-                <a:cubicBezTo>
-                  <a:pt x="286818" y="163888"/>
-                  <a:pt x="287940" y="162067"/>
-                  <a:pt x="289483" y="160807"/>
-                </a:cubicBezTo>
-                <a:cubicBezTo>
-                  <a:pt x="334374" y="118221"/>
-                  <a:pt x="383193" y="85301"/>
-                  <a:pt x="426822" y="68211"/>
-                </a:cubicBezTo>
-                <a:cubicBezTo>
-                  <a:pt x="448566" y="59666"/>
-                  <a:pt x="468346" y="55323"/>
-                  <a:pt x="485601" y="55323"/>
-                </a:cubicBezTo>
-                <a:close/>
-                <a:moveTo>
-                  <a:pt x="11221" y="0"/>
-                </a:moveTo>
-                <a:lnTo>
-                  <a:pt x="432988" y="0"/>
-                </a:lnTo>
-                <a:cubicBezTo>
-                  <a:pt x="439300" y="0"/>
-                  <a:pt x="444209" y="5043"/>
-                  <a:pt x="444209" y="11206"/>
-                </a:cubicBezTo>
-                <a:lnTo>
-                  <a:pt x="444209" y="32077"/>
-                </a:lnTo>
-                <a:cubicBezTo>
-                  <a:pt x="435232" y="34458"/>
-                  <a:pt x="425835" y="37539"/>
-                  <a:pt x="416157" y="41321"/>
-                </a:cubicBezTo>
-                <a:cubicBezTo>
-                  <a:pt x="369169" y="59811"/>
-                  <a:pt x="317132" y="94689"/>
-                  <a:pt x="269443" y="139792"/>
-                </a:cubicBezTo>
-                <a:cubicBezTo>
-                  <a:pt x="264674" y="144274"/>
-                  <a:pt x="260887" y="150157"/>
-                  <a:pt x="258783" y="156461"/>
-                </a:cubicBezTo>
-                <a:lnTo>
-                  <a:pt x="248404" y="187557"/>
-                </a:lnTo>
-                <a:cubicBezTo>
-                  <a:pt x="246861" y="187277"/>
-                  <a:pt x="245178" y="187277"/>
-                  <a:pt x="243635" y="187277"/>
-                </a:cubicBezTo>
-                <a:cubicBezTo>
-                  <a:pt x="231011" y="187277"/>
-                  <a:pt x="219370" y="192879"/>
-                  <a:pt x="211515" y="202685"/>
-                </a:cubicBezTo>
-                <a:cubicBezTo>
-                  <a:pt x="168595" y="256612"/>
-                  <a:pt x="153306" y="321046"/>
-                  <a:pt x="147976" y="365589"/>
-                </a:cubicBezTo>
-                <a:lnTo>
-                  <a:pt x="140683" y="427220"/>
-                </a:lnTo>
-                <a:lnTo>
-                  <a:pt x="91871" y="475965"/>
-                </a:lnTo>
-                <a:cubicBezTo>
-                  <a:pt x="86962" y="480868"/>
-                  <a:pt x="84157" y="487451"/>
-                  <a:pt x="84157" y="494455"/>
-                </a:cubicBezTo>
-                <a:cubicBezTo>
-                  <a:pt x="84157" y="501459"/>
-                  <a:pt x="86962" y="508042"/>
-                  <a:pt x="91871" y="512945"/>
-                </a:cubicBezTo>
-                <a:cubicBezTo>
-                  <a:pt x="96780" y="517847"/>
-                  <a:pt x="103373" y="520649"/>
-                  <a:pt x="110386" y="520649"/>
-                </a:cubicBezTo>
-                <a:cubicBezTo>
-                  <a:pt x="117399" y="520649"/>
-                  <a:pt x="123992" y="517847"/>
-                  <a:pt x="128901" y="512945"/>
-                </a:cubicBezTo>
-                <a:lnTo>
-                  <a:pt x="176309" y="465600"/>
-                </a:lnTo>
-                <a:lnTo>
-                  <a:pt x="246861" y="451453"/>
-                </a:lnTo>
-                <a:cubicBezTo>
-                  <a:pt x="302825" y="440247"/>
-                  <a:pt x="381232" y="414754"/>
-                  <a:pt x="444209" y="356764"/>
-                </a:cubicBezTo>
-                <a:lnTo>
-                  <a:pt x="444209" y="481708"/>
-                </a:lnTo>
-                <a:lnTo>
-                  <a:pt x="340415" y="481708"/>
-                </a:lnTo>
-                <a:cubicBezTo>
-                  <a:pt x="332140" y="481708"/>
-                  <a:pt x="325407" y="488432"/>
-                  <a:pt x="325407" y="496696"/>
-                </a:cubicBezTo>
-                <a:lnTo>
-                  <a:pt x="325407" y="606933"/>
-                </a:lnTo>
-                <a:lnTo>
-                  <a:pt x="11221" y="606933"/>
-                </a:lnTo>
-                <a:cubicBezTo>
-                  <a:pt x="4909" y="606933"/>
-                  <a:pt x="0" y="602031"/>
-                  <a:pt x="0" y="595727"/>
-                </a:cubicBezTo>
-                <a:lnTo>
-                  <a:pt x="0" y="11206"/>
-                </a:lnTo>
-                <a:cubicBezTo>
-                  <a:pt x="0" y="5043"/>
-                  <a:pt x="4909" y="0"/>
-                  <a:pt x="11221" y="0"/>
-                </a:cubicBezTo>
-                <a:close/>
-              </a:path>
-            </a:pathLst>
-          </a:custGeom>
-          <a:solidFill>
-            <a:srgbClr val="172238"/>
-          </a:solidFill>
-          <a:ln>
-            <a:noFill/>
-          </a:ln>
-        </p:spPr>
-        <p:style>
-          <a:lnRef idx="2">
-            <a:schemeClr val="accent1">
-              <a:shade val="50000"/>
-            </a:schemeClr>
-          </a:lnRef>
-          <a:fillRef idx="1">
-            <a:schemeClr val="accent1"/>
-          </a:fillRef>
-          <a:effectRef idx="0">
-            <a:schemeClr val="accent1"/>
-          </a:effectRef>
-          <a:fontRef idx="minor">
-            <a:schemeClr val="lt1"/>
-          </a:fontRef>
-        </p:style>
-      </p:sp>
-    </p:spTree>
-  </p:cSld>
-  <p:clrMapOvr>
-    <a:masterClrMapping/>
-  </p:clrMapOvr>
-  <mc:AlternateContent xmlns:mc="http://schemas.openxmlformats.org/markup-compatibility/2006">
-    <mc:Choice xmlns:p14="http://schemas.microsoft.com/office/powerpoint/2010/main" Requires="p14">
-      <p:transition spd="slow" p14:dur="1500">
-        <p:split orient="vert"/>
-      </p:transition>
-    </mc:Choice>
-    <mc:Fallback>
-      <p:transition spd="slow">
-        <p:split orient="vert"/>
-      </p:transition>
-    </mc:Fallback>
-  </mc:AlternateContent>
-</p:sld>
-</file>
-
-<file path=ppt/slides/slide21.xml><?xml version="1.0" encoding="utf-8"?>
-<p:sld xmlns:a="http://schemas.openxmlformats.org/drawingml/2006/main" xmlns:r="http://schemas.openxmlformats.org/officeDocument/2006/relationships" xmlns:p="http://schemas.openxmlformats.org/presentationml/2006/main">
-  <p:cSld>
-    <p:spTree>
-      <p:nvGrpSpPr>
-        <p:cNvPr id="1" name=""/>
-        <p:cNvGrpSpPr/>
-        <p:nvPr/>
-      </p:nvGrpSpPr>
-      <p:grpSpPr>
-        <a:xfrm>
-          <a:off x="0" y="0"/>
-          <a:ext cx="0" cy="0"/>
-          <a:chOff x="0" y="0"/>
-          <a:chExt cx="0" cy="0"/>
-        </a:xfrm>
-      </p:grpSpPr>
-      <p:sp>
-        <p:nvSpPr>
           <p:cNvPr id="5" name="椭圆 4"/>
           <p:cNvSpPr/>
           <p:nvPr/>
@@ -32738,7 +30249,7 @@
 </p:sld>
 </file>
 
-<file path=ppt/slides/slide22.xml><?xml version="1.0" encoding="utf-8"?>
+<file path=ppt/slides/slide21.xml><?xml version="1.0" encoding="utf-8"?>
 <p:sld xmlns:a="http://schemas.openxmlformats.org/drawingml/2006/main" xmlns:r="http://schemas.openxmlformats.org/officeDocument/2006/relationships" xmlns:p="http://schemas.openxmlformats.org/presentationml/2006/main">
   <p:cSld>
     <p:spTree>
@@ -33316,7 +30827,7 @@
 </p:sld>
 </file>
 
-<file path=ppt/slides/slide23.xml><?xml version="1.0" encoding="utf-8"?>
+<file path=ppt/slides/slide22.xml><?xml version="1.0" encoding="utf-8"?>
 <p:sld xmlns:a="http://schemas.openxmlformats.org/drawingml/2006/main" xmlns:r="http://schemas.openxmlformats.org/officeDocument/2006/relationships" xmlns:p="http://schemas.openxmlformats.org/presentationml/2006/main">
   <p:cSld>
     <p:spTree>
@@ -35235,7 +32746,7 @@
 </p:sld>
 </file>
 
-<file path=ppt/slides/slide24.xml><?xml version="1.0" encoding="utf-8"?>
+<file path=ppt/slides/slide23.xml><?xml version="1.0" encoding="utf-8"?>
 <p:sld xmlns:a="http://schemas.openxmlformats.org/drawingml/2006/main" xmlns:r="http://schemas.openxmlformats.org/officeDocument/2006/relationships" xmlns:p="http://schemas.openxmlformats.org/presentationml/2006/main">
   <p:cSld>
     <p:spTree>
@@ -36047,7 +33558,7 @@
 </p:sld>
 </file>
 
-<file path=ppt/slides/slide25.xml><?xml version="1.0" encoding="utf-8"?>
+<file path=ppt/slides/slide24.xml><?xml version="1.0" encoding="utf-8"?>
 <p:sld xmlns:a="http://schemas.openxmlformats.org/drawingml/2006/main" xmlns:r="http://schemas.openxmlformats.org/officeDocument/2006/relationships" xmlns:p="http://schemas.openxmlformats.org/presentationml/2006/main">
   <p:cSld>
     <p:spTree>
@@ -36542,7 +34053,7 @@
 </p:sld>
 </file>
 
-<file path=ppt/slides/slide26.xml><?xml version="1.0" encoding="utf-8"?>
+<file path=ppt/slides/slide25.xml><?xml version="1.0" encoding="utf-8"?>
 <p:sld xmlns:a="http://schemas.openxmlformats.org/drawingml/2006/main" xmlns:r="http://schemas.openxmlformats.org/officeDocument/2006/relationships" xmlns:p="http://schemas.openxmlformats.org/presentationml/2006/main">
   <p:cSld>
     <p:spTree>
